--- a/나자바아이스크림가게_.pptx
+++ b/나자바아이스크림가게_.pptx
@@ -7883,7 +7883,7 @@
         </p:nvSpPr>
         <p:spPr>
           <a:xfrm>
-            <a:off x="13520895" y="6224527"/>
+            <a:off x="13183505" y="6224527"/>
             <a:ext cx="1383947" cy="1385401"/>
           </a:xfrm>
           <a:prstGeom prst="rect">
@@ -7899,7 +7899,7 @@
               <a:defRPr lang="ko-KR" altLang="en-US"/>
             </a:pPr>
             <a:r>
-              <a:rPr lang="en-US" sz="6100">
+              <a:rPr lang="en-US" sz="6100" dirty="0">
                 <a:solidFill>
                   <a:srgbClr val="595959"/>
                 </a:solidFill>
@@ -7908,7 +7908,7 @@
               </a:rPr>
               <a:t>04</a:t>
             </a:r>
-            <a:endParaRPr lang="en-US"/>
+            <a:endParaRPr lang="en-US" dirty="0"/>
           </a:p>
         </p:txBody>
       </p:sp>
@@ -7920,7 +7920,7 @@
         </p:nvSpPr>
         <p:spPr>
           <a:xfrm>
-            <a:off x="13520895" y="7242968"/>
+            <a:off x="13095449" y="7212805"/>
             <a:ext cx="4693239" cy="639535"/>
           </a:xfrm>
           <a:prstGeom prst="rect">
@@ -8049,6 +8049,91 @@
           </a:prstGeom>
         </p:spPr>
       </p:pic>
+      <p:sp>
+        <p:nvSpPr>
+          <p:cNvPr id="21" name="Object 19">
+            <a:extLst>
+              <a:ext uri="{FF2B5EF4-FFF2-40B4-BE49-F238E27FC236}">
+                <a16:creationId xmlns:a16="http://schemas.microsoft.com/office/drawing/2014/main" id="{EAC95D32-7ADF-4F7D-A6DB-C4D4E347FC2C}"/>
+              </a:ext>
+            </a:extLst>
+          </p:cNvPr>
+          <p:cNvSpPr txBox="1"/>
+          <p:nvPr/>
+        </p:nvSpPr>
+        <p:spPr>
+          <a:xfrm>
+            <a:off x="15867514" y="6215355"/>
+            <a:ext cx="1383947" cy="1385401"/>
+          </a:xfrm>
+          <a:prstGeom prst="rect">
+            <a:avLst/>
+          </a:prstGeom>
+          <a:noFill/>
+        </p:spPr>
+        <p:txBody>
+          <a:bodyPr wrap="square"/>
+          <a:lstStyle/>
+          <a:p>
+            <a:pPr algn="just">
+              <a:defRPr lang="ko-KR" altLang="en-US"/>
+            </a:pPr>
+            <a:r>
+              <a:rPr lang="en-US" sz="6100" dirty="0">
+                <a:solidFill>
+                  <a:srgbClr val="595959"/>
+                </a:solidFill>
+                <a:latin typeface="카페24 당당해"/>
+                <a:cs typeface="카페24 당당해"/>
+              </a:rPr>
+              <a:t>05</a:t>
+            </a:r>
+            <a:endParaRPr lang="en-US" dirty="0"/>
+          </a:p>
+        </p:txBody>
+      </p:sp>
+      <p:sp>
+        <p:nvSpPr>
+          <p:cNvPr id="23" name="Object 20">
+            <a:extLst>
+              <a:ext uri="{FF2B5EF4-FFF2-40B4-BE49-F238E27FC236}">
+                <a16:creationId xmlns:a16="http://schemas.microsoft.com/office/drawing/2014/main" id="{8CA780F0-F878-4768-B1E7-FA0440B6E5BB}"/>
+              </a:ext>
+            </a:extLst>
+          </p:cNvPr>
+          <p:cNvSpPr txBox="1"/>
+          <p:nvPr/>
+        </p:nvSpPr>
+        <p:spPr>
+          <a:xfrm>
+            <a:off x="15760270" y="7242967"/>
+            <a:ext cx="4693239" cy="639535"/>
+          </a:xfrm>
+          <a:prstGeom prst="rect">
+            <a:avLst/>
+          </a:prstGeom>
+          <a:noFill/>
+        </p:spPr>
+        <p:txBody>
+          <a:bodyPr wrap="square"/>
+          <a:lstStyle/>
+          <a:p>
+            <a:pPr algn="just">
+              <a:defRPr lang="ko-KR" altLang="en-US"/>
+            </a:pPr>
+            <a:r>
+              <a:rPr lang="ko-KR" altLang="en-US" sz="2800" dirty="0">
+                <a:solidFill>
+                  <a:srgbClr val="595959"/>
+                </a:solidFill>
+                <a:latin typeface="카페24 당당해"/>
+                <a:cs typeface="카페24 당당해"/>
+              </a:rPr>
+              <a:t>구현영상</a:t>
+            </a:r>
+          </a:p>
+        </p:txBody>
+      </p:sp>
     </p:spTree>
   </p:cSld>
   <p:clrMapOvr>

--- a/나자바아이스크림가게_.pptx
+++ b/나자바아이스크림가게_.pptx
@@ -30,7 +30,7 @@
     <p:sldId id="278" r:id="rId27"/>
     <p:sldId id="279" r:id="rId28"/>
     <p:sldId id="280" r:id="rId29"/>
-    <p:sldId id="281" r:id="rId30"/>
+    <p:sldId id="299" r:id="rId30"/>
     <p:sldId id="282" r:id="rId31"/>
     <p:sldId id="283" r:id="rId32"/>
     <p:sldId id="284" r:id="rId33"/>
@@ -4429,128 +4429,13 @@
       </p:grpSpPr>
       <p:sp>
         <p:nvSpPr>
-          <p:cNvPr id="15" name="Object 15"/>
-          <p:cNvSpPr txBox="1"/>
-          <p:nvPr/>
-        </p:nvSpPr>
-        <p:spPr>
-          <a:xfrm>
-            <a:off x="472895" y="547491"/>
-            <a:ext cx="742705" cy="1222769"/>
-          </a:xfrm>
-          <a:prstGeom prst="rect">
-            <a:avLst/>
-          </a:prstGeom>
-          <a:noFill/>
-        </p:spPr>
-        <p:txBody>
-          <a:bodyPr wrap="square"/>
-          <a:lstStyle/>
-          <a:p>
-            <a:pPr algn="ctr">
-              <a:defRPr lang="ko-KR" altLang="en-US"/>
-            </a:pPr>
-            <a:r>
-              <a:rPr lang="en-US" sz="5300">
-                <a:solidFill>
-                  <a:srgbClr val="595959"/>
-                </a:solidFill>
-                <a:latin typeface="카페24 당당해"/>
-                <a:cs typeface="카페24 당당해"/>
-              </a:rPr>
-              <a:t>+</a:t>
-            </a:r>
-            <a:endParaRPr lang="en-US"/>
-          </a:p>
-        </p:txBody>
-      </p:sp>
-      <p:grpSp>
-        <p:nvGrpSpPr>
-          <p:cNvPr id="1005" name="그룹 1005"/>
-          <p:cNvGrpSpPr/>
-          <p:nvPr/>
-        </p:nvGrpSpPr>
-        <p:grpSpPr>
-          <a:xfrm>
-            <a:off x="-488380" y="6567674"/>
-            <a:ext cx="2813796" cy="124275"/>
-            <a:chOff x="-488380" y="6567674"/>
-            <a:chExt cx="2813796" cy="124275"/>
-          </a:xfrm>
-        </p:grpSpPr>
-        <p:pic>
-          <p:nvPicPr>
-            <p:cNvPr id="17" name="Object 16"/>
-            <p:cNvPicPr>
-              <a:picLocks noChangeAspect="1"/>
-            </p:cNvPicPr>
-            <p:nvPr/>
-          </p:nvPicPr>
-          <p:blipFill rotWithShape="1">
-            <a:blip r:embed="rId2"/>
-            <a:stretch>
-              <a:fillRect/>
-            </a:stretch>
-          </p:blipFill>
-          <p:spPr>
-            <a:xfrm rot="5400000">
-              <a:off x="-488380" y="6567674"/>
-              <a:ext cx="2813796" cy="124275"/>
-            </a:xfrm>
-            <a:prstGeom prst="rect">
-              <a:avLst/>
-            </a:prstGeom>
-          </p:spPr>
-        </p:pic>
-      </p:grpSp>
-      <p:grpSp>
-        <p:nvGrpSpPr>
-          <p:cNvPr id="1006" name="그룹 1006"/>
-          <p:cNvGrpSpPr/>
-          <p:nvPr/>
-        </p:nvGrpSpPr>
-        <p:grpSpPr>
-          <a:xfrm>
-            <a:off x="-3588230" y="5035581"/>
-            <a:ext cx="10792838" cy="164571"/>
-            <a:chOff x="-3588230" y="5035581"/>
-            <a:chExt cx="10792838" cy="164571"/>
-          </a:xfrm>
-        </p:grpSpPr>
-        <p:pic>
-          <p:nvPicPr>
-            <p:cNvPr id="20" name="Object 19"/>
-            <p:cNvPicPr>
-              <a:picLocks noChangeAspect="1"/>
-            </p:cNvPicPr>
-            <p:nvPr/>
-          </p:nvPicPr>
-          <p:blipFill rotWithShape="1">
-            <a:blip r:embed="rId3"/>
-            <a:stretch>
-              <a:fillRect/>
-            </a:stretch>
-          </p:blipFill>
-          <p:spPr>
-            <a:xfrm rot="16200000">
-              <a:off x="-3588230" y="5035581"/>
-              <a:ext cx="10792838" cy="164571"/>
-            </a:xfrm>
-            <a:prstGeom prst="rect">
-              <a:avLst/>
-            </a:prstGeom>
-          </p:spPr>
-        </p:pic>
-      </p:grpSp>
-      <p:sp>
-        <p:nvSpPr>
           <p:cNvPr id="23" name="Object 23"/>
           <p:cNvSpPr txBox="1"/>
           <p:nvPr/>
         </p:nvSpPr>
         <p:spPr>
           <a:xfrm>
-            <a:off x="2057400" y="289677"/>
+            <a:off x="838200" y="350187"/>
             <a:ext cx="6553200" cy="624723"/>
           </a:xfrm>
           <a:prstGeom prst="rect">
@@ -4566,7 +4451,7 @@
               <a:defRPr lang="ko-KR" altLang="en-US"/>
             </a:pPr>
             <a:r>
-              <a:rPr lang="ko-KR" altLang="en-US" sz="3400">
+              <a:rPr lang="ko-KR" altLang="en-US" sz="3400" dirty="0">
                 <a:solidFill>
                   <a:srgbClr val="595959"/>
                 </a:solidFill>
@@ -4576,7 +4461,7 @@
               <a:t>- </a:t>
             </a:r>
             <a:r>
-              <a:rPr lang="en-US" altLang="ko-KR" sz="3400">
+              <a:rPr lang="en-US" altLang="ko-KR" sz="3400" dirty="0">
                 <a:solidFill>
                   <a:srgbClr val="595959"/>
                 </a:solidFill>
@@ -4588,45 +4473,6 @@
           </a:p>
         </p:txBody>
       </p:sp>
-      <p:grpSp>
-        <p:nvGrpSpPr>
-          <p:cNvPr id="1013" name="그룹 1013"/>
-          <p:cNvGrpSpPr/>
-          <p:nvPr/>
-        </p:nvGrpSpPr>
-        <p:grpSpPr>
-          <a:xfrm>
-            <a:off x="1790476" y="9460571"/>
-            <a:ext cx="17371428" cy="164571"/>
-            <a:chOff x="1790476" y="9460571"/>
-            <a:chExt cx="17371428" cy="164571"/>
-          </a:xfrm>
-        </p:grpSpPr>
-        <p:pic>
-          <p:nvPicPr>
-            <p:cNvPr id="51" name="Object 50"/>
-            <p:cNvPicPr>
-              <a:picLocks noChangeAspect="1"/>
-            </p:cNvPicPr>
-            <p:nvPr/>
-          </p:nvPicPr>
-          <p:blipFill rotWithShape="1">
-            <a:blip r:embed="rId4"/>
-            <a:stretch>
-              <a:fillRect/>
-            </a:stretch>
-          </p:blipFill>
-          <p:spPr>
-            <a:xfrm rot="10800000">
-              <a:off x="1790476" y="9460571"/>
-              <a:ext cx="17371428" cy="164571"/>
-            </a:xfrm>
-            <a:prstGeom prst="rect">
-              <a:avLst/>
-            </a:prstGeom>
-          </p:spPr>
-        </p:pic>
-      </p:grpSp>
       <p:sp>
         <p:nvSpPr>
           <p:cNvPr id="53" name="Object 53"/>
@@ -4635,8 +4481,8 @@
         </p:nvSpPr>
         <p:spPr>
           <a:xfrm>
-            <a:off x="4267200" y="1295400"/>
-            <a:ext cx="2570530" cy="365704"/>
+            <a:off x="1143000" y="1247742"/>
+            <a:ext cx="2971800" cy="365704"/>
           </a:xfrm>
           <a:prstGeom prst="rect">
             <a:avLst/>
@@ -4651,7 +4497,7 @@
               <a:defRPr lang="ko-KR" altLang="en-US"/>
             </a:pPr>
             <a:r>
-              <a:rPr lang="en-US" altLang="ko-KR">
+              <a:rPr lang="en-US" altLang="ko-KR" sz="2400" dirty="0">
                 <a:solidFill>
                   <a:srgbClr val="595959"/>
                 </a:solidFill>
@@ -4661,7 +4507,7 @@
               <a:t>DB</a:t>
             </a:r>
             <a:r>
-              <a:rPr lang="ko-KR" altLang="en-US">
+              <a:rPr lang="ko-KR" altLang="en-US" sz="2400" dirty="0">
                 <a:solidFill>
                   <a:srgbClr val="595959"/>
                 </a:solidFill>
@@ -4671,7 +4517,7 @@
               <a:t> </a:t>
             </a:r>
             <a:r>
-              <a:rPr lang="en-US" altLang="ko-KR">
+              <a:rPr lang="en-US" altLang="ko-KR" sz="2400" dirty="0">
                 <a:solidFill>
                   <a:srgbClr val="595959"/>
                 </a:solidFill>
@@ -4692,19 +4538,24 @@
           <p:nvPr/>
         </p:nvPicPr>
         <p:blipFill rotWithShape="1">
-          <a:blip r:embed="rId5"/>
+          <a:blip r:embed="rId2"/>
           <a:stretch>
             <a:fillRect/>
           </a:stretch>
         </p:blipFill>
         <p:spPr>
           <a:xfrm>
-            <a:off x="2819400" y="1828800"/>
-            <a:ext cx="6086475" cy="6705600"/>
-          </a:xfrm>
-          <a:prstGeom prst="rect">
-            <a:avLst/>
-          </a:prstGeom>
+            <a:off x="1143000" y="1781735"/>
+            <a:ext cx="7315200" cy="8059313"/>
+          </a:xfrm>
+          <a:prstGeom prst="rect">
+            <a:avLst/>
+          </a:prstGeom>
+          <a:ln w="28575">
+            <a:solidFill>
+              <a:schemeClr val="tx2"/>
+            </a:solidFill>
+          </a:ln>
         </p:spPr>
       </p:pic>
       <p:pic>
@@ -4716,19 +4567,24 @@
           <p:nvPr/>
         </p:nvPicPr>
         <p:blipFill rotWithShape="1">
-          <a:blip r:embed="rId6"/>
+          <a:blip r:embed="rId3"/>
           <a:stretch>
             <a:fillRect/>
           </a:stretch>
         </p:blipFill>
         <p:spPr>
           <a:xfrm>
-            <a:off x="10896602" y="1752600"/>
-            <a:ext cx="6705599" cy="7086600"/>
-          </a:xfrm>
-          <a:prstGeom prst="rect">
-            <a:avLst/>
-          </a:prstGeom>
+            <a:off x="9613113" y="1781734"/>
+            <a:ext cx="7626015" cy="8059313"/>
+          </a:xfrm>
+          <a:prstGeom prst="rect">
+            <a:avLst/>
+          </a:prstGeom>
+          <a:ln w="28575">
+            <a:solidFill>
+              <a:schemeClr val="tx2"/>
+            </a:solidFill>
+          </a:ln>
         </p:spPr>
       </p:pic>
       <p:sp>
@@ -4739,8 +4595,8 @@
         </p:nvSpPr>
         <p:spPr>
           <a:xfrm>
-            <a:off x="12192000" y="1295400"/>
-            <a:ext cx="2570530" cy="365704"/>
+            <a:off x="9644489" y="1247742"/>
+            <a:ext cx="2971800" cy="460031"/>
           </a:xfrm>
           <a:prstGeom prst="rect">
             <a:avLst/>
@@ -4755,7 +4611,7 @@
               <a:defRPr lang="ko-KR" altLang="en-US"/>
             </a:pPr>
             <a:r>
-              <a:rPr lang="en-US" altLang="ko-KR">
+              <a:rPr lang="en-US" altLang="ko-KR" sz="2400" dirty="0">
                 <a:solidFill>
                   <a:srgbClr val="595959"/>
                 </a:solidFill>
@@ -4765,7 +4621,7 @@
               <a:t>DB</a:t>
             </a:r>
             <a:r>
-              <a:rPr lang="ko-KR" altLang="en-US">
+              <a:rPr lang="ko-KR" altLang="en-US" sz="2400" dirty="0">
                 <a:solidFill>
                   <a:srgbClr val="595959"/>
                 </a:solidFill>
@@ -4775,7 +4631,7 @@
               <a:t> </a:t>
             </a:r>
             <a:r>
-              <a:rPr lang="en-US" altLang="ko-KR">
+              <a:rPr lang="en-US" altLang="ko-KR" sz="2400" dirty="0">
                 <a:solidFill>
                   <a:srgbClr val="595959"/>
                 </a:solidFill>
@@ -4865,84 +4721,6 @@
           </a:p>
         </p:txBody>
       </p:sp>
-      <p:grpSp>
-        <p:nvGrpSpPr>
-          <p:cNvPr id="1005" name="그룹 1005"/>
-          <p:cNvGrpSpPr/>
-          <p:nvPr/>
-        </p:nvGrpSpPr>
-        <p:grpSpPr>
-          <a:xfrm>
-            <a:off x="-488380" y="6567674"/>
-            <a:ext cx="2813796" cy="124275"/>
-            <a:chOff x="-488380" y="6567674"/>
-            <a:chExt cx="2813796" cy="124275"/>
-          </a:xfrm>
-        </p:grpSpPr>
-        <p:pic>
-          <p:nvPicPr>
-            <p:cNvPr id="17" name="Object 16"/>
-            <p:cNvPicPr>
-              <a:picLocks noChangeAspect="1"/>
-            </p:cNvPicPr>
-            <p:nvPr/>
-          </p:nvPicPr>
-          <p:blipFill rotWithShape="1">
-            <a:blip r:embed="rId2"/>
-            <a:stretch>
-              <a:fillRect/>
-            </a:stretch>
-          </p:blipFill>
-          <p:spPr>
-            <a:xfrm rot="5400000">
-              <a:off x="-488380" y="6567674"/>
-              <a:ext cx="2813796" cy="124275"/>
-            </a:xfrm>
-            <a:prstGeom prst="rect">
-              <a:avLst/>
-            </a:prstGeom>
-          </p:spPr>
-        </p:pic>
-      </p:grpSp>
-      <p:grpSp>
-        <p:nvGrpSpPr>
-          <p:cNvPr id="1006" name="그룹 1006"/>
-          <p:cNvGrpSpPr/>
-          <p:nvPr/>
-        </p:nvGrpSpPr>
-        <p:grpSpPr>
-          <a:xfrm>
-            <a:off x="-3588230" y="5035581"/>
-            <a:ext cx="10792838" cy="164571"/>
-            <a:chOff x="-3588230" y="5035581"/>
-            <a:chExt cx="10792838" cy="164571"/>
-          </a:xfrm>
-        </p:grpSpPr>
-        <p:pic>
-          <p:nvPicPr>
-            <p:cNvPr id="20" name="Object 19"/>
-            <p:cNvPicPr>
-              <a:picLocks noChangeAspect="1"/>
-            </p:cNvPicPr>
-            <p:nvPr/>
-          </p:nvPicPr>
-          <p:blipFill rotWithShape="1">
-            <a:blip r:embed="rId3"/>
-            <a:stretch>
-              <a:fillRect/>
-            </a:stretch>
-          </p:blipFill>
-          <p:spPr>
-            <a:xfrm rot="16200000">
-              <a:off x="-3588230" y="5035581"/>
-              <a:ext cx="10792838" cy="164571"/>
-            </a:xfrm>
-            <a:prstGeom prst="rect">
-              <a:avLst/>
-            </a:prstGeom>
-          </p:spPr>
-        </p:pic>
-      </p:grpSp>
       <p:sp>
         <p:nvSpPr>
           <p:cNvPr id="23" name="Object 23"/>
@@ -5002,7 +4780,7 @@
             <p:nvPr/>
           </p:nvPicPr>
           <p:blipFill rotWithShape="1">
-            <a:blip r:embed="rId4"/>
+            <a:blip r:embed="rId2"/>
             <a:stretch>
               <a:fillRect/>
             </a:stretch>
@@ -5057,13 +4835,15 @@
       <p:cxnSp>
         <p:nvCxnSpPr>
           <p:cNvPr id="1027" name="직선 화살표 연결선 1026"/>
-          <p:cNvCxnSpPr/>
+          <p:cNvCxnSpPr>
+            <a:cxnSpLocks/>
+          </p:cNvCxnSpPr>
           <p:nvPr/>
         </p:nvCxnSpPr>
         <p:spPr>
-          <a:xfrm rot="5400000" flipH="1" flipV="1">
-            <a:off x="7010400" y="1981200"/>
-            <a:ext cx="4267199" cy="3048000"/>
+          <a:xfrm flipV="1">
+            <a:off x="5977067" y="974879"/>
+            <a:ext cx="3657600" cy="4000499"/>
           </a:xfrm>
           <a:prstGeom prst="straightConnector1">
             <a:avLst/>
@@ -5098,8 +4878,8 @@
         </p:nvSpPr>
         <p:spPr>
           <a:xfrm>
-            <a:off x="2019300" y="5791200"/>
-            <a:ext cx="8953500" cy="1066800"/>
+            <a:off x="215056" y="6193177"/>
+            <a:ext cx="8650375" cy="931523"/>
           </a:xfrm>
           <a:prstGeom prst="rect">
             <a:avLst/>
@@ -5151,19 +4931,24 @@
           <p:nvPr/>
         </p:nvPicPr>
         <p:blipFill rotWithShape="1">
-          <a:blip r:embed="rId5"/>
+          <a:blip r:embed="rId3"/>
           <a:stretch>
             <a:fillRect/>
           </a:stretch>
         </p:blipFill>
         <p:spPr>
           <a:xfrm>
-            <a:off x="2209800" y="4267200"/>
-            <a:ext cx="8763000" cy="3657600"/>
-          </a:xfrm>
-          <a:prstGeom prst="rect">
-            <a:avLst/>
-          </a:prstGeom>
+            <a:off x="228600" y="4533900"/>
+            <a:ext cx="8636831" cy="3604938"/>
+          </a:xfrm>
+          <a:prstGeom prst="rect">
+            <a:avLst/>
+          </a:prstGeom>
+          <a:ln w="28575">
+            <a:solidFill>
+              <a:schemeClr val="accent3"/>
+            </a:solidFill>
+          </a:ln>
         </p:spPr>
       </p:pic>
       <p:pic>
@@ -5175,15 +4960,15 @@
           <p:nvPr/>
         </p:nvPicPr>
         <p:blipFill rotWithShape="1">
-          <a:blip r:embed="rId6"/>
+          <a:blip r:embed="rId4"/>
           <a:stretch>
             <a:fillRect/>
           </a:stretch>
         </p:blipFill>
         <p:spPr>
           <a:xfrm>
-            <a:off x="10591798" y="381000"/>
-            <a:ext cx="7924802" cy="8915400"/>
+            <a:off x="9707231" y="33618"/>
+            <a:ext cx="8636830" cy="9716432"/>
           </a:xfrm>
           <a:prstGeom prst="rect">
             <a:avLst/>
@@ -5233,128 +5018,13 @@
       </p:grpSpPr>
       <p:sp>
         <p:nvSpPr>
-          <p:cNvPr id="15" name="Object 15"/>
-          <p:cNvSpPr txBox="1"/>
-          <p:nvPr/>
-        </p:nvSpPr>
-        <p:spPr>
-          <a:xfrm>
-            <a:off x="472895" y="547491"/>
-            <a:ext cx="742705" cy="1222769"/>
-          </a:xfrm>
-          <a:prstGeom prst="rect">
-            <a:avLst/>
-          </a:prstGeom>
-          <a:noFill/>
-        </p:spPr>
-        <p:txBody>
-          <a:bodyPr wrap="square"/>
-          <a:lstStyle/>
-          <a:p>
-            <a:pPr algn="ctr">
-              <a:defRPr lang="ko-KR" altLang="en-US"/>
-            </a:pPr>
-            <a:r>
-              <a:rPr lang="en-US" sz="5300">
-                <a:solidFill>
-                  <a:srgbClr val="595959"/>
-                </a:solidFill>
-                <a:latin typeface="카페24 당당해"/>
-                <a:cs typeface="카페24 당당해"/>
-              </a:rPr>
-              <a:t>+</a:t>
-            </a:r>
-            <a:endParaRPr lang="en-US"/>
-          </a:p>
-        </p:txBody>
-      </p:sp>
-      <p:grpSp>
-        <p:nvGrpSpPr>
-          <p:cNvPr id="1005" name="그룹 1005"/>
-          <p:cNvGrpSpPr/>
-          <p:nvPr/>
-        </p:nvGrpSpPr>
-        <p:grpSpPr>
-          <a:xfrm>
-            <a:off x="-488380" y="6567674"/>
-            <a:ext cx="2813796" cy="124275"/>
-            <a:chOff x="-488380" y="6567674"/>
-            <a:chExt cx="2813796" cy="124275"/>
-          </a:xfrm>
-        </p:grpSpPr>
-        <p:pic>
-          <p:nvPicPr>
-            <p:cNvPr id="17" name="Object 16"/>
-            <p:cNvPicPr>
-              <a:picLocks noChangeAspect="1"/>
-            </p:cNvPicPr>
-            <p:nvPr/>
-          </p:nvPicPr>
-          <p:blipFill rotWithShape="1">
-            <a:blip r:embed="rId2"/>
-            <a:stretch>
-              <a:fillRect/>
-            </a:stretch>
-          </p:blipFill>
-          <p:spPr>
-            <a:xfrm rot="5400000">
-              <a:off x="-488380" y="6567674"/>
-              <a:ext cx="2813796" cy="124275"/>
-            </a:xfrm>
-            <a:prstGeom prst="rect">
-              <a:avLst/>
-            </a:prstGeom>
-          </p:spPr>
-        </p:pic>
-      </p:grpSp>
-      <p:grpSp>
-        <p:nvGrpSpPr>
-          <p:cNvPr id="1006" name="그룹 1006"/>
-          <p:cNvGrpSpPr/>
-          <p:nvPr/>
-        </p:nvGrpSpPr>
-        <p:grpSpPr>
-          <a:xfrm>
-            <a:off x="-3588230" y="5035581"/>
-            <a:ext cx="10792838" cy="164571"/>
-            <a:chOff x="-3588230" y="5035581"/>
-            <a:chExt cx="10792838" cy="164571"/>
-          </a:xfrm>
-        </p:grpSpPr>
-        <p:pic>
-          <p:nvPicPr>
-            <p:cNvPr id="20" name="Object 19"/>
-            <p:cNvPicPr>
-              <a:picLocks noChangeAspect="1"/>
-            </p:cNvPicPr>
-            <p:nvPr/>
-          </p:nvPicPr>
-          <p:blipFill rotWithShape="1">
-            <a:blip r:embed="rId3"/>
-            <a:stretch>
-              <a:fillRect/>
-            </a:stretch>
-          </p:blipFill>
-          <p:spPr>
-            <a:xfrm rot="16200000">
-              <a:off x="-3588230" y="5035581"/>
-              <a:ext cx="10792838" cy="164571"/>
-            </a:xfrm>
-            <a:prstGeom prst="rect">
-              <a:avLst/>
-            </a:prstGeom>
-          </p:spPr>
-        </p:pic>
-      </p:grpSp>
-      <p:sp>
-        <p:nvSpPr>
           <p:cNvPr id="23" name="Object 23"/>
           <p:cNvSpPr txBox="1"/>
           <p:nvPr/>
         </p:nvSpPr>
         <p:spPr>
           <a:xfrm>
-            <a:off x="2057400" y="289677"/>
+            <a:off x="838200" y="300318"/>
             <a:ext cx="6553200" cy="624723"/>
           </a:xfrm>
           <a:prstGeom prst="rect">
@@ -5370,7 +5040,7 @@
               <a:defRPr lang="ko-KR" altLang="en-US"/>
             </a:pPr>
             <a:r>
-              <a:rPr lang="ko-KR" altLang="en-US" sz="3400">
+              <a:rPr lang="ko-KR" altLang="en-US" sz="3400" dirty="0">
                 <a:solidFill>
                   <a:srgbClr val="595959"/>
                 </a:solidFill>
@@ -5405,7 +5075,7 @@
             <p:nvPr/>
           </p:nvPicPr>
           <p:blipFill rotWithShape="1">
-            <a:blip r:embed="rId4"/>
+            <a:blip r:embed="rId2"/>
             <a:stretch>
               <a:fillRect/>
             </a:stretch>
@@ -5430,19 +5100,24 @@
           <p:nvPr/>
         </p:nvPicPr>
         <p:blipFill rotWithShape="1">
-          <a:blip r:embed="rId5"/>
+          <a:blip r:embed="rId3"/>
           <a:stretch>
             <a:fillRect/>
           </a:stretch>
         </p:blipFill>
         <p:spPr>
           <a:xfrm>
-            <a:off x="2514600" y="3429000"/>
+            <a:off x="702856" y="4338208"/>
             <a:ext cx="6629400" cy="5257800"/>
           </a:xfrm>
           <a:prstGeom prst="rect">
             <a:avLst/>
           </a:prstGeom>
+          <a:ln w="38100">
+            <a:solidFill>
+              <a:schemeClr val="accent3"/>
+            </a:solidFill>
+          </a:ln>
         </p:spPr>
       </p:pic>
       <p:pic>
@@ -5454,15 +5129,15 @@
           <p:nvPr/>
         </p:nvPicPr>
         <p:blipFill rotWithShape="1">
-          <a:blip r:embed="rId6"/>
+          <a:blip r:embed="rId4"/>
           <a:stretch>
             <a:fillRect/>
           </a:stretch>
         </p:blipFill>
         <p:spPr>
           <a:xfrm>
-            <a:off x="9601200" y="609600"/>
-            <a:ext cx="8610600" cy="8686800"/>
+            <a:off x="8753162" y="0"/>
+            <a:ext cx="9660344" cy="9745834"/>
           </a:xfrm>
           <a:prstGeom prst="rect">
             <a:avLst/>
@@ -5478,19 +5153,24 @@
           <p:nvPr/>
         </p:nvPicPr>
         <p:blipFill rotWithShape="1">
-          <a:blip r:embed="rId7"/>
+          <a:blip r:embed="rId5"/>
           <a:stretch>
             <a:fillRect/>
           </a:stretch>
         </p:blipFill>
         <p:spPr>
           <a:xfrm>
-            <a:off x="4495800" y="914400"/>
-            <a:ext cx="4876800" cy="2514600"/>
-          </a:xfrm>
-          <a:prstGeom prst="rect">
-            <a:avLst/>
-          </a:prstGeom>
+            <a:off x="2150656" y="952500"/>
+            <a:ext cx="6153582" cy="3172941"/>
+          </a:xfrm>
+          <a:prstGeom prst="rect">
+            <a:avLst/>
+          </a:prstGeom>
+          <a:ln w="28575">
+            <a:solidFill>
+              <a:schemeClr val="tx2"/>
+            </a:solidFill>
+          </a:ln>
         </p:spPr>
       </p:pic>
       <p:cxnSp>
@@ -5536,7 +5216,7 @@
         </p:nvCxnSpPr>
         <p:spPr>
           <a:xfrm rot="10800000">
-            <a:off x="8534400" y="2057400"/>
+            <a:off x="7332256" y="1866900"/>
             <a:ext cx="2895600" cy="533400"/>
           </a:xfrm>
           <a:prstGeom prst="straightConnector1">
@@ -5607,129 +5287,14 @@
       </p:grpSpPr>
       <p:sp>
         <p:nvSpPr>
-          <p:cNvPr id="15" name="Object 15"/>
-          <p:cNvSpPr txBox="1"/>
-          <p:nvPr/>
-        </p:nvSpPr>
-        <p:spPr>
-          <a:xfrm>
-            <a:off x="472895" y="547491"/>
-            <a:ext cx="742705" cy="1222769"/>
-          </a:xfrm>
-          <a:prstGeom prst="rect">
-            <a:avLst/>
-          </a:prstGeom>
-          <a:noFill/>
-        </p:spPr>
-        <p:txBody>
-          <a:bodyPr wrap="square"/>
-          <a:lstStyle/>
-          <a:p>
-            <a:pPr algn="ctr">
-              <a:defRPr lang="ko-KR" altLang="en-US"/>
-            </a:pPr>
-            <a:r>
-              <a:rPr lang="en-US" sz="5300">
-                <a:solidFill>
-                  <a:srgbClr val="595959"/>
-                </a:solidFill>
-                <a:latin typeface="카페24 당당해"/>
-                <a:cs typeface="카페24 당당해"/>
-              </a:rPr>
-              <a:t>+</a:t>
-            </a:r>
-            <a:endParaRPr lang="en-US"/>
-          </a:p>
-        </p:txBody>
-      </p:sp>
-      <p:grpSp>
-        <p:nvGrpSpPr>
-          <p:cNvPr id="1005" name="그룹 1005"/>
-          <p:cNvGrpSpPr/>
-          <p:nvPr/>
-        </p:nvGrpSpPr>
-        <p:grpSpPr>
-          <a:xfrm>
-            <a:off x="-488380" y="6567674"/>
-            <a:ext cx="2813796" cy="124275"/>
-            <a:chOff x="-488380" y="6567674"/>
-            <a:chExt cx="2813796" cy="124275"/>
-          </a:xfrm>
-        </p:grpSpPr>
-        <p:pic>
-          <p:nvPicPr>
-            <p:cNvPr id="17" name="Object 16"/>
-            <p:cNvPicPr>
-              <a:picLocks noChangeAspect="1"/>
-            </p:cNvPicPr>
-            <p:nvPr/>
-          </p:nvPicPr>
-          <p:blipFill rotWithShape="1">
-            <a:blip r:embed="rId2"/>
-            <a:stretch>
-              <a:fillRect/>
-            </a:stretch>
-          </p:blipFill>
-          <p:spPr>
-            <a:xfrm rot="5400000">
-              <a:off x="-488380" y="6567674"/>
-              <a:ext cx="2813796" cy="124275"/>
-            </a:xfrm>
-            <a:prstGeom prst="rect">
-              <a:avLst/>
-            </a:prstGeom>
-          </p:spPr>
-        </p:pic>
-      </p:grpSp>
-      <p:grpSp>
-        <p:nvGrpSpPr>
-          <p:cNvPr id="1006" name="그룹 1006"/>
-          <p:cNvGrpSpPr/>
-          <p:nvPr/>
-        </p:nvGrpSpPr>
-        <p:grpSpPr>
-          <a:xfrm>
-            <a:off x="-3588230" y="5035581"/>
-            <a:ext cx="10792838" cy="164571"/>
-            <a:chOff x="-3588230" y="5035581"/>
-            <a:chExt cx="10792838" cy="164571"/>
-          </a:xfrm>
-        </p:grpSpPr>
-        <p:pic>
-          <p:nvPicPr>
-            <p:cNvPr id="20" name="Object 19"/>
-            <p:cNvPicPr>
-              <a:picLocks noChangeAspect="1"/>
-            </p:cNvPicPr>
-            <p:nvPr/>
-          </p:nvPicPr>
-          <p:blipFill rotWithShape="1">
-            <a:blip r:embed="rId3"/>
-            <a:stretch>
-              <a:fillRect/>
-            </a:stretch>
-          </p:blipFill>
-          <p:spPr>
-            <a:xfrm rot="16200000">
-              <a:off x="-3588230" y="5035581"/>
-              <a:ext cx="10792838" cy="164571"/>
-            </a:xfrm>
-            <a:prstGeom prst="rect">
-              <a:avLst/>
-            </a:prstGeom>
-          </p:spPr>
-        </p:pic>
-      </p:grpSp>
-      <p:sp>
-        <p:nvSpPr>
           <p:cNvPr id="23" name="Object 23"/>
           <p:cNvSpPr txBox="1"/>
           <p:nvPr/>
         </p:nvSpPr>
         <p:spPr>
           <a:xfrm>
-            <a:off x="2057400" y="289677"/>
-            <a:ext cx="6553200" cy="624723"/>
+            <a:off x="90846" y="212278"/>
+            <a:ext cx="1766818" cy="624723"/>
           </a:xfrm>
           <a:prstGeom prst="rect">
             <a:avLst/>
@@ -5744,7 +5309,7 @@
               <a:defRPr lang="ko-KR" altLang="en-US"/>
             </a:pPr>
             <a:r>
-              <a:rPr lang="ko-KR" altLang="en-US" sz="3400">
+              <a:rPr lang="ko-KR" altLang="en-US" sz="3400" dirty="0">
                 <a:solidFill>
                   <a:srgbClr val="595959"/>
                 </a:solidFill>
@@ -5779,7 +5344,7 @@
             <p:nvPr/>
           </p:nvPicPr>
           <p:blipFill rotWithShape="1">
-            <a:blip r:embed="rId4"/>
+            <a:blip r:embed="rId2"/>
             <a:stretch>
               <a:fillRect/>
             </a:stretch>
@@ -5804,19 +5369,24 @@
           <p:nvPr/>
         </p:nvPicPr>
         <p:blipFill rotWithShape="1">
-          <a:blip r:embed="rId5"/>
+          <a:blip r:embed="rId3"/>
           <a:stretch>
             <a:fillRect/>
           </a:stretch>
         </p:blipFill>
         <p:spPr>
           <a:xfrm>
-            <a:off x="2133600" y="6400800"/>
+            <a:off x="697006" y="6488770"/>
             <a:ext cx="6705600" cy="2895600"/>
           </a:xfrm>
           <a:prstGeom prst="rect">
             <a:avLst/>
           </a:prstGeom>
+          <a:ln w="28575">
+            <a:solidFill>
+              <a:schemeClr val="accent3"/>
+            </a:solidFill>
+          </a:ln>
         </p:spPr>
       </p:pic>
       <p:pic>
@@ -5828,15 +5398,15 @@
           <p:nvPr/>
         </p:nvPicPr>
         <p:blipFill rotWithShape="1">
-          <a:blip r:embed="rId6"/>
+          <a:blip r:embed="rId4"/>
           <a:stretch>
             <a:fillRect/>
           </a:stretch>
         </p:blipFill>
         <p:spPr>
           <a:xfrm>
-            <a:off x="9905999" y="1752600"/>
-            <a:ext cx="8305800" cy="7848600"/>
+            <a:off x="7402606" y="212278"/>
+            <a:ext cx="10722409" cy="9358616"/>
           </a:xfrm>
           <a:prstGeom prst="rect">
             <a:avLst/>
@@ -5852,55 +5422,36 @@
           <p:nvPr/>
         </p:nvPicPr>
         <p:blipFill rotWithShape="1">
-          <a:blip r:embed="rId7"/>
+          <a:blip r:embed="rId5"/>
           <a:stretch>
             <a:fillRect/>
           </a:stretch>
         </p:blipFill>
         <p:spPr>
           <a:xfrm>
-            <a:off x="13258800" y="152400"/>
-            <a:ext cx="4838700" cy="2514600"/>
-          </a:xfrm>
-          <a:prstGeom prst="rect">
-            <a:avLst/>
-          </a:prstGeom>
+            <a:off x="732865" y="1465396"/>
+            <a:ext cx="5907896" cy="3070245"/>
+          </a:xfrm>
+          <a:prstGeom prst="rect">
+            <a:avLst/>
+          </a:prstGeom>
+          <a:ln w="28575">
+            <a:solidFill>
+              <a:srgbClr val="FF0000"/>
+            </a:solidFill>
+          </a:ln>
         </p:spPr>
       </p:pic>
-      <p:pic>
-        <p:nvPicPr>
-          <p:cNvPr id="1048" name="그림 1047"/>
-          <p:cNvPicPr>
-            <a:picLocks noChangeAspect="1"/>
-          </p:cNvPicPr>
-          <p:nvPr/>
-        </p:nvPicPr>
-        <p:blipFill rotWithShape="1">
-          <a:blip r:embed="rId8"/>
-          <a:stretch>
-            <a:fillRect/>
-          </a:stretch>
-        </p:blipFill>
-        <p:spPr>
-          <a:xfrm>
-            <a:off x="4876800" y="466725"/>
-            <a:ext cx="5105400" cy="2352675"/>
-          </a:xfrm>
-          <a:prstGeom prst="rect">
-            <a:avLst/>
-          </a:prstGeom>
-        </p:spPr>
-      </p:pic>
-      <p:sp>
-        <p:nvSpPr>
-          <p:cNvPr id="1049" name="직사각형 1048"/>
+      <p:sp>
+        <p:nvSpPr>
+          <p:cNvPr id="1050" name="직사각형 1049"/>
           <p:cNvSpPr/>
           <p:nvPr/>
         </p:nvSpPr>
         <p:spPr>
           <a:xfrm>
-            <a:off x="4876800" y="457200"/>
-            <a:ext cx="4800600" cy="2438400"/>
+            <a:off x="8534400" y="2933700"/>
+            <a:ext cx="3962400" cy="609600"/>
           </a:xfrm>
           <a:prstGeom prst="rect">
             <a:avLst/>
@@ -5939,232 +5490,19 @@
           </a:p>
         </p:txBody>
       </p:sp>
-      <p:sp>
-        <p:nvSpPr>
-          <p:cNvPr id="1050" name="직사각형 1049"/>
-          <p:cNvSpPr/>
-          <p:nvPr/>
-        </p:nvSpPr>
-        <p:spPr>
-          <a:xfrm>
-            <a:off x="10896600" y="2667000"/>
-            <a:ext cx="3962400" cy="609600"/>
-          </a:xfrm>
-          <a:prstGeom prst="rect">
-            <a:avLst/>
-          </a:prstGeom>
-          <a:noFill/>
-          <a:ln>
-            <a:solidFill>
-              <a:srgbClr val="FF0000"/>
-            </a:solidFill>
-          </a:ln>
-        </p:spPr>
-        <p:style>
-          <a:lnRef idx="2">
-            <a:schemeClr val="accent1">
-              <a:shade val="20000"/>
-            </a:schemeClr>
-          </a:lnRef>
-          <a:fillRef idx="1">
-            <a:schemeClr val="accent1"/>
-          </a:fillRef>
-          <a:effectRef idx="0">
-            <a:schemeClr val="accent1"/>
-          </a:effectRef>
-          <a:fontRef idx="minor">
-            <a:schemeClr val="lt1"/>
-          </a:fontRef>
-        </p:style>
-        <p:txBody>
-          <a:bodyPr anchor="ctr"/>
-          <a:lstStyle/>
-          <a:p>
-            <a:pPr algn="ctr">
-              <a:defRPr lang="ko-KR" altLang="en-US"/>
-            </a:pPr>
-            <a:endParaRPr lang="ko-KR" altLang="en-US"/>
-          </a:p>
-        </p:txBody>
-      </p:sp>
       <p:cxnSp>
         <p:nvCxnSpPr>
           <p:cNvPr id="1051" name="직선 화살표 연결선 1050"/>
           <p:cNvCxnSpPr>
+            <a:cxnSpLocks/>
             <a:stCxn id="1050" idx="1"/>
           </p:cNvCxnSpPr>
           <p:nvPr/>
         </p:nvCxnSpPr>
         <p:spPr>
-          <a:xfrm rot="10800000">
-            <a:off x="9677400" y="2133600"/>
-            <a:ext cx="1219200" cy="838200"/>
-          </a:xfrm>
-          <a:prstGeom prst="straightConnector1">
-            <a:avLst/>
-          </a:prstGeom>
-          <a:ln>
-            <a:solidFill>
-              <a:srgbClr val="FF0000"/>
-            </a:solidFill>
-            <a:tailEnd type="arrow"/>
-          </a:ln>
-        </p:spPr>
-        <p:style>
-          <a:lnRef idx="1">
-            <a:schemeClr val="accent1"/>
-          </a:lnRef>
-          <a:fillRef idx="0">
-            <a:schemeClr val="accent1"/>
-          </a:fillRef>
-          <a:effectRef idx="0">
-            <a:schemeClr val="accent1"/>
-          </a:effectRef>
-          <a:fontRef idx="minor">
-            <a:schemeClr val="tx1"/>
-          </a:fontRef>
-        </p:style>
-      </p:cxnSp>
-      <p:cxnSp>
-        <p:nvCxnSpPr>
-          <p:cNvPr id="1052" name="직선 연결선 1051"/>
-          <p:cNvCxnSpPr/>
-          <p:nvPr/>
-        </p:nvCxnSpPr>
-        <p:spPr>
-          <a:xfrm>
-            <a:off x="12496800" y="4419600"/>
-            <a:ext cx="1219200" cy="0"/>
-          </a:xfrm>
-          <a:prstGeom prst="line">
-            <a:avLst/>
-          </a:prstGeom>
-          <a:ln>
-            <a:solidFill>
-              <a:srgbClr val="FF0000"/>
-            </a:solidFill>
-          </a:ln>
-        </p:spPr>
-        <p:style>
-          <a:lnRef idx="1">
-            <a:schemeClr val="accent1"/>
-          </a:lnRef>
-          <a:fillRef idx="0">
-            <a:schemeClr val="accent1"/>
-          </a:fillRef>
-          <a:effectRef idx="0">
-            <a:schemeClr val="accent1"/>
-          </a:effectRef>
-          <a:fontRef idx="minor">
-            <a:schemeClr val="tx1"/>
-          </a:fontRef>
-        </p:style>
-      </p:cxnSp>
-      <p:cxnSp>
-        <p:nvCxnSpPr>
-          <p:cNvPr id="1053" name="직선 화살표 연결선 1052"/>
-          <p:cNvCxnSpPr/>
-          <p:nvPr/>
-        </p:nvCxnSpPr>
-        <p:spPr>
-          <a:xfrm rot="5400000" flipH="1" flipV="1">
-            <a:off x="13563600" y="2743200"/>
-            <a:ext cx="1676400" cy="1219200"/>
-          </a:xfrm>
-          <a:prstGeom prst="straightConnector1">
-            <a:avLst/>
-          </a:prstGeom>
-          <a:ln>
-            <a:solidFill>
-              <a:srgbClr val="FF0000"/>
-            </a:solidFill>
-            <a:tailEnd type="arrow"/>
-          </a:ln>
-        </p:spPr>
-        <p:style>
-          <a:lnRef idx="1">
-            <a:schemeClr val="accent1"/>
-          </a:lnRef>
-          <a:fillRef idx="0">
-            <a:schemeClr val="accent1"/>
-          </a:fillRef>
-          <a:effectRef idx="0">
-            <a:schemeClr val="accent1"/>
-          </a:effectRef>
-          <a:fontRef idx="minor">
-            <a:schemeClr val="tx1"/>
-          </a:fontRef>
-        </p:style>
-      </p:cxnSp>
-      <p:pic>
-        <p:nvPicPr>
-          <p:cNvPr id="1054" name="그림 1053"/>
-          <p:cNvPicPr>
-            <a:picLocks noChangeAspect="1"/>
-          </p:cNvPicPr>
-          <p:nvPr/>
-        </p:nvPicPr>
-        <p:blipFill rotWithShape="1">
-          <a:blip r:embed="rId9"/>
-          <a:stretch>
-            <a:fillRect/>
-          </a:stretch>
-        </p:blipFill>
-        <p:spPr>
-          <a:xfrm>
-            <a:off x="1962082" y="2667000"/>
-            <a:ext cx="8172518" cy="3962400"/>
-          </a:xfrm>
-          <a:prstGeom prst="rect">
-            <a:avLst/>
-          </a:prstGeom>
-        </p:spPr>
-      </p:pic>
-      <p:cxnSp>
-        <p:nvCxnSpPr>
-          <p:cNvPr id="1055" name="직선 연결선 1054"/>
-          <p:cNvCxnSpPr/>
-          <p:nvPr/>
-        </p:nvCxnSpPr>
-        <p:spPr>
-          <a:xfrm>
-            <a:off x="12115800" y="3810000"/>
-            <a:ext cx="1905000" cy="0"/>
-          </a:xfrm>
-          <a:prstGeom prst="line">
-            <a:avLst/>
-          </a:prstGeom>
-          <a:ln>
-            <a:solidFill>
-              <a:srgbClr val="FF0000"/>
-            </a:solidFill>
-          </a:ln>
-        </p:spPr>
-        <p:style>
-          <a:lnRef idx="1">
-            <a:schemeClr val="accent1"/>
-          </a:lnRef>
-          <a:fillRef idx="0">
-            <a:schemeClr val="accent1"/>
-          </a:fillRef>
-          <a:effectRef idx="0">
-            <a:schemeClr val="accent1"/>
-          </a:effectRef>
-          <a:fontRef idx="minor">
-            <a:schemeClr val="tx1"/>
-          </a:fontRef>
-        </p:style>
-      </p:cxnSp>
-      <p:cxnSp>
-        <p:nvCxnSpPr>
-          <p:cNvPr id="1056" name="직선 화살표 연결선 1055"/>
-          <p:cNvCxnSpPr/>
-          <p:nvPr/>
-        </p:nvCxnSpPr>
-        <p:spPr>
-          <a:xfrm rot="10800000" flipV="1">
-            <a:off x="5562600" y="3810032"/>
-            <a:ext cx="6477000" cy="609567"/>
+          <a:xfrm flipH="1" flipV="1">
+            <a:off x="6513192" y="3149241"/>
+            <a:ext cx="2021208" cy="89259"/>
           </a:xfrm>
           <a:prstGeom prst="straightConnector1">
             <a:avLst/>
@@ -6234,14 +5572,14 @@
       </p:grpSpPr>
       <p:sp>
         <p:nvSpPr>
-          <p:cNvPr id="15" name="Object 15"/>
+          <p:cNvPr id="23" name="Object 23"/>
           <p:cNvSpPr txBox="1"/>
           <p:nvPr/>
         </p:nvSpPr>
         <p:spPr>
           <a:xfrm>
-            <a:off x="472895" y="547491"/>
-            <a:ext cx="742705" cy="1222769"/>
+            <a:off x="228600" y="236332"/>
+            <a:ext cx="6553200" cy="624723"/>
           </a:xfrm>
           <a:prstGeom prst="rect">
             <a:avLst/>
@@ -6252,134 +5590,36 @@
           <a:bodyPr wrap="square"/>
           <a:lstStyle/>
           <a:p>
-            <a:pPr algn="ctr">
-              <a:defRPr lang="ko-KR" altLang="en-US"/>
-            </a:pPr>
-            <a:r>
-              <a:rPr lang="en-US" sz="5300">
+            <a:pPr algn="just">
+              <a:defRPr lang="ko-KR" altLang="en-US"/>
+            </a:pPr>
+            <a:r>
+              <a:rPr lang="ko-KR" altLang="en-US" sz="3400" dirty="0">
                 <a:solidFill>
                   <a:srgbClr val="595959"/>
                 </a:solidFill>
                 <a:latin typeface="카페24 당당해"/>
                 <a:cs typeface="카페24 당당해"/>
               </a:rPr>
-              <a:t>+</a:t>
-            </a:r>
-            <a:endParaRPr lang="en-US"/>
-          </a:p>
-        </p:txBody>
-      </p:sp>
-      <p:grpSp>
-        <p:nvGrpSpPr>
-          <p:cNvPr id="1005" name="그룹 1005"/>
-          <p:cNvGrpSpPr/>
-          <p:nvPr/>
-        </p:nvGrpSpPr>
-        <p:grpSpPr>
-          <a:xfrm>
-            <a:off x="-488380" y="6567674"/>
-            <a:ext cx="2813796" cy="124275"/>
-            <a:chOff x="-488380" y="6567674"/>
-            <a:chExt cx="2813796" cy="124275"/>
-          </a:xfrm>
-        </p:grpSpPr>
-        <p:pic>
-          <p:nvPicPr>
-            <p:cNvPr id="17" name="Object 16"/>
-            <p:cNvPicPr>
-              <a:picLocks noChangeAspect="1"/>
-            </p:cNvPicPr>
-            <p:nvPr/>
-          </p:nvPicPr>
-          <p:blipFill rotWithShape="1">
-            <a:blip r:embed="rId2"/>
-            <a:stretch>
-              <a:fillRect/>
-            </a:stretch>
-          </p:blipFill>
-          <p:spPr>
-            <a:xfrm rot="5400000">
-              <a:off x="-488380" y="6567674"/>
-              <a:ext cx="2813796" cy="124275"/>
-            </a:xfrm>
-            <a:prstGeom prst="rect">
-              <a:avLst/>
-            </a:prstGeom>
-          </p:spPr>
-        </p:pic>
-      </p:grpSp>
-      <p:grpSp>
-        <p:nvGrpSpPr>
-          <p:cNvPr id="1006" name="그룹 1006"/>
-          <p:cNvGrpSpPr/>
-          <p:nvPr/>
-        </p:nvGrpSpPr>
-        <p:grpSpPr>
-          <a:xfrm>
-            <a:off x="-3588230" y="5035581"/>
-            <a:ext cx="10792838" cy="164571"/>
-            <a:chOff x="-3588230" y="5035581"/>
-            <a:chExt cx="10792838" cy="164571"/>
-          </a:xfrm>
-        </p:grpSpPr>
-        <p:pic>
-          <p:nvPicPr>
-            <p:cNvPr id="20" name="Object 19"/>
-            <p:cNvPicPr>
-              <a:picLocks noChangeAspect="1"/>
-            </p:cNvPicPr>
-            <p:nvPr/>
-          </p:nvPicPr>
-          <p:blipFill rotWithShape="1">
-            <a:blip r:embed="rId3"/>
-            <a:stretch>
-              <a:fillRect/>
-            </a:stretch>
-          </p:blipFill>
-          <p:spPr>
-            <a:xfrm rot="16200000">
-              <a:off x="-3588230" y="5035581"/>
-              <a:ext cx="10792838" cy="164571"/>
-            </a:xfrm>
-            <a:prstGeom prst="rect">
-              <a:avLst/>
-            </a:prstGeom>
-          </p:spPr>
-        </p:pic>
-      </p:grpSp>
-      <p:sp>
-        <p:nvSpPr>
-          <p:cNvPr id="23" name="Object 23"/>
-          <p:cNvSpPr txBox="1"/>
-          <p:nvPr/>
-        </p:nvSpPr>
-        <p:spPr>
-          <a:xfrm>
-            <a:off x="2057400" y="289677"/>
-            <a:ext cx="6553200" cy="624723"/>
-          </a:xfrm>
-          <a:prstGeom prst="rect">
-            <a:avLst/>
-          </a:prstGeom>
-          <a:noFill/>
-        </p:spPr>
-        <p:txBody>
-          <a:bodyPr wrap="square"/>
-          <a:lstStyle/>
-          <a:p>
-            <a:pPr algn="just">
-              <a:defRPr lang="ko-KR" altLang="en-US"/>
-            </a:pPr>
-            <a:r>
-              <a:rPr lang="ko-KR" altLang="en-US" sz="3400">
+              <a:t>- </a:t>
+            </a:r>
+            <a:r>
+              <a:rPr lang="ko-KR" altLang="en-US" sz="3400" dirty="0" err="1">
                 <a:solidFill>
                   <a:srgbClr val="595959"/>
                 </a:solidFill>
                 <a:latin typeface="카페24 당당해"/>
                 <a:cs typeface="카페24 당당해"/>
               </a:rPr>
-              <a:t>- 로그인_마이페이지</a:t>
-            </a:r>
+              <a:t>로그인_마이페이지</a:t>
+            </a:r>
+            <a:endParaRPr lang="ko-KR" altLang="en-US" sz="3400" dirty="0">
+              <a:solidFill>
+                <a:srgbClr val="595959"/>
+              </a:solidFill>
+              <a:latin typeface="카페24 당당해"/>
+              <a:cs typeface="카페24 당당해"/>
+            </a:endParaRPr>
           </a:p>
         </p:txBody>
       </p:sp>
@@ -6406,7 +5646,7 @@
             <p:nvPr/>
           </p:nvPicPr>
           <p:blipFill rotWithShape="1">
-            <a:blip r:embed="rId4"/>
+            <a:blip r:embed="rId2"/>
             <a:stretch>
               <a:fillRect/>
             </a:stretch>
@@ -6430,7 +5670,7 @@
         </p:nvSpPr>
         <p:spPr>
           <a:xfrm>
-            <a:off x="2458670" y="1005895"/>
+            <a:off x="505211" y="1003790"/>
             <a:ext cx="2570530" cy="365704"/>
           </a:xfrm>
           <a:prstGeom prst="rect">
@@ -6446,7 +5686,7 @@
               <a:defRPr lang="ko-KR" altLang="en-US"/>
             </a:pPr>
             <a:r>
-              <a:rPr lang="ko-KR" altLang="en-US">
+              <a:rPr lang="ko-KR" altLang="en-US" sz="2000">
                 <a:solidFill>
                   <a:srgbClr val="595959"/>
                 </a:solidFill>
@@ -6460,46 +5700,22 @@
       </p:sp>
       <p:pic>
         <p:nvPicPr>
-          <p:cNvPr id="1055" name="그림 1054"/>
+          <p:cNvPr id="1056" name="그림 1055"/>
           <p:cNvPicPr>
             <a:picLocks noChangeAspect="1"/>
           </p:cNvPicPr>
           <p:nvPr/>
         </p:nvPicPr>
         <p:blipFill rotWithShape="1">
-          <a:blip r:embed="rId5"/>
+          <a:blip r:embed="rId3"/>
           <a:stretch>
             <a:fillRect/>
           </a:stretch>
         </p:blipFill>
         <p:spPr>
           <a:xfrm>
-            <a:off x="2133600" y="5486400"/>
-            <a:ext cx="5257800" cy="3943350"/>
-          </a:xfrm>
-          <a:prstGeom prst="rect">
-            <a:avLst/>
-          </a:prstGeom>
-        </p:spPr>
-      </p:pic>
-      <p:pic>
-        <p:nvPicPr>
-          <p:cNvPr id="1056" name="그림 1055"/>
-          <p:cNvPicPr>
-            <a:picLocks noChangeAspect="1"/>
-          </p:cNvPicPr>
-          <p:nvPr/>
-        </p:nvPicPr>
-        <p:blipFill rotWithShape="1">
-          <a:blip r:embed="rId6"/>
-          <a:stretch>
-            <a:fillRect/>
-          </a:stretch>
-        </p:blipFill>
-        <p:spPr>
-          <a:xfrm>
-            <a:off x="10286999" y="1142999"/>
-            <a:ext cx="8001000" cy="7848600"/>
+            <a:off x="8839200" y="198474"/>
+            <a:ext cx="9448799" cy="9268821"/>
           </a:xfrm>
           <a:prstGeom prst="rect">
             <a:avLst/>
@@ -6515,75 +5731,146 @@
           <p:nvPr/>
         </p:nvPicPr>
         <p:blipFill rotWithShape="1">
-          <a:blip r:embed="rId7"/>
+          <a:blip r:embed="rId4"/>
           <a:stretch>
             <a:fillRect/>
           </a:stretch>
         </p:blipFill>
         <p:spPr>
           <a:xfrm>
-            <a:off x="4648200" y="1828800"/>
-            <a:ext cx="6934200" cy="5334000"/>
-          </a:xfrm>
-          <a:prstGeom prst="rect">
-            <a:avLst/>
-          </a:prstGeom>
+            <a:off x="228600" y="1843787"/>
+            <a:ext cx="9249589" cy="7115069"/>
+          </a:xfrm>
+          <a:prstGeom prst="rect">
+            <a:avLst/>
+          </a:prstGeom>
+          <a:ln w="28575">
+            <a:solidFill>
+              <a:schemeClr val="accent1"/>
+            </a:solidFill>
+          </a:ln>
         </p:spPr>
       </p:pic>
-      <p:cxnSp>
-        <p:nvCxnSpPr>
-          <p:cNvPr id="1059" name="직선 연결선 1058"/>
-          <p:cNvCxnSpPr/>
-          <p:nvPr/>
-        </p:nvCxnSpPr>
-        <p:spPr>
-          <a:xfrm>
-            <a:off x="14020800" y="5791200"/>
-            <a:ext cx="2514600" cy="0"/>
-          </a:xfrm>
-          <a:prstGeom prst="line">
-            <a:avLst/>
-          </a:prstGeom>
-          <a:ln>
+      <p:sp>
+        <p:nvSpPr>
+          <p:cNvPr id="2" name="TextBox 1">
+            <a:extLst>
+              <a:ext uri="{FF2B5EF4-FFF2-40B4-BE49-F238E27FC236}">
+                <a16:creationId xmlns:a16="http://schemas.microsoft.com/office/drawing/2014/main" id="{1B84908E-886B-4867-9432-AC6447DC6671}"/>
+              </a:ext>
+            </a:extLst>
+          </p:cNvPr>
+          <p:cNvSpPr txBox="1"/>
+          <p:nvPr/>
+        </p:nvSpPr>
+        <p:spPr>
+          <a:xfrm>
+            <a:off x="7839065" y="1829255"/>
+            <a:ext cx="1639124" cy="400110"/>
+          </a:xfrm>
+          <a:prstGeom prst="rect">
+            <a:avLst/>
+          </a:prstGeom>
+          <a:noFill/>
+          <a:ln w="28575">
+            <a:solidFill>
+              <a:schemeClr val="accent1"/>
+            </a:solidFill>
+          </a:ln>
+        </p:spPr>
+        <p:txBody>
+          <a:bodyPr wrap="square" rtlCol="0">
+            <a:spAutoFit/>
+          </a:bodyPr>
+          <a:lstStyle/>
+          <a:p>
+            <a:r>
+              <a:rPr lang="en-US" altLang="ko-KR" sz="2000" dirty="0" err="1"/>
+              <a:t>MemberDao</a:t>
+            </a:r>
+            <a:endParaRPr lang="ko-KR" altLang="en-US" sz="2000" dirty="0"/>
+          </a:p>
+        </p:txBody>
+      </p:sp>
+      <p:sp>
+        <p:nvSpPr>
+          <p:cNvPr id="3" name="직사각형 2">
+            <a:extLst>
+              <a:ext uri="{FF2B5EF4-FFF2-40B4-BE49-F238E27FC236}">
+                <a16:creationId xmlns:a16="http://schemas.microsoft.com/office/drawing/2014/main" id="{68E86B1C-DA49-4BE0-A32B-6E566ABFA0FE}"/>
+              </a:ext>
+            </a:extLst>
+          </p:cNvPr>
+          <p:cNvSpPr/>
+          <p:nvPr/>
+        </p:nvSpPr>
+        <p:spPr>
+          <a:xfrm>
+            <a:off x="10972800" y="5401321"/>
+            <a:ext cx="5334000" cy="275579"/>
+          </a:xfrm>
+          <a:prstGeom prst="rect">
+            <a:avLst/>
+          </a:prstGeom>
+          <a:noFill/>
+          <a:ln w="28575" cap="flat" cmpd="sng" algn="ctr">
             <a:solidFill>
               <a:srgbClr val="FF0000"/>
             </a:solidFill>
+            <a:prstDash val="solid"/>
+            <a:round/>
+            <a:headEnd type="none" w="med" len="med"/>
+            <a:tailEnd type="none" w="med" len="med"/>
           </a:ln>
         </p:spPr>
         <p:style>
-          <a:lnRef idx="1">
-            <a:schemeClr val="accent1"/>
+          <a:lnRef idx="0">
+            <a:scrgbClr r="0" g="0" b="0"/>
           </a:lnRef>
           <a:fillRef idx="0">
-            <a:schemeClr val="accent1"/>
+            <a:scrgbClr r="0" g="0" b="0"/>
           </a:fillRef>
           <a:effectRef idx="0">
-            <a:schemeClr val="accent1"/>
+            <a:scrgbClr r="0" g="0" b="0"/>
           </a:effectRef>
           <a:fontRef idx="minor">
-            <a:schemeClr val="tx1"/>
+            <a:schemeClr val="accent2"/>
           </a:fontRef>
         </p:style>
-      </p:cxnSp>
+        <p:txBody>
+          <a:bodyPr rtlCol="0" anchor="ctr"/>
+          <a:lstStyle/>
+          <a:p>
+            <a:pPr algn="ctr"/>
+            <a:endParaRPr lang="ko-KR" altLang="en-US"/>
+          </a:p>
+        </p:txBody>
+      </p:sp>
       <p:cxnSp>
         <p:nvCxnSpPr>
-          <p:cNvPr id="1060" name="직선 화살표 연결선 1059"/>
+          <p:cNvPr id="5" name="직선 화살표 연결선 4">
+            <a:extLst>
+              <a:ext uri="{FF2B5EF4-FFF2-40B4-BE49-F238E27FC236}">
+                <a16:creationId xmlns:a16="http://schemas.microsoft.com/office/drawing/2014/main" id="{CB6171E0-25F0-4E76-AA49-53725A054AF0}"/>
+              </a:ext>
+            </a:extLst>
+          </p:cNvPr>
           <p:cNvCxnSpPr/>
           <p:nvPr/>
         </p:nvCxnSpPr>
         <p:spPr>
-          <a:xfrm rot="10800000">
-            <a:off x="9677400" y="4267200"/>
-            <a:ext cx="4038600" cy="1371600"/>
+          <a:xfrm flipH="1">
+            <a:off x="8839200" y="5524500"/>
+            <a:ext cx="2133600" cy="0"/>
           </a:xfrm>
           <a:prstGeom prst="straightConnector1">
             <a:avLst/>
           </a:prstGeom>
-          <a:ln>
+          <a:ln w="28575">
             <a:solidFill>
               <a:srgbClr val="FF0000"/>
             </a:solidFill>
-            <a:tailEnd type="arrow"/>
+            <a:tailEnd type="triangle"/>
           </a:ln>
         </p:spPr>
         <p:style>
@@ -6644,14 +5931,14 @@
       </p:grpSpPr>
       <p:sp>
         <p:nvSpPr>
-          <p:cNvPr id="15" name="Object 15"/>
+          <p:cNvPr id="23" name="Object 23"/>
           <p:cNvSpPr txBox="1"/>
           <p:nvPr/>
         </p:nvSpPr>
         <p:spPr>
           <a:xfrm>
-            <a:off x="472895" y="547491"/>
-            <a:ext cx="742705" cy="1222769"/>
+            <a:off x="228600" y="283791"/>
+            <a:ext cx="6553200" cy="624723"/>
           </a:xfrm>
           <a:prstGeom prst="rect">
             <a:avLst/>
@@ -6662,134 +5949,36 @@
           <a:bodyPr wrap="square"/>
           <a:lstStyle/>
           <a:p>
-            <a:pPr algn="ctr">
-              <a:defRPr lang="ko-KR" altLang="en-US"/>
-            </a:pPr>
-            <a:r>
-              <a:rPr lang="en-US" sz="5300">
+            <a:pPr algn="just">
+              <a:defRPr lang="ko-KR" altLang="en-US"/>
+            </a:pPr>
+            <a:r>
+              <a:rPr lang="ko-KR" altLang="en-US" sz="3400" dirty="0">
                 <a:solidFill>
                   <a:srgbClr val="595959"/>
                 </a:solidFill>
                 <a:latin typeface="카페24 당당해"/>
                 <a:cs typeface="카페24 당당해"/>
               </a:rPr>
-              <a:t>+</a:t>
-            </a:r>
-            <a:endParaRPr lang="en-US"/>
-          </a:p>
-        </p:txBody>
-      </p:sp>
-      <p:grpSp>
-        <p:nvGrpSpPr>
-          <p:cNvPr id="1005" name="그룹 1005"/>
-          <p:cNvGrpSpPr/>
-          <p:nvPr/>
-        </p:nvGrpSpPr>
-        <p:grpSpPr>
-          <a:xfrm>
-            <a:off x="-488380" y="6567674"/>
-            <a:ext cx="2813796" cy="124275"/>
-            <a:chOff x="-488380" y="6567674"/>
-            <a:chExt cx="2813796" cy="124275"/>
-          </a:xfrm>
-        </p:grpSpPr>
-        <p:pic>
-          <p:nvPicPr>
-            <p:cNvPr id="17" name="Object 16"/>
-            <p:cNvPicPr>
-              <a:picLocks noChangeAspect="1"/>
-            </p:cNvPicPr>
-            <p:nvPr/>
-          </p:nvPicPr>
-          <p:blipFill rotWithShape="1">
-            <a:blip r:embed="rId2"/>
-            <a:stretch>
-              <a:fillRect/>
-            </a:stretch>
-          </p:blipFill>
-          <p:spPr>
-            <a:xfrm rot="5400000">
-              <a:off x="-488380" y="6567674"/>
-              <a:ext cx="2813796" cy="124275"/>
-            </a:xfrm>
-            <a:prstGeom prst="rect">
-              <a:avLst/>
-            </a:prstGeom>
-          </p:spPr>
-        </p:pic>
-      </p:grpSp>
-      <p:grpSp>
-        <p:nvGrpSpPr>
-          <p:cNvPr id="1006" name="그룹 1006"/>
-          <p:cNvGrpSpPr/>
-          <p:nvPr/>
-        </p:nvGrpSpPr>
-        <p:grpSpPr>
-          <a:xfrm>
-            <a:off x="-3588230" y="5035581"/>
-            <a:ext cx="10792838" cy="164571"/>
-            <a:chOff x="-3588230" y="5035581"/>
-            <a:chExt cx="10792838" cy="164571"/>
-          </a:xfrm>
-        </p:grpSpPr>
-        <p:pic>
-          <p:nvPicPr>
-            <p:cNvPr id="20" name="Object 19"/>
-            <p:cNvPicPr>
-              <a:picLocks noChangeAspect="1"/>
-            </p:cNvPicPr>
-            <p:nvPr/>
-          </p:nvPicPr>
-          <p:blipFill rotWithShape="1">
-            <a:blip r:embed="rId3"/>
-            <a:stretch>
-              <a:fillRect/>
-            </a:stretch>
-          </p:blipFill>
-          <p:spPr>
-            <a:xfrm rot="16200000">
-              <a:off x="-3588230" y="5035581"/>
-              <a:ext cx="10792838" cy="164571"/>
-            </a:xfrm>
-            <a:prstGeom prst="rect">
-              <a:avLst/>
-            </a:prstGeom>
-          </p:spPr>
-        </p:pic>
-      </p:grpSp>
-      <p:sp>
-        <p:nvSpPr>
-          <p:cNvPr id="23" name="Object 23"/>
-          <p:cNvSpPr txBox="1"/>
-          <p:nvPr/>
-        </p:nvSpPr>
-        <p:spPr>
-          <a:xfrm>
-            <a:off x="2057400" y="289677"/>
-            <a:ext cx="6553200" cy="624723"/>
-          </a:xfrm>
-          <a:prstGeom prst="rect">
-            <a:avLst/>
-          </a:prstGeom>
-          <a:noFill/>
-        </p:spPr>
-        <p:txBody>
-          <a:bodyPr wrap="square"/>
-          <a:lstStyle/>
-          <a:p>
-            <a:pPr algn="just">
-              <a:defRPr lang="ko-KR" altLang="en-US"/>
-            </a:pPr>
-            <a:r>
-              <a:rPr lang="ko-KR" altLang="en-US" sz="3400">
+              <a:t>- </a:t>
+            </a:r>
+            <a:r>
+              <a:rPr lang="ko-KR" altLang="en-US" sz="3400" dirty="0" err="1">
                 <a:solidFill>
                   <a:srgbClr val="595959"/>
                 </a:solidFill>
                 <a:latin typeface="카페24 당당해"/>
                 <a:cs typeface="카페24 당당해"/>
               </a:rPr>
-              <a:t>- 로그인_마이페이지</a:t>
-            </a:r>
+              <a:t>로그인_마이페이지</a:t>
+            </a:r>
+            <a:endParaRPr lang="ko-KR" altLang="en-US" sz="3400" dirty="0">
+              <a:solidFill>
+                <a:srgbClr val="595959"/>
+              </a:solidFill>
+              <a:latin typeface="카페24 당당해"/>
+              <a:cs typeface="카페24 당당해"/>
+            </a:endParaRPr>
           </a:p>
         </p:txBody>
       </p:sp>
@@ -6816,7 +6005,7 @@
             <p:nvPr/>
           </p:nvPicPr>
           <p:blipFill rotWithShape="1">
-            <a:blip r:embed="rId4"/>
+            <a:blip r:embed="rId2"/>
             <a:stretch>
               <a:fillRect/>
             </a:stretch>
@@ -6840,7 +6029,7 @@
         </p:nvSpPr>
         <p:spPr>
           <a:xfrm>
-            <a:off x="2458670" y="1005895"/>
+            <a:off x="381000" y="1030462"/>
             <a:ext cx="2570530" cy="365704"/>
           </a:xfrm>
           <a:prstGeom prst="rect">
@@ -6856,7 +6045,7 @@
               <a:defRPr lang="ko-KR" altLang="en-US"/>
             </a:pPr>
             <a:r>
-              <a:rPr lang="ko-KR" altLang="en-US">
+              <a:rPr lang="ko-KR" altLang="en-US" dirty="0">
                 <a:solidFill>
                   <a:srgbClr val="595959"/>
                 </a:solidFill>
@@ -6870,70 +6059,22 @@
       </p:sp>
       <p:pic>
         <p:nvPicPr>
-          <p:cNvPr id="1061" name="그림 1060"/>
+          <p:cNvPr id="1062" name="그림 1061"/>
           <p:cNvPicPr>
             <a:picLocks noChangeAspect="1"/>
           </p:cNvPicPr>
           <p:nvPr/>
         </p:nvPicPr>
         <p:blipFill rotWithShape="1">
-          <a:blip r:embed="rId5"/>
+          <a:blip r:embed="rId3"/>
           <a:stretch>
             <a:fillRect/>
           </a:stretch>
         </p:blipFill>
         <p:spPr>
           <a:xfrm>
-            <a:off x="2071688" y="6705600"/>
-            <a:ext cx="6843712" cy="2514600"/>
-          </a:xfrm>
-          <a:prstGeom prst="rect">
-            <a:avLst/>
-          </a:prstGeom>
-        </p:spPr>
-      </p:pic>
-      <p:pic>
-        <p:nvPicPr>
-          <p:cNvPr id="1062" name="그림 1061"/>
-          <p:cNvPicPr>
-            <a:picLocks noChangeAspect="1"/>
-          </p:cNvPicPr>
-          <p:nvPr/>
-        </p:nvPicPr>
-        <p:blipFill rotWithShape="1">
-          <a:blip r:embed="rId6"/>
-          <a:stretch>
-            <a:fillRect/>
-          </a:stretch>
-        </p:blipFill>
-        <p:spPr>
-          <a:xfrm>
-            <a:off x="9067800" y="1828800"/>
-            <a:ext cx="9372600" cy="6781800"/>
-          </a:xfrm>
-          <a:prstGeom prst="rect">
-            <a:avLst/>
-          </a:prstGeom>
-        </p:spPr>
-      </p:pic>
-      <p:pic>
-        <p:nvPicPr>
-          <p:cNvPr id="1063" name="그림 1062"/>
-          <p:cNvPicPr>
-            <a:picLocks noChangeAspect="1"/>
-          </p:cNvPicPr>
-          <p:nvPr/>
-        </p:nvPicPr>
-        <p:blipFill rotWithShape="1">
-          <a:blip r:embed="rId7"/>
-          <a:stretch>
-            <a:fillRect/>
-          </a:stretch>
-        </p:blipFill>
-        <p:spPr>
-          <a:xfrm>
-            <a:off x="1905000" y="2438400"/>
-            <a:ext cx="7515259" cy="3962400"/>
+            <a:off x="8041969" y="283791"/>
+            <a:ext cx="11897389" cy="9007524"/>
           </a:xfrm>
           <a:prstGeom prst="rect">
             <a:avLst/>
@@ -6978,13 +6119,15 @@
       <p:cxnSp>
         <p:nvCxnSpPr>
           <p:cNvPr id="1065" name="직선 화살표 연결선 1064"/>
-          <p:cNvCxnSpPr/>
+          <p:cNvCxnSpPr>
+            <a:cxnSpLocks/>
+          </p:cNvCxnSpPr>
           <p:nvPr/>
         </p:nvCxnSpPr>
         <p:spPr>
-          <a:xfrm rot="10800000">
-            <a:off x="6019800" y="3886200"/>
-            <a:ext cx="4876800" cy="914400"/>
+          <a:xfrm flipH="1" flipV="1">
+            <a:off x="6248400" y="4076700"/>
+            <a:ext cx="4007224" cy="494829"/>
           </a:xfrm>
           <a:prstGeom prst="straightConnector1">
             <a:avLst/>
@@ -7011,6 +6154,93 @@
           </a:fontRef>
         </p:style>
       </p:cxnSp>
+      <p:pic>
+        <p:nvPicPr>
+          <p:cNvPr id="3" name="그림 2">
+            <a:extLst>
+              <a:ext uri="{FF2B5EF4-FFF2-40B4-BE49-F238E27FC236}">
+                <a16:creationId xmlns:a16="http://schemas.microsoft.com/office/drawing/2014/main" id="{F524CB30-3B17-48EC-B39B-C13DB81C1355}"/>
+              </a:ext>
+            </a:extLst>
+          </p:cNvPr>
+          <p:cNvPicPr>
+            <a:picLocks noChangeAspect="1"/>
+          </p:cNvPicPr>
+          <p:nvPr/>
+        </p:nvPicPr>
+        <p:blipFill>
+          <a:blip r:embed="rId4">
+            <a:clrChange>
+              <a:clrFrom>
+                <a:srgbClr val="FFFFFF"/>
+              </a:clrFrom>
+              <a:clrTo>
+                <a:srgbClr val="FFFFFF">
+                  <a:alpha val="0"/>
+                </a:srgbClr>
+              </a:clrTo>
+            </a:clrChange>
+          </a:blip>
+          <a:stretch>
+            <a:fillRect/>
+          </a:stretch>
+        </p:blipFill>
+        <p:spPr>
+          <a:xfrm>
+            <a:off x="201706" y="1830365"/>
+            <a:ext cx="7990226" cy="6877333"/>
+          </a:xfrm>
+          <a:prstGeom prst="rect">
+            <a:avLst/>
+          </a:prstGeom>
+          <a:ln w="28575">
+            <a:solidFill>
+              <a:schemeClr val="tx2"/>
+            </a:solidFill>
+          </a:ln>
+        </p:spPr>
+      </p:pic>
+      <p:sp>
+        <p:nvSpPr>
+          <p:cNvPr id="18" name="TextBox 17">
+            <a:extLst>
+              <a:ext uri="{FF2B5EF4-FFF2-40B4-BE49-F238E27FC236}">
+                <a16:creationId xmlns:a16="http://schemas.microsoft.com/office/drawing/2014/main" id="{AEBC1151-2F35-471A-BAFA-3721397B2366}"/>
+              </a:ext>
+            </a:extLst>
+          </p:cNvPr>
+          <p:cNvSpPr txBox="1"/>
+          <p:nvPr/>
+        </p:nvSpPr>
+        <p:spPr>
+          <a:xfrm>
+            <a:off x="6686570" y="1379247"/>
+            <a:ext cx="1505362" cy="400110"/>
+          </a:xfrm>
+          <a:prstGeom prst="rect">
+            <a:avLst/>
+          </a:prstGeom>
+          <a:noFill/>
+          <a:ln w="28575">
+            <a:solidFill>
+              <a:schemeClr val="accent1"/>
+            </a:solidFill>
+          </a:ln>
+        </p:spPr>
+        <p:txBody>
+          <a:bodyPr wrap="square" rtlCol="0">
+            <a:spAutoFit/>
+          </a:bodyPr>
+          <a:lstStyle/>
+          <a:p>
+            <a:r>
+              <a:rPr lang="en-US" altLang="ko-KR" sz="2000" dirty="0" err="1"/>
+              <a:t>MemberDao</a:t>
+            </a:r>
+            <a:endParaRPr lang="ko-KR" altLang="en-US" sz="2000" dirty="0"/>
+          </a:p>
+        </p:txBody>
+      </p:sp>
     </p:spTree>
   </p:cSld>
   <p:clrMapOvr>
@@ -7054,128 +6284,13 @@
       </p:grpSpPr>
       <p:sp>
         <p:nvSpPr>
-          <p:cNvPr id="15" name="Object 15"/>
-          <p:cNvSpPr txBox="1"/>
-          <p:nvPr/>
-        </p:nvSpPr>
-        <p:spPr>
-          <a:xfrm>
-            <a:off x="472895" y="547491"/>
-            <a:ext cx="742705" cy="1222769"/>
-          </a:xfrm>
-          <a:prstGeom prst="rect">
-            <a:avLst/>
-          </a:prstGeom>
-          <a:noFill/>
-        </p:spPr>
-        <p:txBody>
-          <a:bodyPr wrap="square"/>
-          <a:lstStyle/>
-          <a:p>
-            <a:pPr algn="ctr">
-              <a:defRPr lang="ko-KR" altLang="en-US"/>
-            </a:pPr>
-            <a:r>
-              <a:rPr lang="en-US" sz="5300">
-                <a:solidFill>
-                  <a:srgbClr val="595959"/>
-                </a:solidFill>
-                <a:latin typeface="카페24 당당해"/>
-                <a:cs typeface="카페24 당당해"/>
-              </a:rPr>
-              <a:t>+</a:t>
-            </a:r>
-            <a:endParaRPr lang="en-US"/>
-          </a:p>
-        </p:txBody>
-      </p:sp>
-      <p:grpSp>
-        <p:nvGrpSpPr>
-          <p:cNvPr id="1005" name="그룹 1005"/>
-          <p:cNvGrpSpPr/>
-          <p:nvPr/>
-        </p:nvGrpSpPr>
-        <p:grpSpPr>
-          <a:xfrm>
-            <a:off x="-488380" y="6567674"/>
-            <a:ext cx="2813796" cy="124275"/>
-            <a:chOff x="-488380" y="6567674"/>
-            <a:chExt cx="2813796" cy="124275"/>
-          </a:xfrm>
-        </p:grpSpPr>
-        <p:pic>
-          <p:nvPicPr>
-            <p:cNvPr id="17" name="Object 16"/>
-            <p:cNvPicPr>
-              <a:picLocks noChangeAspect="1"/>
-            </p:cNvPicPr>
-            <p:nvPr/>
-          </p:nvPicPr>
-          <p:blipFill rotWithShape="1">
-            <a:blip r:embed="rId2"/>
-            <a:stretch>
-              <a:fillRect/>
-            </a:stretch>
-          </p:blipFill>
-          <p:spPr>
-            <a:xfrm rot="5400000">
-              <a:off x="-488380" y="6567674"/>
-              <a:ext cx="2813796" cy="124275"/>
-            </a:xfrm>
-            <a:prstGeom prst="rect">
-              <a:avLst/>
-            </a:prstGeom>
-          </p:spPr>
-        </p:pic>
-      </p:grpSp>
-      <p:grpSp>
-        <p:nvGrpSpPr>
-          <p:cNvPr id="1006" name="그룹 1006"/>
-          <p:cNvGrpSpPr/>
-          <p:nvPr/>
-        </p:nvGrpSpPr>
-        <p:grpSpPr>
-          <a:xfrm>
-            <a:off x="-3588230" y="5035581"/>
-            <a:ext cx="10792838" cy="164571"/>
-            <a:chOff x="-3588230" y="5035581"/>
-            <a:chExt cx="10792838" cy="164571"/>
-          </a:xfrm>
-        </p:grpSpPr>
-        <p:pic>
-          <p:nvPicPr>
-            <p:cNvPr id="20" name="Object 19"/>
-            <p:cNvPicPr>
-              <a:picLocks noChangeAspect="1"/>
-            </p:cNvPicPr>
-            <p:nvPr/>
-          </p:nvPicPr>
-          <p:blipFill rotWithShape="1">
-            <a:blip r:embed="rId3"/>
-            <a:stretch>
-              <a:fillRect/>
-            </a:stretch>
-          </p:blipFill>
-          <p:spPr>
-            <a:xfrm rot="16200000">
-              <a:off x="-3588230" y="5035581"/>
-              <a:ext cx="10792838" cy="164571"/>
-            </a:xfrm>
-            <a:prstGeom prst="rect">
-              <a:avLst/>
-            </a:prstGeom>
-          </p:spPr>
-        </p:pic>
-      </p:grpSp>
-      <p:sp>
-        <p:nvSpPr>
           <p:cNvPr id="23" name="Object 23"/>
           <p:cNvSpPr txBox="1"/>
           <p:nvPr/>
         </p:nvSpPr>
         <p:spPr>
           <a:xfrm>
-            <a:off x="2057400" y="289677"/>
+            <a:off x="152400" y="114300"/>
             <a:ext cx="6553200" cy="624723"/>
           </a:xfrm>
           <a:prstGeom prst="rect">
@@ -7191,7 +6306,7 @@
               <a:defRPr lang="ko-KR" altLang="en-US"/>
             </a:pPr>
             <a:r>
-              <a:rPr lang="ko-KR" altLang="en-US" sz="3400">
+              <a:rPr lang="ko-KR" altLang="en-US" sz="3400" dirty="0">
                 <a:solidFill>
                   <a:srgbClr val="595959"/>
                 </a:solidFill>
@@ -7201,7 +6316,7 @@
               <a:t>- </a:t>
             </a:r>
             <a:r>
-              <a:rPr lang="en-US" altLang="ko-KR" sz="3400">
+              <a:rPr lang="en-US" altLang="ko-KR" sz="3400" dirty="0">
                 <a:solidFill>
                   <a:srgbClr val="595959"/>
                 </a:solidFill>
@@ -7211,7 +6326,7 @@
               <a:t>ID/PW</a:t>
             </a:r>
             <a:r>
-              <a:rPr lang="ko-KR" altLang="en-US" sz="3400">
+              <a:rPr lang="ko-KR" altLang="en-US" sz="3400" dirty="0">
                 <a:solidFill>
                   <a:srgbClr val="595959"/>
                 </a:solidFill>
@@ -7246,7 +6361,7 @@
             <p:nvPr/>
           </p:nvPicPr>
           <p:blipFill rotWithShape="1">
-            <a:blip r:embed="rId4"/>
+            <a:blip r:embed="rId2"/>
             <a:stretch>
               <a:fillRect/>
             </a:stretch>
@@ -7271,15 +6386,15 @@
           <p:nvPr/>
         </p:nvPicPr>
         <p:blipFill rotWithShape="1">
-          <a:blip r:embed="rId5"/>
+          <a:blip r:embed="rId3"/>
           <a:stretch>
             <a:fillRect/>
           </a:stretch>
         </p:blipFill>
         <p:spPr>
           <a:xfrm>
-            <a:off x="8915400" y="1524000"/>
-            <a:ext cx="9372600" cy="6934200"/>
+            <a:off x="6477000" y="739023"/>
+            <a:ext cx="12007165" cy="8666557"/>
           </a:xfrm>
           <a:prstGeom prst="rect">
             <a:avLst/>
@@ -7295,116 +6410,26 @@
           <p:nvPr/>
         </p:nvPicPr>
         <p:blipFill rotWithShape="1">
-          <a:blip r:embed="rId6"/>
+          <a:blip r:embed="rId4"/>
           <a:stretch>
             <a:fillRect/>
           </a:stretch>
         </p:blipFill>
         <p:spPr>
           <a:xfrm>
-            <a:off x="2057400" y="5791200"/>
-            <a:ext cx="7696200" cy="3276600"/>
-          </a:xfrm>
-          <a:prstGeom prst="rect">
-            <a:avLst/>
-          </a:prstGeom>
-        </p:spPr>
-      </p:pic>
-      <p:pic>
-        <p:nvPicPr>
-          <p:cNvPr id="1071" name="그림 1070"/>
-          <p:cNvPicPr>
-            <a:picLocks noChangeAspect="1"/>
-          </p:cNvPicPr>
-          <p:nvPr/>
-        </p:nvPicPr>
-        <p:blipFill rotWithShape="1">
-          <a:blip r:embed="rId7"/>
-          <a:stretch>
-            <a:fillRect/>
-          </a:stretch>
-        </p:blipFill>
-        <p:spPr>
-          <a:xfrm>
-            <a:off x="2057400" y="1447800"/>
-            <a:ext cx="7848600" cy="4267200"/>
-          </a:xfrm>
-          <a:prstGeom prst="rect">
-            <a:avLst/>
-          </a:prstGeom>
-        </p:spPr>
-      </p:pic>
-      <p:cxnSp>
-        <p:nvCxnSpPr>
-          <p:cNvPr id="1072" name="직선 연결선 1071"/>
-          <p:cNvCxnSpPr/>
-          <p:nvPr/>
-        </p:nvCxnSpPr>
-        <p:spPr>
-          <a:xfrm>
-            <a:off x="11201400" y="3124200"/>
-            <a:ext cx="1676400" cy="0"/>
-          </a:xfrm>
-          <a:prstGeom prst="line">
-            <a:avLst/>
-          </a:prstGeom>
-          <a:ln>
+            <a:off x="174812" y="5524500"/>
+            <a:ext cx="7162800" cy="3049509"/>
+          </a:xfrm>
+          <a:prstGeom prst="rect">
+            <a:avLst/>
+          </a:prstGeom>
+          <a:ln w="28575">
             <a:solidFill>
-              <a:srgbClr val="FF0000"/>
+              <a:schemeClr val="accent3"/>
             </a:solidFill>
           </a:ln>
         </p:spPr>
-        <p:style>
-          <a:lnRef idx="1">
-            <a:schemeClr val="accent1"/>
-          </a:lnRef>
-          <a:fillRef idx="0">
-            <a:schemeClr val="accent1"/>
-          </a:fillRef>
-          <a:effectRef idx="0">
-            <a:schemeClr val="accent1"/>
-          </a:effectRef>
-          <a:fontRef idx="minor">
-            <a:schemeClr val="tx1"/>
-          </a:fontRef>
-        </p:style>
-      </p:cxnSp>
-      <p:cxnSp>
-        <p:nvCxnSpPr>
-          <p:cNvPr id="1073" name="직선 화살표 연결선 1072"/>
-          <p:cNvCxnSpPr/>
-          <p:nvPr/>
-        </p:nvCxnSpPr>
-        <p:spPr>
-          <a:xfrm rot="10800000" flipV="1">
-            <a:off x="7924800" y="3124201"/>
-            <a:ext cx="3124200" cy="533398"/>
-          </a:xfrm>
-          <a:prstGeom prst="straightConnector1">
-            <a:avLst/>
-          </a:prstGeom>
-          <a:ln>
-            <a:solidFill>
-              <a:srgbClr val="FF0000"/>
-            </a:solidFill>
-            <a:tailEnd type="arrow"/>
-          </a:ln>
-        </p:spPr>
-        <p:style>
-          <a:lnRef idx="1">
-            <a:schemeClr val="accent1"/>
-          </a:lnRef>
-          <a:fillRef idx="0">
-            <a:schemeClr val="accent1"/>
-          </a:fillRef>
-          <a:effectRef idx="0">
-            <a:schemeClr val="accent1"/>
-          </a:effectRef>
-          <a:fontRef idx="minor">
-            <a:schemeClr val="tx1"/>
-          </a:fontRef>
-        </p:style>
-      </p:cxnSp>
+      </p:pic>
     </p:spTree>
   </p:cSld>
   <p:clrMapOvr>
@@ -9663,7 +8688,7 @@
           <a:prstGeom prst="rect">
             <a:avLst/>
           </a:prstGeom>
-          <a:ln>
+          <a:ln w="28575">
             <a:solidFill>
               <a:schemeClr val="accent1"/>
             </a:solidFill>
@@ -9703,9 +8728,9 @@
           <a:prstGeom prst="rect">
             <a:avLst/>
           </a:prstGeom>
-          <a:ln>
+          <a:ln w="28575">
             <a:solidFill>
-              <a:schemeClr val="tx2"/>
+              <a:schemeClr val="accent1"/>
             </a:solidFill>
           </a:ln>
         </p:spPr>
@@ -9849,8 +8874,8 @@
         </p:blipFill>
         <p:spPr>
           <a:xfrm>
-            <a:off x="381000" y="212592"/>
-            <a:ext cx="8507012" cy="4553585"/>
+            <a:off x="381000" y="78214"/>
+            <a:ext cx="8507012" cy="4687964"/>
           </a:xfrm>
           <a:prstGeom prst="rect">
             <a:avLst/>
@@ -10284,8 +9309,8 @@
         </p:nvSpPr>
         <p:spPr>
           <a:xfrm>
-            <a:off x="10668000" y="6552883"/>
-            <a:ext cx="5886367" cy="903287"/>
+            <a:off x="10482457" y="6464698"/>
+            <a:ext cx="6477000" cy="923330"/>
           </a:xfrm>
           <a:prstGeom prst="rect">
             <a:avLst/>
@@ -10307,27 +9332,27 @@
               <a:defRPr lang="ko-KR" altLang="en-US"/>
             </a:pPr>
             <a:r>
-              <a:rPr lang="ko-KR" altLang="en-US"/>
+              <a:rPr lang="ko-KR" altLang="en-US" dirty="0"/>
               <a:t>회원이 입력한 메뉴번호와 같은 번호의 상품을 </a:t>
             </a:r>
             <a:r>
-              <a:rPr lang="en-US" altLang="ko-KR"/>
+              <a:rPr lang="en-US" altLang="ko-KR" dirty="0" err="1"/>
               <a:t>ArrayList</a:t>
             </a:r>
             <a:r>
-              <a:rPr lang="ko-KR" altLang="en-US"/>
+              <a:rPr lang="ko-KR" altLang="en-US" dirty="0"/>
               <a:t>에서 찾아 </a:t>
             </a:r>
             <a:r>
-              <a:rPr lang="en-US" altLang="ko-KR"/>
+              <a:rPr lang="en-US" altLang="ko-KR" dirty="0"/>
               <a:t>, </a:t>
             </a:r>
             <a:r>
-              <a:rPr lang="ko-KR" altLang="en-US"/>
+              <a:rPr lang="ko-KR" altLang="en-US" dirty="0"/>
               <a:t>해당 상품의 상품금액에 회원이 주문한 수량만큼 곱해 그 값을 주문객체의 주문금액에 넣는다</a:t>
             </a:r>
             <a:r>
-              <a:rPr lang="en-US" altLang="ko-KR" sz="1500"/>
+              <a:rPr lang="en-US" altLang="ko-KR" sz="1500" dirty="0"/>
               <a:t>.</a:t>
             </a:r>
           </a:p>
@@ -10770,7 +9795,7 @@
           <a:prstGeom prst="rect">
             <a:avLst/>
           </a:prstGeom>
-          <a:ln>
+          <a:ln w="28575">
             <a:solidFill>
               <a:schemeClr val="accent1"/>
             </a:solidFill>
@@ -10810,7 +9835,7 @@
           <a:prstGeom prst="rect">
             <a:avLst/>
           </a:prstGeom>
-          <a:ln>
+          <a:ln w="28575">
             <a:solidFill>
               <a:schemeClr val="accent1"/>
             </a:solidFill>
@@ -11221,7 +10246,7 @@
           <a:prstGeom prst="rect">
             <a:avLst/>
           </a:prstGeom>
-          <a:ln>
+          <a:ln w="28575">
             <a:solidFill>
               <a:schemeClr val="accent1"/>
             </a:solidFill>
@@ -11362,13 +10387,13 @@
         </p:nvCxnSpPr>
         <p:spPr>
           <a:xfrm>
-            <a:off x="5867400" y="1790700"/>
+            <a:off x="6309094" y="1714500"/>
             <a:ext cx="4953000" cy="0"/>
           </a:xfrm>
           <a:prstGeom prst="straightConnector1">
             <a:avLst/>
           </a:prstGeom>
-          <a:ln>
+          <a:ln w="28575">
             <a:solidFill>
               <a:srgbClr val="FF0000"/>
             </a:solidFill>
@@ -11406,12 +10431,17 @@
         </p:blipFill>
         <p:spPr>
           <a:xfrm>
-            <a:off x="10134600" y="6626892"/>
-            <a:ext cx="7914338" cy="3058503"/>
-          </a:xfrm>
-          <a:prstGeom prst="rect">
-            <a:avLst/>
-          </a:prstGeom>
+            <a:off x="10363200" y="6708741"/>
+            <a:ext cx="7685738" cy="2751829"/>
+          </a:xfrm>
+          <a:prstGeom prst="rect">
+            <a:avLst/>
+          </a:prstGeom>
+          <a:ln w="28575">
+            <a:solidFill>
+              <a:schemeClr val="accent3"/>
+            </a:solidFill>
+          </a:ln>
         </p:spPr>
       </p:pic>
       <p:sp>
@@ -11515,128 +10545,13 @@
       </p:grpSpPr>
       <p:sp>
         <p:nvSpPr>
-          <p:cNvPr id="15" name="Object 15"/>
-          <p:cNvSpPr txBox="1"/>
-          <p:nvPr/>
-        </p:nvSpPr>
-        <p:spPr>
-          <a:xfrm>
-            <a:off x="472895" y="547491"/>
-            <a:ext cx="742705" cy="1222769"/>
-          </a:xfrm>
-          <a:prstGeom prst="rect">
-            <a:avLst/>
-          </a:prstGeom>
-          <a:noFill/>
-        </p:spPr>
-        <p:txBody>
-          <a:bodyPr wrap="square"/>
-          <a:lstStyle/>
-          <a:p>
-            <a:pPr algn="ctr">
-              <a:defRPr lang="ko-KR" altLang="en-US"/>
-            </a:pPr>
-            <a:r>
-              <a:rPr lang="en-US" sz="5300">
-                <a:solidFill>
-                  <a:srgbClr val="595959"/>
-                </a:solidFill>
-                <a:latin typeface="카페24 당당해"/>
-                <a:cs typeface="카페24 당당해"/>
-              </a:rPr>
-              <a:t>+</a:t>
-            </a:r>
-            <a:endParaRPr lang="en-US"/>
-          </a:p>
-        </p:txBody>
-      </p:sp>
-      <p:grpSp>
-        <p:nvGrpSpPr>
-          <p:cNvPr id="1005" name="그룹 1005"/>
-          <p:cNvGrpSpPr/>
-          <p:nvPr/>
-        </p:nvGrpSpPr>
-        <p:grpSpPr>
-          <a:xfrm>
-            <a:off x="-488380" y="6567674"/>
-            <a:ext cx="2813796" cy="124275"/>
-            <a:chOff x="-488380" y="6567674"/>
-            <a:chExt cx="2813796" cy="124275"/>
-          </a:xfrm>
-        </p:grpSpPr>
-        <p:pic>
-          <p:nvPicPr>
-            <p:cNvPr id="17" name="Object 16"/>
-            <p:cNvPicPr>
-              <a:picLocks noChangeAspect="1"/>
-            </p:cNvPicPr>
-            <p:nvPr/>
-          </p:nvPicPr>
-          <p:blipFill rotWithShape="1">
-            <a:blip r:embed="rId2"/>
-            <a:stretch>
-              <a:fillRect/>
-            </a:stretch>
-          </p:blipFill>
-          <p:spPr>
-            <a:xfrm rot="5400000">
-              <a:off x="-488380" y="6567674"/>
-              <a:ext cx="2813796" cy="124275"/>
-            </a:xfrm>
-            <a:prstGeom prst="rect">
-              <a:avLst/>
-            </a:prstGeom>
-          </p:spPr>
-        </p:pic>
-      </p:grpSp>
-      <p:grpSp>
-        <p:nvGrpSpPr>
-          <p:cNvPr id="1006" name="그룹 1006"/>
-          <p:cNvGrpSpPr/>
-          <p:nvPr/>
-        </p:nvGrpSpPr>
-        <p:grpSpPr>
-          <a:xfrm>
-            <a:off x="-3588230" y="5035581"/>
-            <a:ext cx="10792838" cy="164571"/>
-            <a:chOff x="-3588230" y="5035581"/>
-            <a:chExt cx="10792838" cy="164571"/>
-          </a:xfrm>
-        </p:grpSpPr>
-        <p:pic>
-          <p:nvPicPr>
-            <p:cNvPr id="20" name="Object 19"/>
-            <p:cNvPicPr>
-              <a:picLocks noChangeAspect="1"/>
-            </p:cNvPicPr>
-            <p:nvPr/>
-          </p:nvPicPr>
-          <p:blipFill rotWithShape="1">
-            <a:blip r:embed="rId3"/>
-            <a:stretch>
-              <a:fillRect/>
-            </a:stretch>
-          </p:blipFill>
-          <p:spPr>
-            <a:xfrm rot="16200000">
-              <a:off x="-3588230" y="5035581"/>
-              <a:ext cx="10792838" cy="164571"/>
-            </a:xfrm>
-            <a:prstGeom prst="rect">
-              <a:avLst/>
-            </a:prstGeom>
-          </p:spPr>
-        </p:pic>
-      </p:grpSp>
-      <p:sp>
-        <p:nvSpPr>
           <p:cNvPr id="23" name="Object 23"/>
           <p:cNvSpPr txBox="1"/>
           <p:nvPr/>
         </p:nvSpPr>
         <p:spPr>
           <a:xfrm>
-            <a:off x="2057400" y="289677"/>
+            <a:off x="381000" y="389225"/>
             <a:ext cx="6553200" cy="624723"/>
           </a:xfrm>
           <a:prstGeom prst="rect">
@@ -11652,7 +10567,7 @@
               <a:defRPr lang="ko-KR" altLang="en-US"/>
             </a:pPr>
             <a:r>
-              <a:rPr lang="ko-KR" altLang="en-US" sz="3400">
+              <a:rPr lang="ko-KR" altLang="en-US" sz="3400" dirty="0">
                 <a:solidFill>
                   <a:srgbClr val="595959"/>
                 </a:solidFill>
@@ -11687,7 +10602,7 @@
             <p:nvPr/>
           </p:nvPicPr>
           <p:blipFill rotWithShape="1">
-            <a:blip r:embed="rId4"/>
+            <a:blip r:embed="rId2"/>
             <a:stretch>
               <a:fillRect/>
             </a:stretch>
@@ -11712,7 +10627,7 @@
           <p:nvPr/>
         </p:nvPicPr>
         <p:blipFill rotWithShape="1">
-          <a:blip r:embed="rId5"/>
+          <a:blip r:embed="rId3"/>
           <a:srcRect r="18060"/>
           <a:stretch>
             <a:fillRect/>
@@ -11720,7 +10635,7 @@
         </p:blipFill>
         <p:spPr>
           <a:xfrm>
-            <a:off x="2133599" y="3276600"/>
+            <a:off x="407894" y="5528982"/>
             <a:ext cx="8991600" cy="3581400"/>
           </a:xfrm>
           <a:prstGeom prst="rect">
@@ -11737,14 +10652,14 @@
           <p:nvPr/>
         </p:nvPicPr>
         <p:blipFill rotWithShape="1">
-          <a:blip r:embed="rId6"/>
+          <a:blip r:embed="rId4"/>
           <a:stretch>
             <a:fillRect/>
           </a:stretch>
         </p:blipFill>
         <p:spPr>
           <a:xfrm>
-            <a:off x="3962400" y="1364974"/>
+            <a:off x="1246095" y="2321956"/>
             <a:ext cx="6781800" cy="2064026"/>
           </a:xfrm>
           <a:prstGeom prst="rect">
@@ -11761,15 +10676,15 @@
           <p:nvPr/>
         </p:nvPicPr>
         <p:blipFill rotWithShape="1">
-          <a:blip r:embed="rId7"/>
+          <a:blip r:embed="rId5"/>
           <a:stretch>
             <a:fillRect/>
           </a:stretch>
         </p:blipFill>
         <p:spPr>
           <a:xfrm>
-            <a:off x="10782300" y="2019301"/>
-            <a:ext cx="7734300" cy="7124699"/>
+            <a:off x="9157447" y="624467"/>
+            <a:ext cx="9144000" cy="8783099"/>
           </a:xfrm>
           <a:prstGeom prst="rect">
             <a:avLst/>
@@ -11779,13 +10694,15 @@
       <p:cxnSp>
         <p:nvCxnSpPr>
           <p:cNvPr id="1022" name="직선 화살표 연결선 1021"/>
-          <p:cNvCxnSpPr/>
+          <p:cNvCxnSpPr>
+            <a:cxnSpLocks/>
+          </p:cNvCxnSpPr>
           <p:nvPr/>
         </p:nvCxnSpPr>
         <p:spPr>
           <a:xfrm flipV="1">
-            <a:off x="2971800" y="2590800"/>
-            <a:ext cx="1143000" cy="685800"/>
+            <a:off x="1246095" y="4457700"/>
+            <a:ext cx="811305" cy="1071282"/>
           </a:xfrm>
           <a:prstGeom prst="straightConnector1">
             <a:avLst/>
@@ -11820,7 +10737,7 @@
         </p:nvSpPr>
         <p:spPr>
           <a:xfrm>
-            <a:off x="2057400" y="3276600"/>
+            <a:off x="255494" y="5528982"/>
             <a:ext cx="2590800" cy="762000"/>
           </a:xfrm>
           <a:prstGeom prst="rect">
@@ -11872,7 +10789,7 @@
         </p:nvSpPr>
         <p:spPr>
           <a:xfrm>
-            <a:off x="2133600" y="4572000"/>
+            <a:off x="407895" y="6824382"/>
             <a:ext cx="8915400" cy="2057400"/>
           </a:xfrm>
           <a:prstGeom prst="rect">
@@ -11924,7 +10841,7 @@
         </p:nvCxnSpPr>
         <p:spPr>
           <a:xfrm rot="5400000" flipH="1" flipV="1">
-            <a:off x="9182100" y="2705100"/>
+            <a:off x="7456395" y="4957482"/>
             <a:ext cx="1905000" cy="1828800"/>
           </a:xfrm>
           <a:prstGeom prst="straightConnector1">
@@ -11970,7 +10887,7 @@
 
 <file path=ppt/slides/slide26.xml><?xml version="1.0" encoding="utf-8"?>
 <p:sld xmlns:a="http://schemas.openxmlformats.org/drawingml/2006/main" xmlns:r="http://schemas.openxmlformats.org/officeDocument/2006/relationships" xmlns:p="http://schemas.openxmlformats.org/presentationml/2006/main">
-  <p:cSld name="Slide 16">
+  <p:cSld>
     <p:bg>
       <p:bgPr>
         <a:solidFill>
@@ -11993,157 +10910,6 @@
           <a:chExt cx="0" cy="0"/>
         </a:xfrm>
       </p:grpSpPr>
-      <p:sp>
-        <p:nvSpPr>
-          <p:cNvPr id="15" name="Object 15"/>
-          <p:cNvSpPr txBox="1"/>
-          <p:nvPr/>
-        </p:nvSpPr>
-        <p:spPr>
-          <a:xfrm>
-            <a:off x="472895" y="547491"/>
-            <a:ext cx="742705" cy="1222769"/>
-          </a:xfrm>
-          <a:prstGeom prst="rect">
-            <a:avLst/>
-          </a:prstGeom>
-          <a:noFill/>
-        </p:spPr>
-        <p:txBody>
-          <a:bodyPr wrap="square"/>
-          <a:lstStyle/>
-          <a:p>
-            <a:pPr algn="ctr">
-              <a:defRPr lang="ko-KR" altLang="en-US"/>
-            </a:pPr>
-            <a:r>
-              <a:rPr lang="en-US" sz="5300">
-                <a:solidFill>
-                  <a:srgbClr val="595959"/>
-                </a:solidFill>
-                <a:latin typeface="카페24 당당해"/>
-                <a:cs typeface="카페24 당당해"/>
-              </a:rPr>
-              <a:t>+</a:t>
-            </a:r>
-            <a:endParaRPr lang="en-US"/>
-          </a:p>
-        </p:txBody>
-      </p:sp>
-      <p:grpSp>
-        <p:nvGrpSpPr>
-          <p:cNvPr id="1005" name="그룹 1005"/>
-          <p:cNvGrpSpPr/>
-          <p:nvPr/>
-        </p:nvGrpSpPr>
-        <p:grpSpPr>
-          <a:xfrm>
-            <a:off x="-488380" y="6567674"/>
-            <a:ext cx="2813796" cy="124275"/>
-            <a:chOff x="-488380" y="6567674"/>
-            <a:chExt cx="2813796" cy="124275"/>
-          </a:xfrm>
-        </p:grpSpPr>
-        <p:pic>
-          <p:nvPicPr>
-            <p:cNvPr id="17" name="Object 16"/>
-            <p:cNvPicPr>
-              <a:picLocks noChangeAspect="1"/>
-            </p:cNvPicPr>
-            <p:nvPr/>
-          </p:nvPicPr>
-          <p:blipFill rotWithShape="1">
-            <a:blip r:embed="rId2"/>
-            <a:stretch>
-              <a:fillRect/>
-            </a:stretch>
-          </p:blipFill>
-          <p:spPr>
-            <a:xfrm rot="5400000">
-              <a:off x="-488380" y="6567674"/>
-              <a:ext cx="2813796" cy="124275"/>
-            </a:xfrm>
-            <a:prstGeom prst="rect">
-              <a:avLst/>
-            </a:prstGeom>
-          </p:spPr>
-        </p:pic>
-      </p:grpSp>
-      <p:grpSp>
-        <p:nvGrpSpPr>
-          <p:cNvPr id="1006" name="그룹 1006"/>
-          <p:cNvGrpSpPr/>
-          <p:nvPr/>
-        </p:nvGrpSpPr>
-        <p:grpSpPr>
-          <a:xfrm>
-            <a:off x="-3588230" y="5035581"/>
-            <a:ext cx="10792838" cy="164571"/>
-            <a:chOff x="-3588230" y="5035581"/>
-            <a:chExt cx="10792838" cy="164571"/>
-          </a:xfrm>
-        </p:grpSpPr>
-        <p:pic>
-          <p:nvPicPr>
-            <p:cNvPr id="20" name="Object 19"/>
-            <p:cNvPicPr>
-              <a:picLocks noChangeAspect="1"/>
-            </p:cNvPicPr>
-            <p:nvPr/>
-          </p:nvPicPr>
-          <p:blipFill rotWithShape="1">
-            <a:blip r:embed="rId3"/>
-            <a:stretch>
-              <a:fillRect/>
-            </a:stretch>
-          </p:blipFill>
-          <p:spPr>
-            <a:xfrm rot="16200000">
-              <a:off x="-3588230" y="5035581"/>
-              <a:ext cx="10792838" cy="164571"/>
-            </a:xfrm>
-            <a:prstGeom prst="rect">
-              <a:avLst/>
-            </a:prstGeom>
-          </p:spPr>
-        </p:pic>
-      </p:grpSp>
-      <p:sp>
-        <p:nvSpPr>
-          <p:cNvPr id="23" name="Object 23"/>
-          <p:cNvSpPr txBox="1"/>
-          <p:nvPr/>
-        </p:nvSpPr>
-        <p:spPr>
-          <a:xfrm>
-            <a:off x="2057400" y="289677"/>
-            <a:ext cx="6553200" cy="624723"/>
-          </a:xfrm>
-          <a:prstGeom prst="rect">
-            <a:avLst/>
-          </a:prstGeom>
-          <a:noFill/>
-        </p:spPr>
-        <p:txBody>
-          <a:bodyPr wrap="square"/>
-          <a:lstStyle/>
-          <a:p>
-            <a:pPr algn="just">
-              <a:defRPr lang="ko-KR" altLang="en-US"/>
-            </a:pPr>
-            <a:r>
-              <a:rPr lang="ko-KR" altLang="en-US" sz="3400">
-                <a:solidFill>
-                  <a:srgbClr val="595959"/>
-                </a:solidFill>
-                <a:latin typeface="카페24 당당해"/>
-                <a:cs typeface="카페24 당당해"/>
-              </a:rPr>
-              <a:t>- 관리자 페이지</a:t>
-            </a:r>
-          </a:p>
-        </p:txBody>
-      </p:sp>
       <p:grpSp>
         <p:nvGrpSpPr>
           <p:cNvPr id="1013" name="그룹 1013"/>
@@ -12167,7 +10933,7 @@
             <p:nvPr/>
           </p:nvPicPr>
           <p:blipFill rotWithShape="1">
-            <a:blip r:embed="rId4"/>
+            <a:blip r:embed="rId2"/>
             <a:stretch>
               <a:fillRect/>
             </a:stretch>
@@ -12185,14 +10951,22 @@
       </p:grpSp>
       <p:sp>
         <p:nvSpPr>
-          <p:cNvPr id="53" name="Object 53"/>
-          <p:cNvSpPr txBox="1"/>
-          <p:nvPr/>
-        </p:nvSpPr>
-        <p:spPr>
-          <a:xfrm>
-            <a:off x="2458670" y="1005895"/>
-            <a:ext cx="2570530" cy="365704"/>
+          <p:cNvPr id="16" name="Object 23">
+            <a:extLst>
+              <a:ext uri="{FF2B5EF4-FFF2-40B4-BE49-F238E27FC236}">
+                <a16:creationId xmlns:a16="http://schemas.microsoft.com/office/drawing/2014/main" id="{DE1CB00F-5E8E-43C4-B715-7AE84E26E071}"/>
+              </a:ext>
+            </a:extLst>
+          </p:cNvPr>
+          <p:cNvSpPr txBox="1">
+            <a:spLocks/>
+          </p:cNvSpPr>
+          <p:nvPr/>
+        </p:nvSpPr>
+        <p:spPr>
+          <a:xfrm>
+            <a:off x="495300" y="289560"/>
+            <a:ext cx="6553835" cy="625475"/>
           </a:xfrm>
           <a:prstGeom prst="rect">
             <a:avLst/>
@@ -12200,10 +10974,113 @@
           <a:noFill/>
         </p:spPr>
         <p:txBody>
-          <a:bodyPr wrap="square"/>
-          <a:lstStyle/>
-          <a:p>
-            <a:pPr>
+          <a:bodyPr vert="horz" wrap="square" lIns="91440" tIns="45720" rIns="91440" bIns="45720" numCol="1" anchor="t">
+            <a:noAutofit/>
+          </a:bodyPr>
+          <a:lstStyle/>
+          <a:p>
+            <a:pPr marL="0" indent="0" algn="just" latinLnBrk="0">
+              <a:buFontTx/>
+              <a:buNone/>
+              <a:defRPr lang="ko-KR" altLang="en-US"/>
+            </a:pPr>
+            <a:r>
+              <a:rPr lang="ko-KR" altLang="en-US" sz="3400">
+                <a:solidFill>
+                  <a:srgbClr val="595959"/>
+                </a:solidFill>
+                <a:latin typeface="카페24 당당해" charset="0"/>
+                <a:cs typeface="카페24 당당해" charset="0"/>
+              </a:rPr>
+              <a:t>- 관리자 페이지</a:t>
+            </a:r>
+          </a:p>
+        </p:txBody>
+      </p:sp>
+      <p:grpSp>
+        <p:nvGrpSpPr>
+          <p:cNvPr id="18" name="그룹 1013">
+            <a:extLst>
+              <a:ext uri="{FF2B5EF4-FFF2-40B4-BE49-F238E27FC236}">
+                <a16:creationId xmlns:a16="http://schemas.microsoft.com/office/drawing/2014/main" id="{2131D258-BB6B-44BC-BBCE-D3E788F1F173}"/>
+              </a:ext>
+            </a:extLst>
+          </p:cNvPr>
+          <p:cNvGrpSpPr/>
+          <p:nvPr/>
+        </p:nvGrpSpPr>
+        <p:grpSpPr>
+          <a:xfrm>
+            <a:off x="1790700" y="9460865"/>
+            <a:ext cx="17371695" cy="164465"/>
+            <a:chOff x="1790700" y="9460865"/>
+            <a:chExt cx="17371695" cy="164465"/>
+          </a:xfrm>
+        </p:grpSpPr>
+        <p:pic>
+          <p:nvPicPr>
+            <p:cNvPr id="19" name="Object 50">
+              <a:extLst>
+                <a:ext uri="{FF2B5EF4-FFF2-40B4-BE49-F238E27FC236}">
+                  <a16:creationId xmlns:a16="http://schemas.microsoft.com/office/drawing/2014/main" id="{66EF12CE-7233-47B2-8A8C-B245EFC7F990}"/>
+                </a:ext>
+              </a:extLst>
+            </p:cNvPr>
+            <p:cNvPicPr>
+              <a:picLocks noChangeAspect="1"/>
+            </p:cNvPicPr>
+            <p:nvPr/>
+          </p:nvPicPr>
+          <p:blipFill rotWithShape="1">
+            <a:blip r:embed="rId2"/>
+            <a:stretch>
+              <a:fillRect/>
+            </a:stretch>
+          </p:blipFill>
+          <p:spPr>
+            <a:xfrm rot="10800000">
+              <a:off x="1790700" y="9460230"/>
+              <a:ext cx="17371695" cy="164465"/>
+            </a:xfrm>
+            <a:prstGeom prst="rect">
+              <a:avLst/>
+            </a:prstGeom>
+          </p:spPr>
+        </p:pic>
+      </p:grpSp>
+      <p:sp>
+        <p:nvSpPr>
+          <p:cNvPr id="21" name="Object 53">
+            <a:extLst>
+              <a:ext uri="{FF2B5EF4-FFF2-40B4-BE49-F238E27FC236}">
+                <a16:creationId xmlns:a16="http://schemas.microsoft.com/office/drawing/2014/main" id="{031EB2E3-F312-4896-AE93-A3786DB039D2}"/>
+              </a:ext>
+            </a:extLst>
+          </p:cNvPr>
+          <p:cNvSpPr txBox="1">
+            <a:spLocks/>
+          </p:cNvSpPr>
+          <p:nvPr/>
+        </p:nvSpPr>
+        <p:spPr>
+          <a:xfrm>
+            <a:off x="896620" y="1005840"/>
+            <a:ext cx="2571115" cy="366395"/>
+          </a:xfrm>
+          <a:prstGeom prst="rect">
+            <a:avLst/>
+          </a:prstGeom>
+          <a:noFill/>
+        </p:spPr>
+        <p:txBody>
+          <a:bodyPr vert="horz" wrap="square" lIns="91440" tIns="45720" rIns="91440" bIns="45720" numCol="1" anchor="t">
+            <a:noAutofit/>
+          </a:bodyPr>
+          <a:lstStyle/>
+          <a:p>
+            <a:pPr marL="0" indent="0" latinLnBrk="0">
+              <a:buFontTx/>
+              <a:buNone/>
               <a:defRPr lang="ko-KR" altLang="en-US"/>
             </a:pPr>
             <a:r>
@@ -12211,8 +11088,8 @@
                 <a:solidFill>
                   <a:srgbClr val="595959"/>
                 </a:solidFill>
-                <a:latin typeface="에스코어 드림 4 Regular"/>
-                <a:cs typeface="에스코어 드림 4 Regular"/>
+                <a:latin typeface="에스코어 드림 4 Regular" charset="0"/>
+                <a:cs typeface="에스코어 드림 4 Regular" charset="0"/>
               </a:rPr>
               <a:t>회원 정보 목록</a:t>
             </a:r>
@@ -12221,94 +11098,158 @@
       </p:sp>
       <p:pic>
         <p:nvPicPr>
-          <p:cNvPr id="1028" name="그림 1027"/>
+          <p:cNvPr id="22" name="그림 34" descr="C:/Users/user/AppData/Roaming/PolarisOffice/ETemp/7880_13357976/image66.png">
+            <a:extLst>
+              <a:ext uri="{FF2B5EF4-FFF2-40B4-BE49-F238E27FC236}">
+                <a16:creationId xmlns:a16="http://schemas.microsoft.com/office/drawing/2014/main" id="{56514A21-E222-4220-86EB-09D385AC8FCE}"/>
+              </a:ext>
+            </a:extLst>
+          </p:cNvPr>
           <p:cNvPicPr>
             <a:picLocks noChangeAspect="1"/>
           </p:cNvPicPr>
           <p:nvPr/>
         </p:nvPicPr>
         <p:blipFill rotWithShape="1">
-          <a:blip r:embed="rId5"/>
+          <a:blip r:embed="rId3" cstate="print">
+            <a:extLst>
+              <a:ext uri="{28A0092B-C50C-407E-A947-70E740481C1C}">
+                <a14:useLocalDpi xmlns:a14="http://schemas.microsoft.com/office/drawing/2010/main" val="0"/>
+              </a:ext>
+            </a:extLst>
+          </a:blip>
           <a:stretch>
             <a:fillRect/>
           </a:stretch>
         </p:blipFill>
         <p:spPr>
           <a:xfrm>
-            <a:off x="2133600" y="1752600"/>
-            <a:ext cx="7010400" cy="2286000"/>
-          </a:xfrm>
-          <a:prstGeom prst="rect">
-            <a:avLst/>
-          </a:prstGeom>
+            <a:off x="588010" y="1661795"/>
+            <a:ext cx="7011035" cy="2286635"/>
+          </a:xfrm>
+          <a:prstGeom prst="rect">
+            <a:avLst/>
+          </a:prstGeom>
+          <a:noFill/>
+          <a:ln w="28575" cap="flat" cmpd="sng">
+            <a:solidFill>
+              <a:schemeClr val="accent3"/>
+            </a:solidFill>
+            <a:prstDash val="solid"/>
+            <a:round/>
+          </a:ln>
         </p:spPr>
       </p:pic>
       <p:pic>
         <p:nvPicPr>
-          <p:cNvPr id="1029" name="그림 1028"/>
+          <p:cNvPr id="24" name="그림 35" descr="C:/Users/user/AppData/Roaming/PolarisOffice/ETemp/7880_13357976/image67.png">
+            <a:extLst>
+              <a:ext uri="{FF2B5EF4-FFF2-40B4-BE49-F238E27FC236}">
+                <a16:creationId xmlns:a16="http://schemas.microsoft.com/office/drawing/2014/main" id="{992E3435-91FA-4E8C-8DA1-245F9084E6CC}"/>
+              </a:ext>
+            </a:extLst>
+          </p:cNvPr>
           <p:cNvPicPr>
             <a:picLocks noChangeAspect="1"/>
           </p:cNvPicPr>
           <p:nvPr/>
         </p:nvPicPr>
         <p:blipFill rotWithShape="1">
-          <a:blip r:embed="rId6"/>
+          <a:blip r:embed="rId4" cstate="print">
+            <a:extLst>
+              <a:ext uri="{28A0092B-C50C-407E-A947-70E740481C1C}">
+                <a14:useLocalDpi xmlns:a14="http://schemas.microsoft.com/office/drawing/2010/main" val="0"/>
+              </a:ext>
+            </a:extLst>
+          </a:blip>
           <a:stretch>
             <a:fillRect/>
           </a:stretch>
         </p:blipFill>
         <p:spPr>
           <a:xfrm>
-            <a:off x="6400800" y="4038600"/>
-            <a:ext cx="11582400" cy="5453062"/>
-          </a:xfrm>
-          <a:prstGeom prst="rect">
-            <a:avLst/>
-          </a:prstGeom>
+            <a:off x="508747" y="4299584"/>
+            <a:ext cx="12102302" cy="5697855"/>
+          </a:xfrm>
+          <a:prstGeom prst="rect">
+            <a:avLst/>
+          </a:prstGeom>
+          <a:noFill/>
         </p:spPr>
       </p:pic>
       <p:pic>
         <p:nvPicPr>
-          <p:cNvPr id="1030" name="그림 1029"/>
+          <p:cNvPr id="25" name="그림 36" descr="C:/Users/user/AppData/Roaming/PolarisOffice/ETemp/7880_13357976/image45.png">
+            <a:extLst>
+              <a:ext uri="{FF2B5EF4-FFF2-40B4-BE49-F238E27FC236}">
+                <a16:creationId xmlns:a16="http://schemas.microsoft.com/office/drawing/2014/main" id="{8FD20F5C-5B79-41BF-B22D-81255069854C}"/>
+              </a:ext>
+            </a:extLst>
+          </p:cNvPr>
           <p:cNvPicPr>
             <a:picLocks noChangeAspect="1"/>
           </p:cNvPicPr>
           <p:nvPr/>
         </p:nvPicPr>
         <p:blipFill rotWithShape="1">
-          <a:blip r:embed="rId7"/>
+          <a:blip r:embed="rId5" cstate="print">
+            <a:extLst>
+              <a:ext uri="{28A0092B-C50C-407E-A947-70E740481C1C}">
+                <a14:useLocalDpi xmlns:a14="http://schemas.microsoft.com/office/drawing/2010/main" val="0"/>
+              </a:ext>
+            </a:extLst>
+          </a:blip>
           <a:stretch>
             <a:fillRect/>
           </a:stretch>
         </p:blipFill>
         <p:spPr>
           <a:xfrm>
-            <a:off x="9372600" y="533400"/>
-            <a:ext cx="8382403" cy="4419600"/>
-          </a:xfrm>
-          <a:prstGeom prst="rect">
-            <a:avLst/>
-          </a:prstGeom>
+            <a:off x="7987776" y="64377"/>
+            <a:ext cx="9834040" cy="5649241"/>
+          </a:xfrm>
+          <a:prstGeom prst="rect">
+            <a:avLst/>
+          </a:prstGeom>
+          <a:noFill/>
+          <a:ln w="28575" cap="flat" cmpd="sng">
+            <a:solidFill>
+              <a:schemeClr val="accent1"/>
+            </a:solidFill>
+            <a:prstDash val="solid"/>
+            <a:round/>
+          </a:ln>
         </p:spPr>
       </p:pic>
       <p:cxnSp>
         <p:nvCxnSpPr>
-          <p:cNvPr id="1031" name="직선 연결선 1030"/>
-          <p:cNvCxnSpPr/>
+          <p:cNvPr id="26" name="Rect 1031">
+            <a:extLst>
+              <a:ext uri="{FF2B5EF4-FFF2-40B4-BE49-F238E27FC236}">
+                <a16:creationId xmlns:a16="http://schemas.microsoft.com/office/drawing/2014/main" id="{A07C1FED-2AB0-4F31-9777-E32DDE9069A0}"/>
+              </a:ext>
+            </a:extLst>
+          </p:cNvPr>
+          <p:cNvCxnSpPr>
+            <a:cxnSpLocks/>
+          </p:cNvCxnSpPr>
           <p:nvPr/>
         </p:nvCxnSpPr>
         <p:spPr>
           <a:xfrm>
-            <a:off x="9144000" y="5410200"/>
-            <a:ext cx="1600200" cy="0"/>
+            <a:off x="3048000" y="5688965"/>
+            <a:ext cx="2209800" cy="0"/>
           </a:xfrm>
           <a:prstGeom prst="line">
             <a:avLst/>
           </a:prstGeom>
-          <a:ln>
+          <a:ln w="9525" cap="flat" cmpd="sng">
             <a:solidFill>
-              <a:srgbClr val="FF0000"/>
+              <a:srgbClr val="FF0000">
+                <a:alpha val="100000"/>
+              </a:srgbClr>
             </a:solidFill>
+            <a:prstDash val="solid"/>
           </a:ln>
         </p:spPr>
         <p:style>
@@ -12328,23 +11269,34 @@
       </p:cxnSp>
       <p:cxnSp>
         <p:nvCxnSpPr>
-          <p:cNvPr id="1032" name="직선 화살표 연결선 1031"/>
-          <p:cNvCxnSpPr/>
+          <p:cNvPr id="27" name="Rect 1032">
+            <a:extLst>
+              <a:ext uri="{FF2B5EF4-FFF2-40B4-BE49-F238E27FC236}">
+                <a16:creationId xmlns:a16="http://schemas.microsoft.com/office/drawing/2014/main" id="{56679F3D-F2DA-4F83-A933-68F696A75100}"/>
+              </a:ext>
+            </a:extLst>
+          </p:cNvPr>
+          <p:cNvCxnSpPr>
+            <a:cxnSpLocks/>
+          </p:cNvCxnSpPr>
           <p:nvPr/>
         </p:nvCxnSpPr>
         <p:spPr>
-          <a:xfrm rot="5400000" flipH="1" flipV="1">
-            <a:off x="10210800" y="4495800"/>
-            <a:ext cx="762000" cy="609600"/>
+          <a:xfrm flipV="1">
+            <a:off x="5106987" y="4598035"/>
+            <a:ext cx="2665413" cy="752252"/>
           </a:xfrm>
           <a:prstGeom prst="straightConnector1">
             <a:avLst/>
           </a:prstGeom>
-          <a:ln>
+          <a:ln w="9525" cap="flat" cmpd="sng">
             <a:solidFill>
-              <a:srgbClr val="FF0000"/>
+              <a:srgbClr val="FF0000">
+                <a:alpha val="100000"/>
+              </a:srgbClr>
             </a:solidFill>
-            <a:tailEnd type="arrow"/>
+            <a:prstDash val="solid"/>
+            <a:tailEnd type="arrow" w="med" len="med"/>
           </a:ln>
         </p:spPr>
         <p:style>
@@ -12362,19 +11314,58 @@
           </a:fontRef>
         </p:style>
       </p:cxnSp>
+      <p:sp>
+        <p:nvSpPr>
+          <p:cNvPr id="2" name="TextBox 1">
+            <a:extLst>
+              <a:ext uri="{FF2B5EF4-FFF2-40B4-BE49-F238E27FC236}">
+                <a16:creationId xmlns:a16="http://schemas.microsoft.com/office/drawing/2014/main" id="{D37F67BC-3395-45E7-B70C-09B199BC3CD2}"/>
+              </a:ext>
+            </a:extLst>
+          </p:cNvPr>
+          <p:cNvSpPr txBox="1"/>
+          <p:nvPr/>
+        </p:nvSpPr>
+        <p:spPr>
+          <a:xfrm>
+            <a:off x="15648734" y="66881"/>
+            <a:ext cx="2173082" cy="369332"/>
+          </a:xfrm>
+          <a:prstGeom prst="rect">
+            <a:avLst/>
+          </a:prstGeom>
+          <a:noFill/>
+          <a:ln w="28575">
+            <a:solidFill>
+              <a:schemeClr val="accent1"/>
+            </a:solidFill>
+          </a:ln>
+        </p:spPr>
+        <p:txBody>
+          <a:bodyPr wrap="square" rtlCol="0">
+            <a:spAutoFit/>
+          </a:bodyPr>
+          <a:lstStyle/>
+          <a:p>
+            <a:r>
+              <a:rPr lang="en-US" altLang="ko-KR" dirty="0" err="1"/>
+              <a:t>AdminMemberDao</a:t>
+            </a:r>
+            <a:endParaRPr lang="ko-KR" altLang="en-US" dirty="0"/>
+          </a:p>
+        </p:txBody>
+      </p:sp>
     </p:spTree>
+    <p:extLst>
+      <p:ext uri="{BB962C8B-B14F-4D97-AF65-F5344CB8AC3E}">
+        <p14:creationId xmlns:p14="http://schemas.microsoft.com/office/powerpoint/2010/main" val="2175529807"/>
+      </p:ext>
+    </p:extLst>
   </p:cSld>
   <p:clrMapOvr>
     <a:masterClrMapping/>
   </p:clrMapOvr>
-  <mc:AlternateContent xmlns:mc="http://schemas.openxmlformats.org/markup-compatibility/2006" xmlns:p14="http://schemas.microsoft.com/office/powerpoint/2010/main">
-    <mc:Choice Requires="p14">
-      <p:transition/>
-    </mc:Choice>
-    <mc:Fallback xmlns:dsp="http://schemas.microsoft.com/office/drawing/2008/diagram" xmlns:dgm="http://schemas.openxmlformats.org/drawingml/2006/diagram" xmlns:c="http://schemas.openxmlformats.org/drawingml/2006/chart" xmlns="">
-      <p:transition/>
-    </mc:Fallback>
-  </mc:AlternateContent>
+  <p:transition/>
 </p:sld>
 </file>
 
@@ -12405,128 +11396,13 @@
       </p:grpSpPr>
       <p:sp>
         <p:nvSpPr>
-          <p:cNvPr id="15" name="Object 15"/>
-          <p:cNvSpPr txBox="1"/>
-          <p:nvPr/>
-        </p:nvSpPr>
-        <p:spPr>
-          <a:xfrm>
-            <a:off x="472895" y="547491"/>
-            <a:ext cx="742705" cy="1222769"/>
-          </a:xfrm>
-          <a:prstGeom prst="rect">
-            <a:avLst/>
-          </a:prstGeom>
-          <a:noFill/>
-        </p:spPr>
-        <p:txBody>
-          <a:bodyPr wrap="square"/>
-          <a:lstStyle/>
-          <a:p>
-            <a:pPr algn="ctr">
-              <a:defRPr lang="ko-KR" altLang="en-US"/>
-            </a:pPr>
-            <a:r>
-              <a:rPr lang="en-US" sz="5300">
-                <a:solidFill>
-                  <a:srgbClr val="595959"/>
-                </a:solidFill>
-                <a:latin typeface="카페24 당당해"/>
-                <a:cs typeface="카페24 당당해"/>
-              </a:rPr>
-              <a:t>+</a:t>
-            </a:r>
-            <a:endParaRPr lang="en-US"/>
-          </a:p>
-        </p:txBody>
-      </p:sp>
-      <p:grpSp>
-        <p:nvGrpSpPr>
-          <p:cNvPr id="1005" name="그룹 1005"/>
-          <p:cNvGrpSpPr/>
-          <p:nvPr/>
-        </p:nvGrpSpPr>
-        <p:grpSpPr>
-          <a:xfrm>
-            <a:off x="-488380" y="6567674"/>
-            <a:ext cx="2813796" cy="124275"/>
-            <a:chOff x="-488380" y="6567674"/>
-            <a:chExt cx="2813796" cy="124275"/>
-          </a:xfrm>
-        </p:grpSpPr>
-        <p:pic>
-          <p:nvPicPr>
-            <p:cNvPr id="17" name="Object 16"/>
-            <p:cNvPicPr>
-              <a:picLocks noChangeAspect="1"/>
-            </p:cNvPicPr>
-            <p:nvPr/>
-          </p:nvPicPr>
-          <p:blipFill rotWithShape="1">
-            <a:blip r:embed="rId2"/>
-            <a:stretch>
-              <a:fillRect/>
-            </a:stretch>
-          </p:blipFill>
-          <p:spPr>
-            <a:xfrm rot="5400000">
-              <a:off x="-488380" y="6567674"/>
-              <a:ext cx="2813796" cy="124275"/>
-            </a:xfrm>
-            <a:prstGeom prst="rect">
-              <a:avLst/>
-            </a:prstGeom>
-          </p:spPr>
-        </p:pic>
-      </p:grpSp>
-      <p:grpSp>
-        <p:nvGrpSpPr>
-          <p:cNvPr id="1006" name="그룹 1006"/>
-          <p:cNvGrpSpPr/>
-          <p:nvPr/>
-        </p:nvGrpSpPr>
-        <p:grpSpPr>
-          <a:xfrm>
-            <a:off x="-3588230" y="5035581"/>
-            <a:ext cx="10792838" cy="164571"/>
-            <a:chOff x="-3588230" y="5035581"/>
-            <a:chExt cx="10792838" cy="164571"/>
-          </a:xfrm>
-        </p:grpSpPr>
-        <p:pic>
-          <p:nvPicPr>
-            <p:cNvPr id="20" name="Object 19"/>
-            <p:cNvPicPr>
-              <a:picLocks noChangeAspect="1"/>
-            </p:cNvPicPr>
-            <p:nvPr/>
-          </p:nvPicPr>
-          <p:blipFill rotWithShape="1">
-            <a:blip r:embed="rId3"/>
-            <a:stretch>
-              <a:fillRect/>
-            </a:stretch>
-          </p:blipFill>
-          <p:spPr>
-            <a:xfrm rot="16200000">
-              <a:off x="-3588230" y="5035581"/>
-              <a:ext cx="10792838" cy="164571"/>
-            </a:xfrm>
-            <a:prstGeom prst="rect">
-              <a:avLst/>
-            </a:prstGeom>
-          </p:spPr>
-        </p:pic>
-      </p:grpSp>
-      <p:sp>
-        <p:nvSpPr>
           <p:cNvPr id="23" name="Object 23"/>
           <p:cNvSpPr txBox="1"/>
           <p:nvPr/>
         </p:nvSpPr>
         <p:spPr>
           <a:xfrm>
-            <a:off x="2057400" y="289677"/>
+            <a:off x="515620" y="223954"/>
             <a:ext cx="6553200" cy="624723"/>
           </a:xfrm>
           <a:prstGeom prst="rect">
@@ -12542,7 +11418,7 @@
               <a:defRPr lang="ko-KR" altLang="en-US"/>
             </a:pPr>
             <a:r>
-              <a:rPr lang="ko-KR" altLang="en-US" sz="3400">
+              <a:rPr lang="ko-KR" altLang="en-US" sz="3400" dirty="0">
                 <a:solidFill>
                   <a:srgbClr val="595959"/>
                 </a:solidFill>
@@ -12554,55 +11430,24 @@
           </a:p>
         </p:txBody>
       </p:sp>
-      <p:grpSp>
-        <p:nvGrpSpPr>
-          <p:cNvPr id="1013" name="그룹 1013"/>
-          <p:cNvGrpSpPr/>
-          <p:nvPr/>
-        </p:nvGrpSpPr>
-        <p:grpSpPr>
-          <a:xfrm>
-            <a:off x="1790476" y="9460571"/>
-            <a:ext cx="17371428" cy="164571"/>
-            <a:chOff x="1790476" y="9460571"/>
-            <a:chExt cx="17371428" cy="164571"/>
-          </a:xfrm>
-        </p:grpSpPr>
-        <p:pic>
-          <p:nvPicPr>
-            <p:cNvPr id="51" name="Object 50"/>
-            <p:cNvPicPr>
-              <a:picLocks noChangeAspect="1"/>
-            </p:cNvPicPr>
-            <p:nvPr/>
-          </p:nvPicPr>
-          <p:blipFill rotWithShape="1">
-            <a:blip r:embed="rId4"/>
-            <a:stretch>
-              <a:fillRect/>
-            </a:stretch>
-          </p:blipFill>
-          <p:spPr>
-            <a:xfrm rot="10800000">
-              <a:off x="1790476" y="9460571"/>
-              <a:ext cx="17371428" cy="164571"/>
-            </a:xfrm>
-            <a:prstGeom prst="rect">
-              <a:avLst/>
-            </a:prstGeom>
-          </p:spPr>
-        </p:pic>
-      </p:grpSp>
-      <p:sp>
-        <p:nvSpPr>
-          <p:cNvPr id="53" name="Object 53"/>
-          <p:cNvSpPr txBox="1"/>
-          <p:nvPr/>
-        </p:nvSpPr>
-        <p:spPr>
-          <a:xfrm>
-            <a:off x="2458670" y="1005895"/>
-            <a:ext cx="2570530" cy="365704"/>
+      <p:sp>
+        <p:nvSpPr>
+          <p:cNvPr id="21" name="Object 53">
+            <a:extLst>
+              <a:ext uri="{FF2B5EF4-FFF2-40B4-BE49-F238E27FC236}">
+                <a16:creationId xmlns:a16="http://schemas.microsoft.com/office/drawing/2014/main" id="{3366515E-5015-49C4-88E6-0F3681190FD0}"/>
+              </a:ext>
+            </a:extLst>
+          </p:cNvPr>
+          <p:cNvSpPr txBox="1">
+            <a:spLocks/>
+          </p:cNvSpPr>
+          <p:nvPr/>
+        </p:nvSpPr>
+        <p:spPr>
+          <a:xfrm>
+            <a:off x="15716885" y="353117"/>
+            <a:ext cx="2571115" cy="366395"/>
           </a:xfrm>
           <a:prstGeom prst="rect">
             <a:avLst/>
@@ -12610,19 +11455,23 @@
           <a:noFill/>
         </p:spPr>
         <p:txBody>
-          <a:bodyPr wrap="square"/>
-          <a:lstStyle/>
-          <a:p>
-            <a:pPr>
-              <a:defRPr lang="ko-KR" altLang="en-US"/>
-            </a:pPr>
-            <a:r>
-              <a:rPr lang="ko-KR" altLang="en-US">
+          <a:bodyPr vert="horz" wrap="square" lIns="91440" tIns="45720" rIns="91440" bIns="45720" numCol="1" anchor="t">
+            <a:noAutofit/>
+          </a:bodyPr>
+          <a:lstStyle/>
+          <a:p>
+            <a:pPr marL="0" indent="0" latinLnBrk="0">
+              <a:buFontTx/>
+              <a:buNone/>
+              <a:defRPr lang="ko-KR" altLang="en-US"/>
+            </a:pPr>
+            <a:r>
+              <a:rPr lang="ko-KR" altLang="en-US" sz="2400" dirty="0">
                 <a:solidFill>
                   <a:srgbClr val="595959"/>
                 </a:solidFill>
-                <a:latin typeface="에스코어 드림 4 Regular"/>
-                <a:cs typeface="에스코어 드림 4 Regular"/>
+                <a:latin typeface="에스코어 드림 4 Regular" charset="0"/>
+                <a:cs typeface="에스코어 드림 4 Regular" charset="0"/>
               </a:rPr>
               <a:t>휴면 계정 설정</a:t>
             </a:r>
@@ -12631,141 +11480,164 @@
       </p:sp>
       <p:pic>
         <p:nvPicPr>
-          <p:cNvPr id="1028" name="그림 1027"/>
+          <p:cNvPr id="24" name="그림 38" descr="C:/Users/user/AppData/Roaming/PolarisOffice/ETemp/7880_13357976/image69.png">
+            <a:extLst>
+              <a:ext uri="{FF2B5EF4-FFF2-40B4-BE49-F238E27FC236}">
+                <a16:creationId xmlns:a16="http://schemas.microsoft.com/office/drawing/2014/main" id="{C0250471-DA31-4CC0-9E38-C19DA6EDC19B}"/>
+              </a:ext>
+            </a:extLst>
+          </p:cNvPr>
           <p:cNvPicPr>
             <a:picLocks noChangeAspect="1"/>
           </p:cNvPicPr>
           <p:nvPr/>
         </p:nvPicPr>
         <p:blipFill rotWithShape="1">
-          <a:blip r:embed="rId5"/>
+          <a:blip r:embed="rId2" cstate="print">
+            <a:extLst>
+              <a:ext uri="{28A0092B-C50C-407E-A947-70E740481C1C}">
+                <a14:useLocalDpi xmlns:a14="http://schemas.microsoft.com/office/drawing/2010/main" val="0"/>
+              </a:ext>
+            </a:extLst>
+          </a:blip>
           <a:stretch>
             <a:fillRect/>
           </a:stretch>
         </p:blipFill>
         <p:spPr>
           <a:xfrm>
-            <a:off x="2066924" y="6477000"/>
-            <a:ext cx="7839075" cy="2743200"/>
-          </a:xfrm>
-          <a:prstGeom prst="rect">
-            <a:avLst/>
-          </a:prstGeom>
+            <a:off x="381000" y="1104900"/>
+            <a:ext cx="9605394" cy="6089334"/>
+          </a:xfrm>
+          <a:prstGeom prst="rect">
+            <a:avLst/>
+          </a:prstGeom>
+          <a:noFill/>
         </p:spPr>
       </p:pic>
       <p:pic>
         <p:nvPicPr>
-          <p:cNvPr id="1029" name="그림 1028"/>
+          <p:cNvPr id="3" name="그림 2">
+            <a:extLst>
+              <a:ext uri="{FF2B5EF4-FFF2-40B4-BE49-F238E27FC236}">
+                <a16:creationId xmlns:a16="http://schemas.microsoft.com/office/drawing/2014/main" id="{69884F05-BA5B-4455-8AB6-8D99DA15D21B}"/>
+              </a:ext>
+            </a:extLst>
+          </p:cNvPr>
           <p:cNvPicPr>
             <a:picLocks noChangeAspect="1"/>
           </p:cNvPicPr>
           <p:nvPr/>
         </p:nvPicPr>
-        <p:blipFill rotWithShape="1">
-          <a:blip r:embed="rId6"/>
+        <p:blipFill>
+          <a:blip r:embed="rId3">
+            <a:clrChange>
+              <a:clrFrom>
+                <a:srgbClr val="FFFFFF"/>
+              </a:clrFrom>
+              <a:clrTo>
+                <a:srgbClr val="FFFFFF">
+                  <a:alpha val="0"/>
+                </a:srgbClr>
+              </a:clrTo>
+            </a:clrChange>
+          </a:blip>
           <a:stretch>
             <a:fillRect/>
           </a:stretch>
         </p:blipFill>
         <p:spPr>
           <a:xfrm>
-            <a:off x="9772114" y="4114799"/>
-            <a:ext cx="8592086" cy="5029200"/>
-          </a:xfrm>
-          <a:prstGeom prst="rect">
-            <a:avLst/>
-          </a:prstGeom>
+            <a:off x="9448800" y="4000500"/>
+            <a:ext cx="8602730" cy="6130505"/>
+          </a:xfrm>
+          <a:prstGeom prst="rect">
+            <a:avLst/>
+          </a:prstGeom>
+          <a:ln w="28575">
+            <a:solidFill>
+              <a:schemeClr val="accent1"/>
+            </a:solidFill>
+          </a:ln>
         </p:spPr>
       </p:pic>
-      <p:pic>
-        <p:nvPicPr>
-          <p:cNvPr id="1030" name="그림 1029"/>
-          <p:cNvPicPr>
-            <a:picLocks noChangeAspect="1"/>
-          </p:cNvPicPr>
-          <p:nvPr/>
-        </p:nvPicPr>
-        <p:blipFill rotWithShape="1">
-          <a:blip r:embed="rId7"/>
-          <a:stretch>
-            <a:fillRect/>
-          </a:stretch>
-        </p:blipFill>
-        <p:spPr>
-          <a:xfrm>
-            <a:off x="2038349" y="1333500"/>
-            <a:ext cx="11677650" cy="4914900"/>
-          </a:xfrm>
-          <a:prstGeom prst="rect">
-            <a:avLst/>
-          </a:prstGeom>
-        </p:spPr>
-      </p:pic>
+      <p:sp>
+        <p:nvSpPr>
+          <p:cNvPr id="28" name="TextBox 27">
+            <a:extLst>
+              <a:ext uri="{FF2B5EF4-FFF2-40B4-BE49-F238E27FC236}">
+                <a16:creationId xmlns:a16="http://schemas.microsoft.com/office/drawing/2014/main" id="{F4A90A79-D85D-48E5-B018-1C91F46DE067}"/>
+              </a:ext>
+            </a:extLst>
+          </p:cNvPr>
+          <p:cNvSpPr txBox="1"/>
+          <p:nvPr/>
+        </p:nvSpPr>
+        <p:spPr>
+          <a:xfrm>
+            <a:off x="15878448" y="3598243"/>
+            <a:ext cx="2173082" cy="400110"/>
+          </a:xfrm>
+          <a:prstGeom prst="rect">
+            <a:avLst/>
+          </a:prstGeom>
+          <a:noFill/>
+          <a:ln w="28575">
+            <a:solidFill>
+              <a:schemeClr val="accent1"/>
+            </a:solidFill>
+          </a:ln>
+        </p:spPr>
+        <p:txBody>
+          <a:bodyPr wrap="square" rtlCol="0">
+            <a:spAutoFit/>
+          </a:bodyPr>
+          <a:lstStyle/>
+          <a:p>
+            <a:r>
+              <a:rPr lang="en-US" altLang="ko-KR" sz="2000" dirty="0" err="1"/>
+              <a:t>AdminMemberDao</a:t>
+            </a:r>
+            <a:endParaRPr lang="ko-KR" altLang="en-US" sz="2000" dirty="0"/>
+          </a:p>
+        </p:txBody>
+      </p:sp>
       <p:cxnSp>
         <p:nvCxnSpPr>
-          <p:cNvPr id="1031" name="직선 연결선 1030"/>
+          <p:cNvPr id="5" name="직선 화살표 연결선 4">
+            <a:extLst>
+              <a:ext uri="{FF2B5EF4-FFF2-40B4-BE49-F238E27FC236}">
+                <a16:creationId xmlns:a16="http://schemas.microsoft.com/office/drawing/2014/main" id="{9EEAA93F-48D6-47C9-994E-1B3E025066C0}"/>
+              </a:ext>
+            </a:extLst>
+          </p:cNvPr>
           <p:cNvCxnSpPr/>
           <p:nvPr/>
         </p:nvCxnSpPr>
         <p:spPr>
           <a:xfrm>
-            <a:off x="12877800" y="7543800"/>
-            <a:ext cx="3276600" cy="0"/>
-          </a:xfrm>
-          <a:prstGeom prst="line">
+            <a:off x="7772400" y="5143500"/>
+            <a:ext cx="1676400" cy="0"/>
+          </a:xfrm>
+          <a:prstGeom prst="straightConnector1">
             <a:avLst/>
           </a:prstGeom>
           <a:ln>
             <a:solidFill>
               <a:srgbClr val="FF0000"/>
             </a:solidFill>
+            <a:tailEnd type="triangle"/>
           </a:ln>
         </p:spPr>
         <p:style>
           <a:lnRef idx="1">
-            <a:schemeClr val="accent1"/>
+            <a:schemeClr val="accent2"/>
           </a:lnRef>
           <a:fillRef idx="0">
-            <a:schemeClr val="accent1"/>
+            <a:schemeClr val="accent2"/>
           </a:fillRef>
           <a:effectRef idx="0">
-            <a:schemeClr val="accent1"/>
-          </a:effectRef>
-          <a:fontRef idx="minor">
-            <a:schemeClr val="tx1"/>
-          </a:fontRef>
-        </p:style>
-      </p:cxnSp>
-      <p:cxnSp>
-        <p:nvCxnSpPr>
-          <p:cNvPr id="1032" name="직선 화살표 연결선 1031"/>
-          <p:cNvCxnSpPr/>
-          <p:nvPr/>
-        </p:nvCxnSpPr>
-        <p:spPr>
-          <a:xfrm rot="10800000">
-            <a:off x="6553200" y="4876800"/>
-            <a:ext cx="6324600" cy="2514600"/>
-          </a:xfrm>
-          <a:prstGeom prst="straightConnector1">
-            <a:avLst/>
-          </a:prstGeom>
-          <a:ln>
-            <a:solidFill>
-              <a:srgbClr val="FF0000"/>
-            </a:solidFill>
-            <a:tailEnd type="arrow"/>
-          </a:ln>
-        </p:spPr>
-        <p:style>
-          <a:lnRef idx="1">
-            <a:schemeClr val="accent1"/>
-          </a:lnRef>
-          <a:fillRef idx="0">
-            <a:schemeClr val="accent1"/>
-          </a:fillRef>
-          <a:effectRef idx="0">
-            <a:schemeClr val="accent1"/>
+            <a:schemeClr val="accent2"/>
           </a:effectRef>
           <a:fontRef idx="minor">
             <a:schemeClr val="tx1"/>
@@ -12815,128 +11687,13 @@
       </p:grpSpPr>
       <p:sp>
         <p:nvSpPr>
-          <p:cNvPr id="15" name="Object 15"/>
-          <p:cNvSpPr txBox="1"/>
-          <p:nvPr/>
-        </p:nvSpPr>
-        <p:spPr>
-          <a:xfrm>
-            <a:off x="472895" y="547491"/>
-            <a:ext cx="742705" cy="1222769"/>
-          </a:xfrm>
-          <a:prstGeom prst="rect">
-            <a:avLst/>
-          </a:prstGeom>
-          <a:noFill/>
-        </p:spPr>
-        <p:txBody>
-          <a:bodyPr wrap="square"/>
-          <a:lstStyle/>
-          <a:p>
-            <a:pPr algn="ctr">
-              <a:defRPr lang="ko-KR" altLang="en-US"/>
-            </a:pPr>
-            <a:r>
-              <a:rPr lang="en-US" sz="5300">
-                <a:solidFill>
-                  <a:srgbClr val="595959"/>
-                </a:solidFill>
-                <a:latin typeface="카페24 당당해"/>
-                <a:cs typeface="카페24 당당해"/>
-              </a:rPr>
-              <a:t>+</a:t>
-            </a:r>
-            <a:endParaRPr lang="en-US"/>
-          </a:p>
-        </p:txBody>
-      </p:sp>
-      <p:grpSp>
-        <p:nvGrpSpPr>
-          <p:cNvPr id="1005" name="그룹 1005"/>
-          <p:cNvGrpSpPr/>
-          <p:nvPr/>
-        </p:nvGrpSpPr>
-        <p:grpSpPr>
-          <a:xfrm>
-            <a:off x="-488380" y="6567674"/>
-            <a:ext cx="2813796" cy="124275"/>
-            <a:chOff x="-488380" y="6567674"/>
-            <a:chExt cx="2813796" cy="124275"/>
-          </a:xfrm>
-        </p:grpSpPr>
-        <p:pic>
-          <p:nvPicPr>
-            <p:cNvPr id="17" name="Object 16"/>
-            <p:cNvPicPr>
-              <a:picLocks noChangeAspect="1"/>
-            </p:cNvPicPr>
-            <p:nvPr/>
-          </p:nvPicPr>
-          <p:blipFill rotWithShape="1">
-            <a:blip r:embed="rId2"/>
-            <a:stretch>
-              <a:fillRect/>
-            </a:stretch>
-          </p:blipFill>
-          <p:spPr>
-            <a:xfrm rot="5400000">
-              <a:off x="-488380" y="6567674"/>
-              <a:ext cx="2813796" cy="124275"/>
-            </a:xfrm>
-            <a:prstGeom prst="rect">
-              <a:avLst/>
-            </a:prstGeom>
-          </p:spPr>
-        </p:pic>
-      </p:grpSp>
-      <p:grpSp>
-        <p:nvGrpSpPr>
-          <p:cNvPr id="1006" name="그룹 1006"/>
-          <p:cNvGrpSpPr/>
-          <p:nvPr/>
-        </p:nvGrpSpPr>
-        <p:grpSpPr>
-          <a:xfrm>
-            <a:off x="-3588230" y="5035581"/>
-            <a:ext cx="10792838" cy="164571"/>
-            <a:chOff x="-3588230" y="5035581"/>
-            <a:chExt cx="10792838" cy="164571"/>
-          </a:xfrm>
-        </p:grpSpPr>
-        <p:pic>
-          <p:nvPicPr>
-            <p:cNvPr id="20" name="Object 19"/>
-            <p:cNvPicPr>
-              <a:picLocks noChangeAspect="1"/>
-            </p:cNvPicPr>
-            <p:nvPr/>
-          </p:nvPicPr>
-          <p:blipFill rotWithShape="1">
-            <a:blip r:embed="rId3"/>
-            <a:stretch>
-              <a:fillRect/>
-            </a:stretch>
-          </p:blipFill>
-          <p:spPr>
-            <a:xfrm rot="16200000">
-              <a:off x="-3588230" y="5035581"/>
-              <a:ext cx="10792838" cy="164571"/>
-            </a:xfrm>
-            <a:prstGeom prst="rect">
-              <a:avLst/>
-            </a:prstGeom>
-          </p:spPr>
-        </p:pic>
-      </p:grpSp>
-      <p:sp>
-        <p:nvSpPr>
           <p:cNvPr id="23" name="Object 23"/>
           <p:cNvSpPr txBox="1"/>
           <p:nvPr/>
         </p:nvSpPr>
         <p:spPr>
           <a:xfrm>
-            <a:off x="2057400" y="289677"/>
+            <a:off x="228600" y="219247"/>
             <a:ext cx="6553200" cy="624723"/>
           </a:xfrm>
           <a:prstGeom prst="rect">
@@ -12952,7 +11709,7 @@
               <a:defRPr lang="ko-KR" altLang="en-US"/>
             </a:pPr>
             <a:r>
-              <a:rPr lang="ko-KR" altLang="en-US" sz="3400">
+              <a:rPr lang="ko-KR" altLang="en-US" sz="3400" dirty="0">
                 <a:solidFill>
                   <a:srgbClr val="595959"/>
                 </a:solidFill>
@@ -12987,7 +11744,7 @@
             <p:nvPr/>
           </p:nvPicPr>
           <p:blipFill rotWithShape="1">
-            <a:blip r:embed="rId4"/>
+            <a:blip r:embed="rId2"/>
             <a:stretch>
               <a:fillRect/>
             </a:stretch>
@@ -13011,7 +11768,7 @@
         </p:nvSpPr>
         <p:spPr>
           <a:xfrm>
-            <a:off x="2458670" y="1005895"/>
+            <a:off x="505211" y="1036348"/>
             <a:ext cx="2570530" cy="365704"/>
           </a:xfrm>
           <a:prstGeom prst="rect">
@@ -13027,7 +11784,7 @@
               <a:defRPr lang="ko-KR" altLang="en-US"/>
             </a:pPr>
             <a:r>
-              <a:rPr lang="ko-KR" altLang="en-US">
+              <a:rPr lang="ko-KR" altLang="en-US" sz="2000" dirty="0">
                 <a:solidFill>
                   <a:srgbClr val="595959"/>
                 </a:solidFill>
@@ -13048,19 +11805,24 @@
           <p:nvPr/>
         </p:nvPicPr>
         <p:blipFill rotWithShape="1">
-          <a:blip r:embed="rId5"/>
+          <a:blip r:embed="rId3"/>
           <a:stretch>
             <a:fillRect/>
           </a:stretch>
         </p:blipFill>
         <p:spPr>
           <a:xfrm>
-            <a:off x="2057400" y="6858000"/>
+            <a:off x="9220200" y="7250771"/>
             <a:ext cx="9067800" cy="2209800"/>
           </a:xfrm>
           <a:prstGeom prst="rect">
             <a:avLst/>
           </a:prstGeom>
+          <a:ln w="28575">
+            <a:solidFill>
+              <a:schemeClr val="accent3"/>
+            </a:solidFill>
+          </a:ln>
         </p:spPr>
       </p:pic>
       <p:pic>
@@ -13072,15 +11834,15 @@
           <p:nvPr/>
         </p:nvPicPr>
         <p:blipFill rotWithShape="1">
-          <a:blip r:embed="rId6"/>
+          <a:blip r:embed="rId4"/>
           <a:stretch>
             <a:fillRect/>
           </a:stretch>
         </p:blipFill>
         <p:spPr>
           <a:xfrm>
-            <a:off x="4905375" y="2762249"/>
-            <a:ext cx="12849225" cy="4629150"/>
+            <a:off x="473835" y="3313902"/>
+            <a:ext cx="15456365" cy="5568416"/>
           </a:xfrm>
           <a:prstGeom prst="rect">
             <a:avLst/>
@@ -13096,92 +11858,67 @@
           <p:nvPr/>
         </p:nvPicPr>
         <p:blipFill rotWithShape="1">
-          <a:blip r:embed="rId7"/>
+          <a:blip r:embed="rId5"/>
           <a:stretch>
             <a:fillRect/>
           </a:stretch>
         </p:blipFill>
         <p:spPr>
           <a:xfrm>
-            <a:off x="8763000" y="76200"/>
-            <a:ext cx="8763000" cy="3429000"/>
-          </a:xfrm>
-          <a:prstGeom prst="rect">
-            <a:avLst/>
-          </a:prstGeom>
-        </p:spPr>
-      </p:pic>
-      <p:cxnSp>
-        <p:nvCxnSpPr>
-          <p:cNvPr id="1032" name="직선 연결선 1031"/>
-          <p:cNvCxnSpPr/>
-          <p:nvPr/>
-        </p:nvCxnSpPr>
-        <p:spPr>
-          <a:xfrm>
-            <a:off x="7696200" y="3810000"/>
-            <a:ext cx="1447800" cy="0"/>
-          </a:xfrm>
-          <a:prstGeom prst="line">
-            <a:avLst/>
-          </a:prstGeom>
-          <a:ln>
+            <a:off x="7241620" y="268569"/>
+            <a:ext cx="11006039" cy="4306711"/>
+          </a:xfrm>
+          <a:prstGeom prst="rect">
+            <a:avLst/>
+          </a:prstGeom>
+          <a:ln w="28575">
             <a:solidFill>
-              <a:srgbClr val="FF0000"/>
+              <a:schemeClr val="accent1"/>
             </a:solidFill>
           </a:ln>
         </p:spPr>
-        <p:style>
-          <a:lnRef idx="1">
-            <a:schemeClr val="accent1"/>
-          </a:lnRef>
-          <a:fillRef idx="0">
-            <a:schemeClr val="accent1"/>
-          </a:fillRef>
-          <a:effectRef idx="0">
-            <a:schemeClr val="accent1"/>
-          </a:effectRef>
-          <a:fontRef idx="minor">
-            <a:schemeClr val="tx1"/>
-          </a:fontRef>
-        </p:style>
-      </p:cxnSp>
-      <p:cxnSp>
-        <p:nvCxnSpPr>
-          <p:cNvPr id="1033" name="직선 화살표 연결선 1032"/>
-          <p:cNvCxnSpPr/>
-          <p:nvPr/>
-        </p:nvCxnSpPr>
-        <p:spPr>
-          <a:xfrm rot="5400000" flipH="1" flipV="1">
-            <a:off x="8001000" y="2590800"/>
-            <a:ext cx="1066800" cy="762000"/>
-          </a:xfrm>
-          <a:prstGeom prst="straightConnector1">
-            <a:avLst/>
-          </a:prstGeom>
-          <a:ln>
+      </p:pic>
+      <p:sp>
+        <p:nvSpPr>
+          <p:cNvPr id="16" name="TextBox 15">
+            <a:extLst>
+              <a:ext uri="{FF2B5EF4-FFF2-40B4-BE49-F238E27FC236}">
+                <a16:creationId xmlns:a16="http://schemas.microsoft.com/office/drawing/2014/main" id="{2A04B6C9-4CD6-4565-9C16-2421C814D801}"/>
+              </a:ext>
+            </a:extLst>
+          </p:cNvPr>
+          <p:cNvSpPr txBox="1"/>
+          <p:nvPr/>
+        </p:nvSpPr>
+        <p:spPr>
+          <a:xfrm>
+            <a:off x="16965706" y="238301"/>
+            <a:ext cx="1295400" cy="400110"/>
+          </a:xfrm>
+          <a:prstGeom prst="rect">
+            <a:avLst/>
+          </a:prstGeom>
+          <a:noFill/>
+          <a:ln w="28575">
             <a:solidFill>
-              <a:srgbClr val="FF0000"/>
+              <a:schemeClr val="accent1"/>
             </a:solidFill>
-            <a:tailEnd type="arrow"/>
           </a:ln>
         </p:spPr>
-        <p:style>
-          <a:lnRef idx="1">
-            <a:schemeClr val="accent1"/>
-          </a:lnRef>
-          <a:fillRef idx="0">
-            <a:schemeClr val="accent1"/>
-          </a:fillRef>
-          <a:effectRef idx="0">
-            <a:schemeClr val="accent1"/>
-          </a:effectRef>
-          <a:fontRef idx="minor">
-            <a:schemeClr val="tx1"/>
-          </a:fontRef>
-        </p:style>
-      </p:cxnSp>
+        <p:txBody>
+          <a:bodyPr wrap="square" rtlCol="0">
+            <a:spAutoFit/>
+          </a:bodyPr>
+          <a:lstStyle/>
+          <a:p>
+            <a:r>
+              <a:rPr lang="en-US" altLang="ko-KR" sz="2000" dirty="0" err="1"/>
+              <a:t>AdminDao</a:t>
+            </a:r>
+            <a:endParaRPr lang="ko-KR" altLang="en-US" sz="2000" dirty="0"/>
+          </a:p>
+        </p:txBody>
+      </p:sp>
     </p:spTree>
   </p:cSld>
   <p:clrMapOvr>
@@ -13225,128 +11962,13 @@
       </p:grpSpPr>
       <p:sp>
         <p:nvSpPr>
-          <p:cNvPr id="15" name="Object 15"/>
-          <p:cNvSpPr txBox="1"/>
-          <p:nvPr/>
-        </p:nvSpPr>
-        <p:spPr>
-          <a:xfrm>
-            <a:off x="472895" y="547491"/>
-            <a:ext cx="742705" cy="1222769"/>
-          </a:xfrm>
-          <a:prstGeom prst="rect">
-            <a:avLst/>
-          </a:prstGeom>
-          <a:noFill/>
-        </p:spPr>
-        <p:txBody>
-          <a:bodyPr wrap="square"/>
-          <a:lstStyle/>
-          <a:p>
-            <a:pPr algn="ctr">
-              <a:defRPr lang="ko-KR" altLang="en-US"/>
-            </a:pPr>
-            <a:r>
-              <a:rPr lang="en-US" sz="5300">
-                <a:solidFill>
-                  <a:srgbClr val="595959"/>
-                </a:solidFill>
-                <a:latin typeface="카페24 당당해"/>
-                <a:cs typeface="카페24 당당해"/>
-              </a:rPr>
-              <a:t>+</a:t>
-            </a:r>
-            <a:endParaRPr lang="en-US"/>
-          </a:p>
-        </p:txBody>
-      </p:sp>
-      <p:grpSp>
-        <p:nvGrpSpPr>
-          <p:cNvPr id="1005" name="그룹 1005"/>
-          <p:cNvGrpSpPr/>
-          <p:nvPr/>
-        </p:nvGrpSpPr>
-        <p:grpSpPr>
-          <a:xfrm>
-            <a:off x="-488380" y="6567674"/>
-            <a:ext cx="2813796" cy="124275"/>
-            <a:chOff x="-488380" y="6567674"/>
-            <a:chExt cx="2813796" cy="124275"/>
-          </a:xfrm>
-        </p:grpSpPr>
-        <p:pic>
-          <p:nvPicPr>
-            <p:cNvPr id="17" name="Object 16"/>
-            <p:cNvPicPr>
-              <a:picLocks noChangeAspect="1"/>
-            </p:cNvPicPr>
-            <p:nvPr/>
-          </p:nvPicPr>
-          <p:blipFill rotWithShape="1">
-            <a:blip r:embed="rId2"/>
-            <a:stretch>
-              <a:fillRect/>
-            </a:stretch>
-          </p:blipFill>
-          <p:spPr>
-            <a:xfrm rot="5400000">
-              <a:off x="-488380" y="6567674"/>
-              <a:ext cx="2813796" cy="124275"/>
-            </a:xfrm>
-            <a:prstGeom prst="rect">
-              <a:avLst/>
-            </a:prstGeom>
-          </p:spPr>
-        </p:pic>
-      </p:grpSp>
-      <p:grpSp>
-        <p:nvGrpSpPr>
-          <p:cNvPr id="1006" name="그룹 1006"/>
-          <p:cNvGrpSpPr/>
-          <p:nvPr/>
-        </p:nvGrpSpPr>
-        <p:grpSpPr>
-          <a:xfrm>
-            <a:off x="-3588230" y="5035581"/>
-            <a:ext cx="10792838" cy="164571"/>
-            <a:chOff x="-3588230" y="5035581"/>
-            <a:chExt cx="10792838" cy="164571"/>
-          </a:xfrm>
-        </p:grpSpPr>
-        <p:pic>
-          <p:nvPicPr>
-            <p:cNvPr id="20" name="Object 19"/>
-            <p:cNvPicPr>
-              <a:picLocks noChangeAspect="1"/>
-            </p:cNvPicPr>
-            <p:nvPr/>
-          </p:nvPicPr>
-          <p:blipFill rotWithShape="1">
-            <a:blip r:embed="rId3"/>
-            <a:stretch>
-              <a:fillRect/>
-            </a:stretch>
-          </p:blipFill>
-          <p:spPr>
-            <a:xfrm rot="16200000">
-              <a:off x="-3588230" y="5035581"/>
-              <a:ext cx="10792838" cy="164571"/>
-            </a:xfrm>
-            <a:prstGeom prst="rect">
-              <a:avLst/>
-            </a:prstGeom>
-          </p:spPr>
-        </p:pic>
-      </p:grpSp>
-      <p:sp>
-        <p:nvSpPr>
           <p:cNvPr id="23" name="Object 23"/>
           <p:cNvSpPr txBox="1"/>
           <p:nvPr/>
         </p:nvSpPr>
         <p:spPr>
           <a:xfrm>
-            <a:off x="2057400" y="289677"/>
+            <a:off x="304800" y="252584"/>
             <a:ext cx="6553200" cy="624723"/>
           </a:xfrm>
           <a:prstGeom prst="rect">
@@ -13362,7 +11984,7 @@
               <a:defRPr lang="ko-KR" altLang="en-US"/>
             </a:pPr>
             <a:r>
-              <a:rPr lang="ko-KR" altLang="en-US" sz="3400">
+              <a:rPr lang="ko-KR" altLang="en-US" sz="3400" dirty="0">
                 <a:solidFill>
                   <a:srgbClr val="595959"/>
                 </a:solidFill>
@@ -13397,7 +12019,7 @@
             <p:nvPr/>
           </p:nvPicPr>
           <p:blipFill rotWithShape="1">
-            <a:blip r:embed="rId4"/>
+            <a:blip r:embed="rId2"/>
             <a:stretch>
               <a:fillRect/>
             </a:stretch>
@@ -13421,7 +12043,7 @@
         </p:nvSpPr>
         <p:spPr>
           <a:xfrm>
-            <a:off x="2458670" y="1005895"/>
+            <a:off x="505211" y="979701"/>
             <a:ext cx="2570530" cy="365704"/>
           </a:xfrm>
           <a:prstGeom prst="rect">
@@ -13437,7 +12059,7 @@
               <a:defRPr lang="ko-KR" altLang="en-US"/>
             </a:pPr>
             <a:r>
-              <a:rPr lang="ko-KR" altLang="en-US">
+              <a:rPr lang="ko-KR" altLang="en-US" sz="2000">
                 <a:solidFill>
                   <a:srgbClr val="595959"/>
                 </a:solidFill>
@@ -13458,19 +12080,24 @@
           <p:nvPr/>
         </p:nvPicPr>
         <p:blipFill rotWithShape="1">
-          <a:blip r:embed="rId5"/>
+          <a:blip r:embed="rId3"/>
           <a:stretch>
             <a:fillRect/>
           </a:stretch>
         </p:blipFill>
         <p:spPr>
           <a:xfrm>
-            <a:off x="1904999" y="6705600"/>
+            <a:off x="1409700" y="6669434"/>
             <a:ext cx="10896600" cy="2667000"/>
           </a:xfrm>
           <a:prstGeom prst="rect">
             <a:avLst/>
           </a:prstGeom>
+          <a:ln w="28575">
+            <a:solidFill>
+              <a:schemeClr val="accent3"/>
+            </a:solidFill>
+          </a:ln>
         </p:spPr>
       </p:pic>
       <p:pic>
@@ -13482,39 +12109,116 @@
           <p:nvPr/>
         </p:nvPicPr>
         <p:blipFill rotWithShape="1">
-          <a:blip r:embed="rId6"/>
+          <a:blip r:embed="rId4"/>
           <a:stretch>
             <a:fillRect/>
           </a:stretch>
         </p:blipFill>
         <p:spPr>
           <a:xfrm>
-            <a:off x="11849808" y="3429000"/>
-            <a:ext cx="6285792" cy="3019425"/>
+            <a:off x="744820" y="1969344"/>
+            <a:ext cx="8856380" cy="4254225"/>
           </a:xfrm>
           <a:prstGeom prst="rect">
             <a:avLst/>
           </a:prstGeom>
         </p:spPr>
       </p:pic>
+      <p:pic>
+        <p:nvPicPr>
+          <p:cNvPr id="1039" name="그림 1038"/>
+          <p:cNvPicPr>
+            <a:picLocks noChangeAspect="1"/>
+          </p:cNvPicPr>
+          <p:nvPr/>
+        </p:nvPicPr>
+        <p:blipFill rotWithShape="1">
+          <a:blip r:embed="rId5"/>
+          <a:stretch>
+            <a:fillRect/>
+          </a:stretch>
+        </p:blipFill>
+        <p:spPr>
+          <a:xfrm>
+            <a:off x="10001196" y="342900"/>
+            <a:ext cx="7970044" cy="6110367"/>
+          </a:xfrm>
+          <a:prstGeom prst="rect">
+            <a:avLst/>
+          </a:prstGeom>
+          <a:ln w="28575">
+            <a:solidFill>
+              <a:schemeClr val="accent1"/>
+            </a:solidFill>
+          </a:ln>
+        </p:spPr>
+      </p:pic>
+      <p:sp>
+        <p:nvSpPr>
+          <p:cNvPr id="16" name="TextBox 15">
+            <a:extLst>
+              <a:ext uri="{FF2B5EF4-FFF2-40B4-BE49-F238E27FC236}">
+                <a16:creationId xmlns:a16="http://schemas.microsoft.com/office/drawing/2014/main" id="{4C31BB71-3D9E-40B6-A9C2-4D23E218C553}"/>
+              </a:ext>
+            </a:extLst>
+          </p:cNvPr>
+          <p:cNvSpPr txBox="1"/>
+          <p:nvPr/>
+        </p:nvSpPr>
+        <p:spPr>
+          <a:xfrm>
+            <a:off x="16665388" y="364890"/>
+            <a:ext cx="1295400" cy="400110"/>
+          </a:xfrm>
+          <a:prstGeom prst="rect">
+            <a:avLst/>
+          </a:prstGeom>
+          <a:noFill/>
+          <a:ln w="28575">
+            <a:solidFill>
+              <a:schemeClr val="accent1"/>
+            </a:solidFill>
+          </a:ln>
+        </p:spPr>
+        <p:txBody>
+          <a:bodyPr wrap="square" rtlCol="0">
+            <a:spAutoFit/>
+          </a:bodyPr>
+          <a:lstStyle/>
+          <a:p>
+            <a:r>
+              <a:rPr lang="en-US" altLang="ko-KR" sz="2000" dirty="0" err="1"/>
+              <a:t>AdminDao</a:t>
+            </a:r>
+            <a:endParaRPr lang="ko-KR" altLang="en-US" sz="2000" dirty="0"/>
+          </a:p>
+        </p:txBody>
+      </p:sp>
       <p:cxnSp>
         <p:nvCxnSpPr>
-          <p:cNvPr id="1037" name="직선 연결선 1036"/>
+          <p:cNvPr id="5" name="직선 화살표 연결선 4">
+            <a:extLst>
+              <a:ext uri="{FF2B5EF4-FFF2-40B4-BE49-F238E27FC236}">
+                <a16:creationId xmlns:a16="http://schemas.microsoft.com/office/drawing/2014/main" id="{D3B0D570-24F2-411A-B0F8-1BF835ABC4BB}"/>
+              </a:ext>
+            </a:extLst>
+          </p:cNvPr>
           <p:cNvCxnSpPr/>
           <p:nvPr/>
         </p:nvCxnSpPr>
         <p:spPr>
           <a:xfrm>
-            <a:off x="14401800" y="4876800"/>
-            <a:ext cx="1371600" cy="0"/>
-          </a:xfrm>
-          <a:prstGeom prst="line">
-            <a:avLst/>
-          </a:prstGeom>
-          <a:ln>
+            <a:off x="6553200" y="3771900"/>
+            <a:ext cx="3048000" cy="0"/>
+          </a:xfrm>
+          <a:prstGeom prst="straightConnector1">
+            <a:avLst/>
+          </a:prstGeom>
+          <a:ln w="28575">
             <a:solidFill>
               <a:srgbClr val="FF0000"/>
             </a:solidFill>
+            <a:tailEnd type="triangle"/>
           </a:ln>
         </p:spPr>
         <p:style>
@@ -13532,66 +12236,6 @@
           </a:fontRef>
         </p:style>
       </p:cxnSp>
-      <p:cxnSp>
-        <p:nvCxnSpPr>
-          <p:cNvPr id="1038" name="직선 화살표 연결선 1037"/>
-          <p:cNvCxnSpPr/>
-          <p:nvPr/>
-        </p:nvCxnSpPr>
-        <p:spPr>
-          <a:xfrm rot="10800000">
-            <a:off x="8686800" y="4038598"/>
-            <a:ext cx="5638800" cy="609601"/>
-          </a:xfrm>
-          <a:prstGeom prst="straightConnector1">
-            <a:avLst/>
-          </a:prstGeom>
-          <a:ln>
-            <a:solidFill>
-              <a:srgbClr val="FF0000"/>
-            </a:solidFill>
-            <a:tailEnd type="arrow"/>
-          </a:ln>
-        </p:spPr>
-        <p:style>
-          <a:lnRef idx="1">
-            <a:schemeClr val="accent1"/>
-          </a:lnRef>
-          <a:fillRef idx="0">
-            <a:schemeClr val="accent1"/>
-          </a:fillRef>
-          <a:effectRef idx="0">
-            <a:schemeClr val="accent1"/>
-          </a:effectRef>
-          <a:fontRef idx="minor">
-            <a:schemeClr val="tx1"/>
-          </a:fontRef>
-        </p:style>
-      </p:cxnSp>
-      <p:pic>
-        <p:nvPicPr>
-          <p:cNvPr id="1039" name="그림 1038"/>
-          <p:cNvPicPr>
-            <a:picLocks noChangeAspect="1"/>
-          </p:cNvPicPr>
-          <p:nvPr/>
-        </p:nvPicPr>
-        <p:blipFill rotWithShape="1">
-          <a:blip r:embed="rId7"/>
-          <a:stretch>
-            <a:fillRect/>
-          </a:stretch>
-        </p:blipFill>
-        <p:spPr>
-          <a:xfrm>
-            <a:off x="3810000" y="1447800"/>
-            <a:ext cx="6858000" cy="5257800"/>
-          </a:xfrm>
-          <a:prstGeom prst="rect">
-            <a:avLst/>
-          </a:prstGeom>
-        </p:spPr>
-      </p:pic>
     </p:spTree>
   </p:cSld>
   <p:clrMapOvr>
@@ -13903,128 +12547,13 @@
       </p:grpSpPr>
       <p:sp>
         <p:nvSpPr>
-          <p:cNvPr id="15" name="Object 15"/>
-          <p:cNvSpPr txBox="1"/>
-          <p:nvPr/>
-        </p:nvSpPr>
-        <p:spPr>
-          <a:xfrm>
-            <a:off x="472895" y="547491"/>
-            <a:ext cx="742705" cy="1222769"/>
-          </a:xfrm>
-          <a:prstGeom prst="rect">
-            <a:avLst/>
-          </a:prstGeom>
-          <a:noFill/>
-        </p:spPr>
-        <p:txBody>
-          <a:bodyPr wrap="square"/>
-          <a:lstStyle/>
-          <a:p>
-            <a:pPr algn="ctr">
-              <a:defRPr lang="ko-KR" altLang="en-US"/>
-            </a:pPr>
-            <a:r>
-              <a:rPr lang="en-US" sz="5300">
-                <a:solidFill>
-                  <a:srgbClr val="595959"/>
-                </a:solidFill>
-                <a:latin typeface="카페24 당당해"/>
-                <a:cs typeface="카페24 당당해"/>
-              </a:rPr>
-              <a:t>+</a:t>
-            </a:r>
-            <a:endParaRPr lang="en-US"/>
-          </a:p>
-        </p:txBody>
-      </p:sp>
-      <p:grpSp>
-        <p:nvGrpSpPr>
-          <p:cNvPr id="1005" name="그룹 1005"/>
-          <p:cNvGrpSpPr/>
-          <p:nvPr/>
-        </p:nvGrpSpPr>
-        <p:grpSpPr>
-          <a:xfrm>
-            <a:off x="-488380" y="6567674"/>
-            <a:ext cx="2813796" cy="124275"/>
-            <a:chOff x="-488380" y="6567674"/>
-            <a:chExt cx="2813796" cy="124275"/>
-          </a:xfrm>
-        </p:grpSpPr>
-        <p:pic>
-          <p:nvPicPr>
-            <p:cNvPr id="17" name="Object 16"/>
-            <p:cNvPicPr>
-              <a:picLocks noChangeAspect="1"/>
-            </p:cNvPicPr>
-            <p:nvPr/>
-          </p:nvPicPr>
-          <p:blipFill rotWithShape="1">
-            <a:blip r:embed="rId2"/>
-            <a:stretch>
-              <a:fillRect/>
-            </a:stretch>
-          </p:blipFill>
-          <p:spPr>
-            <a:xfrm rot="5400000">
-              <a:off x="-488380" y="6567674"/>
-              <a:ext cx="2813796" cy="124275"/>
-            </a:xfrm>
-            <a:prstGeom prst="rect">
-              <a:avLst/>
-            </a:prstGeom>
-          </p:spPr>
-        </p:pic>
-      </p:grpSp>
-      <p:grpSp>
-        <p:nvGrpSpPr>
-          <p:cNvPr id="1006" name="그룹 1006"/>
-          <p:cNvGrpSpPr/>
-          <p:nvPr/>
-        </p:nvGrpSpPr>
-        <p:grpSpPr>
-          <a:xfrm>
-            <a:off x="-3588230" y="5035581"/>
-            <a:ext cx="10792838" cy="164571"/>
-            <a:chOff x="-3588230" y="5035581"/>
-            <a:chExt cx="10792838" cy="164571"/>
-          </a:xfrm>
-        </p:grpSpPr>
-        <p:pic>
-          <p:nvPicPr>
-            <p:cNvPr id="20" name="Object 19"/>
-            <p:cNvPicPr>
-              <a:picLocks noChangeAspect="1"/>
-            </p:cNvPicPr>
-            <p:nvPr/>
-          </p:nvPicPr>
-          <p:blipFill rotWithShape="1">
-            <a:blip r:embed="rId3"/>
-            <a:stretch>
-              <a:fillRect/>
-            </a:stretch>
-          </p:blipFill>
-          <p:spPr>
-            <a:xfrm rot="16200000">
-              <a:off x="-3588230" y="5035581"/>
-              <a:ext cx="10792838" cy="164571"/>
-            </a:xfrm>
-            <a:prstGeom prst="rect">
-              <a:avLst/>
-            </a:prstGeom>
-          </p:spPr>
-        </p:pic>
-      </p:grpSp>
-      <p:sp>
-        <p:nvSpPr>
           <p:cNvPr id="23" name="Object 23"/>
           <p:cNvSpPr txBox="1"/>
           <p:nvPr/>
         </p:nvSpPr>
         <p:spPr>
           <a:xfrm>
-            <a:off x="2057400" y="289677"/>
+            <a:off x="467335" y="184786"/>
             <a:ext cx="6553200" cy="624723"/>
           </a:xfrm>
           <a:prstGeom prst="rect">
@@ -14075,7 +12604,7 @@
             <p:nvPr/>
           </p:nvPicPr>
           <p:blipFill rotWithShape="1">
-            <a:blip r:embed="rId4"/>
+            <a:blip r:embed="rId2"/>
             <a:stretch>
               <a:fillRect/>
             </a:stretch>
@@ -14099,7 +12628,7 @@
         </p:nvSpPr>
         <p:spPr>
           <a:xfrm>
-            <a:off x="2458670" y="1005895"/>
+            <a:off x="753085" y="897480"/>
             <a:ext cx="2570530" cy="365704"/>
           </a:xfrm>
           <a:prstGeom prst="rect">
@@ -14115,7 +12644,7 @@
               <a:defRPr lang="ko-KR" altLang="en-US"/>
             </a:pPr>
             <a:r>
-              <a:rPr lang="ko-KR" altLang="en-US">
+              <a:rPr lang="ko-KR" altLang="en-US" sz="2000" dirty="0">
                 <a:solidFill>
                   <a:srgbClr val="595959"/>
                 </a:solidFill>
@@ -14136,19 +12665,24 @@
           <p:nvPr/>
         </p:nvPicPr>
         <p:blipFill rotWithShape="1">
-          <a:blip r:embed="rId5"/>
+          <a:blip r:embed="rId3"/>
           <a:stretch>
             <a:fillRect/>
           </a:stretch>
         </p:blipFill>
         <p:spPr>
           <a:xfrm>
-            <a:off x="2038350" y="6858000"/>
+            <a:off x="7158487" y="7142491"/>
             <a:ext cx="6496050" cy="2209800"/>
           </a:xfrm>
           <a:prstGeom prst="rect">
             <a:avLst/>
           </a:prstGeom>
+          <a:ln w="28575">
+            <a:solidFill>
+              <a:schemeClr val="accent3"/>
+            </a:solidFill>
+          </a:ln>
         </p:spPr>
       </p:pic>
       <p:pic>
@@ -14160,92 +12694,21 @@
           <p:nvPr/>
         </p:nvPicPr>
         <p:blipFill rotWithShape="1">
-          <a:blip r:embed="rId6"/>
+          <a:blip r:embed="rId4"/>
           <a:stretch>
             <a:fillRect/>
           </a:stretch>
         </p:blipFill>
         <p:spPr>
           <a:xfrm>
-            <a:off x="10972801" y="3276600"/>
-            <a:ext cx="7239000" cy="6096000"/>
+            <a:off x="433323" y="1772132"/>
+            <a:ext cx="7448167" cy="6272141"/>
           </a:xfrm>
           <a:prstGeom prst="rect">
             <a:avLst/>
           </a:prstGeom>
         </p:spPr>
       </p:pic>
-      <p:cxnSp>
-        <p:nvCxnSpPr>
-          <p:cNvPr id="1042" name="직선 연결선 1041"/>
-          <p:cNvCxnSpPr/>
-          <p:nvPr/>
-        </p:nvCxnSpPr>
-        <p:spPr>
-          <a:xfrm>
-            <a:off x="13487400" y="6324600"/>
-            <a:ext cx="2286000" cy="0"/>
-          </a:xfrm>
-          <a:prstGeom prst="line">
-            <a:avLst/>
-          </a:prstGeom>
-          <a:ln>
-            <a:solidFill>
-              <a:srgbClr val="FF0000"/>
-            </a:solidFill>
-          </a:ln>
-        </p:spPr>
-        <p:style>
-          <a:lnRef idx="1">
-            <a:schemeClr val="accent1"/>
-          </a:lnRef>
-          <a:fillRef idx="0">
-            <a:schemeClr val="accent1"/>
-          </a:fillRef>
-          <a:effectRef idx="0">
-            <a:schemeClr val="accent1"/>
-          </a:effectRef>
-          <a:fontRef idx="minor">
-            <a:schemeClr val="tx1"/>
-          </a:fontRef>
-        </p:style>
-      </p:cxnSp>
-      <p:cxnSp>
-        <p:nvCxnSpPr>
-          <p:cNvPr id="1043" name="직선 화살표 연결선 1042"/>
-          <p:cNvCxnSpPr/>
-          <p:nvPr/>
-        </p:nvCxnSpPr>
-        <p:spPr>
-          <a:xfrm rot="10800000">
-            <a:off x="7239000" y="4343399"/>
-            <a:ext cx="4953000" cy="1905000"/>
-          </a:xfrm>
-          <a:prstGeom prst="straightConnector1">
-            <a:avLst/>
-          </a:prstGeom>
-          <a:ln>
-            <a:solidFill>
-              <a:srgbClr val="FF0000"/>
-            </a:solidFill>
-            <a:tailEnd type="arrow"/>
-          </a:ln>
-        </p:spPr>
-        <p:style>
-          <a:lnRef idx="1">
-            <a:schemeClr val="accent1"/>
-          </a:lnRef>
-          <a:fillRef idx="0">
-            <a:schemeClr val="accent1"/>
-          </a:fillRef>
-          <a:effectRef idx="0">
-            <a:schemeClr val="accent1"/>
-          </a:effectRef>
-          <a:fontRef idx="minor">
-            <a:schemeClr val="tx1"/>
-          </a:fontRef>
-        </p:style>
-      </p:cxnSp>
       <p:pic>
         <p:nvPicPr>
           <p:cNvPr id="1044" name="그림 1043"/>
@@ -14255,21 +12718,67 @@
           <p:nvPr/>
         </p:nvPicPr>
         <p:blipFill rotWithShape="1">
-          <a:blip r:embed="rId7"/>
+          <a:blip r:embed="rId5"/>
           <a:stretch>
             <a:fillRect/>
           </a:stretch>
         </p:blipFill>
         <p:spPr>
           <a:xfrm>
-            <a:off x="1976437" y="1762125"/>
-            <a:ext cx="8843963" cy="5095875"/>
-          </a:xfrm>
-          <a:prstGeom prst="rect">
-            <a:avLst/>
-          </a:prstGeom>
+            <a:off x="7772400" y="926414"/>
+            <a:ext cx="10283495" cy="5925331"/>
+          </a:xfrm>
+          <a:prstGeom prst="rect">
+            <a:avLst/>
+          </a:prstGeom>
+          <a:ln w="28575">
+            <a:solidFill>
+              <a:schemeClr val="accent1"/>
+            </a:solidFill>
+          </a:ln>
         </p:spPr>
       </p:pic>
+      <p:sp>
+        <p:nvSpPr>
+          <p:cNvPr id="16" name="TextBox 15">
+            <a:extLst>
+              <a:ext uri="{FF2B5EF4-FFF2-40B4-BE49-F238E27FC236}">
+                <a16:creationId xmlns:a16="http://schemas.microsoft.com/office/drawing/2014/main" id="{DE01C208-8D85-47CA-8378-40B06EDAE64C}"/>
+              </a:ext>
+            </a:extLst>
+          </p:cNvPr>
+          <p:cNvSpPr txBox="1"/>
+          <p:nvPr/>
+        </p:nvSpPr>
+        <p:spPr>
+          <a:xfrm>
+            <a:off x="16760495" y="497370"/>
+            <a:ext cx="1295400" cy="400110"/>
+          </a:xfrm>
+          <a:prstGeom prst="rect">
+            <a:avLst/>
+          </a:prstGeom>
+          <a:noFill/>
+          <a:ln w="28575">
+            <a:solidFill>
+              <a:schemeClr val="accent1"/>
+            </a:solidFill>
+          </a:ln>
+        </p:spPr>
+        <p:txBody>
+          <a:bodyPr wrap="square" rtlCol="0">
+            <a:spAutoFit/>
+          </a:bodyPr>
+          <a:lstStyle/>
+          <a:p>
+            <a:r>
+              <a:rPr lang="en-US" altLang="ko-KR" sz="2000" dirty="0" err="1"/>
+              <a:t>AdminDao</a:t>
+            </a:r>
+            <a:endParaRPr lang="ko-KR" altLang="en-US" sz="2000" dirty="0"/>
+          </a:p>
+        </p:txBody>
+      </p:sp>
     </p:spTree>
   </p:cSld>
   <p:clrMapOvr>
@@ -14313,128 +12822,13 @@
       </p:grpSpPr>
       <p:sp>
         <p:nvSpPr>
-          <p:cNvPr id="15" name="Object 15"/>
-          <p:cNvSpPr txBox="1"/>
-          <p:nvPr/>
-        </p:nvSpPr>
-        <p:spPr>
-          <a:xfrm>
-            <a:off x="472895" y="547491"/>
-            <a:ext cx="742705" cy="1222769"/>
-          </a:xfrm>
-          <a:prstGeom prst="rect">
-            <a:avLst/>
-          </a:prstGeom>
-          <a:noFill/>
-        </p:spPr>
-        <p:txBody>
-          <a:bodyPr wrap="square"/>
-          <a:lstStyle/>
-          <a:p>
-            <a:pPr algn="ctr">
-              <a:defRPr lang="ko-KR" altLang="en-US"/>
-            </a:pPr>
-            <a:r>
-              <a:rPr lang="en-US" sz="5300">
-                <a:solidFill>
-                  <a:srgbClr val="595959"/>
-                </a:solidFill>
-                <a:latin typeface="카페24 당당해"/>
-                <a:cs typeface="카페24 당당해"/>
-              </a:rPr>
-              <a:t>+</a:t>
-            </a:r>
-            <a:endParaRPr lang="en-US"/>
-          </a:p>
-        </p:txBody>
-      </p:sp>
-      <p:grpSp>
-        <p:nvGrpSpPr>
-          <p:cNvPr id="1005" name="그룹 1005"/>
-          <p:cNvGrpSpPr/>
-          <p:nvPr/>
-        </p:nvGrpSpPr>
-        <p:grpSpPr>
-          <a:xfrm>
-            <a:off x="-488380" y="6567674"/>
-            <a:ext cx="2813796" cy="124275"/>
-            <a:chOff x="-488380" y="6567674"/>
-            <a:chExt cx="2813796" cy="124275"/>
-          </a:xfrm>
-        </p:grpSpPr>
-        <p:pic>
-          <p:nvPicPr>
-            <p:cNvPr id="17" name="Object 16"/>
-            <p:cNvPicPr>
-              <a:picLocks noChangeAspect="1"/>
-            </p:cNvPicPr>
-            <p:nvPr/>
-          </p:nvPicPr>
-          <p:blipFill rotWithShape="1">
-            <a:blip r:embed="rId2"/>
-            <a:stretch>
-              <a:fillRect/>
-            </a:stretch>
-          </p:blipFill>
-          <p:spPr>
-            <a:xfrm rot="5400000">
-              <a:off x="-488380" y="6567674"/>
-              <a:ext cx="2813796" cy="124275"/>
-            </a:xfrm>
-            <a:prstGeom prst="rect">
-              <a:avLst/>
-            </a:prstGeom>
-          </p:spPr>
-        </p:pic>
-      </p:grpSp>
-      <p:grpSp>
-        <p:nvGrpSpPr>
-          <p:cNvPr id="1006" name="그룹 1006"/>
-          <p:cNvGrpSpPr/>
-          <p:nvPr/>
-        </p:nvGrpSpPr>
-        <p:grpSpPr>
-          <a:xfrm>
-            <a:off x="-3588230" y="5035581"/>
-            <a:ext cx="10792838" cy="164571"/>
-            <a:chOff x="-3588230" y="5035581"/>
-            <a:chExt cx="10792838" cy="164571"/>
-          </a:xfrm>
-        </p:grpSpPr>
-        <p:pic>
-          <p:nvPicPr>
-            <p:cNvPr id="20" name="Object 19"/>
-            <p:cNvPicPr>
-              <a:picLocks noChangeAspect="1"/>
-            </p:cNvPicPr>
-            <p:nvPr/>
-          </p:nvPicPr>
-          <p:blipFill rotWithShape="1">
-            <a:blip r:embed="rId3"/>
-            <a:stretch>
-              <a:fillRect/>
-            </a:stretch>
-          </p:blipFill>
-          <p:spPr>
-            <a:xfrm rot="16200000">
-              <a:off x="-3588230" y="5035581"/>
-              <a:ext cx="10792838" cy="164571"/>
-            </a:xfrm>
-            <a:prstGeom prst="rect">
-              <a:avLst/>
-            </a:prstGeom>
-          </p:spPr>
-        </p:pic>
-      </p:grpSp>
-      <p:sp>
-        <p:nvSpPr>
           <p:cNvPr id="23" name="Object 23"/>
           <p:cNvSpPr txBox="1"/>
           <p:nvPr/>
         </p:nvSpPr>
         <p:spPr>
           <a:xfrm>
-            <a:off x="2057400" y="289677"/>
+            <a:off x="467335" y="349495"/>
             <a:ext cx="6553200" cy="624723"/>
           </a:xfrm>
           <a:prstGeom prst="rect">
@@ -14462,45 +12856,6 @@
           </a:p>
         </p:txBody>
       </p:sp>
-      <p:grpSp>
-        <p:nvGrpSpPr>
-          <p:cNvPr id="1013" name="그룹 1013"/>
-          <p:cNvGrpSpPr/>
-          <p:nvPr/>
-        </p:nvGrpSpPr>
-        <p:grpSpPr>
-          <a:xfrm>
-            <a:off x="1790476" y="9460571"/>
-            <a:ext cx="17371428" cy="164571"/>
-            <a:chOff x="1790476" y="9460571"/>
-            <a:chExt cx="17371428" cy="164571"/>
-          </a:xfrm>
-        </p:grpSpPr>
-        <p:pic>
-          <p:nvPicPr>
-            <p:cNvPr id="51" name="Object 50"/>
-            <p:cNvPicPr>
-              <a:picLocks noChangeAspect="1"/>
-            </p:cNvPicPr>
-            <p:nvPr/>
-          </p:nvPicPr>
-          <p:blipFill rotWithShape="1">
-            <a:blip r:embed="rId4"/>
-            <a:stretch>
-              <a:fillRect/>
-            </a:stretch>
-          </p:blipFill>
-          <p:spPr>
-            <a:xfrm rot="10800000">
-              <a:off x="1790476" y="9460571"/>
-              <a:ext cx="17371428" cy="164571"/>
-            </a:xfrm>
-            <a:prstGeom prst="rect">
-              <a:avLst/>
-            </a:prstGeom>
-          </p:spPr>
-        </p:pic>
-      </p:grpSp>
       <p:sp>
         <p:nvSpPr>
           <p:cNvPr id="53" name="Object 53"/>
@@ -14509,7 +12864,7 @@
         </p:nvSpPr>
         <p:spPr>
           <a:xfrm>
-            <a:off x="2458670" y="1005895"/>
+            <a:off x="772135" y="990600"/>
             <a:ext cx="2570530" cy="365704"/>
           </a:xfrm>
           <a:prstGeom prst="rect">
@@ -14525,7 +12880,7 @@
               <a:defRPr lang="ko-KR" altLang="en-US"/>
             </a:pPr>
             <a:r>
-              <a:rPr lang="ko-KR" altLang="en-US">
+              <a:rPr lang="ko-KR" altLang="en-US" dirty="0">
                 <a:solidFill>
                   <a:srgbClr val="595959"/>
                 </a:solidFill>
@@ -14546,19 +12901,24 @@
           <p:nvPr/>
         </p:nvPicPr>
         <p:blipFill rotWithShape="1">
-          <a:blip r:embed="rId5"/>
+          <a:blip r:embed="rId2"/>
           <a:stretch>
             <a:fillRect/>
           </a:stretch>
         </p:blipFill>
         <p:spPr>
           <a:xfrm>
-            <a:off x="2057400" y="7037703"/>
+            <a:off x="6781800" y="7949135"/>
             <a:ext cx="5791200" cy="2258697"/>
           </a:xfrm>
           <a:prstGeom prst="rect">
             <a:avLst/>
           </a:prstGeom>
+          <a:ln w="28575">
+            <a:solidFill>
+              <a:schemeClr val="accent3"/>
+            </a:solidFill>
+          </a:ln>
         </p:spPr>
       </p:pic>
       <p:pic>
@@ -14570,39 +12930,116 @@
           <p:nvPr/>
         </p:nvPicPr>
         <p:blipFill rotWithShape="1">
-          <a:blip r:embed="rId6"/>
+          <a:blip r:embed="rId3"/>
           <a:stretch>
             <a:fillRect/>
           </a:stretch>
         </p:blipFill>
         <p:spPr>
           <a:xfrm>
-            <a:off x="10972800" y="3657600"/>
-            <a:ext cx="6934201" cy="5715000"/>
+            <a:off x="259847" y="1861653"/>
+            <a:ext cx="8143265" cy="6711482"/>
           </a:xfrm>
           <a:prstGeom prst="rect">
             <a:avLst/>
           </a:prstGeom>
         </p:spPr>
       </p:pic>
+      <p:pic>
+        <p:nvPicPr>
+          <p:cNvPr id="1049" name="그림 1048"/>
+          <p:cNvPicPr>
+            <a:picLocks noChangeAspect="1"/>
+          </p:cNvPicPr>
+          <p:nvPr/>
+        </p:nvPicPr>
+        <p:blipFill rotWithShape="1">
+          <a:blip r:embed="rId4"/>
+          <a:stretch>
+            <a:fillRect/>
+          </a:stretch>
+        </p:blipFill>
+        <p:spPr>
+          <a:xfrm>
+            <a:off x="8245645" y="974217"/>
+            <a:ext cx="10063012" cy="6711482"/>
+          </a:xfrm>
+          <a:prstGeom prst="rect">
+            <a:avLst/>
+          </a:prstGeom>
+          <a:ln w="28575">
+            <a:solidFill>
+              <a:schemeClr val="accent1"/>
+            </a:solidFill>
+          </a:ln>
+        </p:spPr>
+      </p:pic>
+      <p:sp>
+        <p:nvSpPr>
+          <p:cNvPr id="16" name="TextBox 15">
+            <a:extLst>
+              <a:ext uri="{FF2B5EF4-FFF2-40B4-BE49-F238E27FC236}">
+                <a16:creationId xmlns:a16="http://schemas.microsoft.com/office/drawing/2014/main" id="{03B56E0A-0522-4ECA-AD97-D9D7ECE174E6}"/>
+              </a:ext>
+            </a:extLst>
+          </p:cNvPr>
+          <p:cNvSpPr txBox="1"/>
+          <p:nvPr/>
+        </p:nvSpPr>
+        <p:spPr>
+          <a:xfrm>
+            <a:off x="17013257" y="974217"/>
+            <a:ext cx="1295400" cy="400110"/>
+          </a:xfrm>
+          <a:prstGeom prst="rect">
+            <a:avLst/>
+          </a:prstGeom>
+          <a:noFill/>
+          <a:ln w="28575">
+            <a:solidFill>
+              <a:schemeClr val="accent1"/>
+            </a:solidFill>
+          </a:ln>
+        </p:spPr>
+        <p:txBody>
+          <a:bodyPr wrap="square" rtlCol="0">
+            <a:spAutoFit/>
+          </a:bodyPr>
+          <a:lstStyle/>
+          <a:p>
+            <a:r>
+              <a:rPr lang="en-US" altLang="ko-KR" sz="2000" dirty="0" err="1"/>
+              <a:t>AdminDao</a:t>
+            </a:r>
+            <a:endParaRPr lang="ko-KR" altLang="en-US" sz="2000" dirty="0"/>
+          </a:p>
+        </p:txBody>
+      </p:sp>
       <p:cxnSp>
         <p:nvCxnSpPr>
-          <p:cNvPr id="1047" name="직선 연결선 1046"/>
+          <p:cNvPr id="3" name="직선 화살표 연결선 2">
+            <a:extLst>
+              <a:ext uri="{FF2B5EF4-FFF2-40B4-BE49-F238E27FC236}">
+                <a16:creationId xmlns:a16="http://schemas.microsoft.com/office/drawing/2014/main" id="{DCD08AA1-0D8F-4460-A028-FB312A913C3A}"/>
+              </a:ext>
+            </a:extLst>
+          </p:cNvPr>
           <p:cNvCxnSpPr/>
           <p:nvPr/>
         </p:nvCxnSpPr>
         <p:spPr>
           <a:xfrm>
-            <a:off x="13868400" y="6553200"/>
-            <a:ext cx="2362200" cy="0"/>
-          </a:xfrm>
-          <a:prstGeom prst="line">
-            <a:avLst/>
-          </a:prstGeom>
-          <a:ln>
+            <a:off x="6781800" y="5143500"/>
+            <a:ext cx="1463845" cy="0"/>
+          </a:xfrm>
+          <a:prstGeom prst="straightConnector1">
+            <a:avLst/>
+          </a:prstGeom>
+          <a:ln w="28575">
             <a:solidFill>
               <a:srgbClr val="FF0000"/>
             </a:solidFill>
+            <a:tailEnd type="triangle"/>
           </a:ln>
         </p:spPr>
         <p:style>
@@ -14620,66 +13057,6 @@
           </a:fontRef>
         </p:style>
       </p:cxnSp>
-      <p:cxnSp>
-        <p:nvCxnSpPr>
-          <p:cNvPr id="1048" name="직선 화살표 연결선 1047"/>
-          <p:cNvCxnSpPr/>
-          <p:nvPr/>
-        </p:nvCxnSpPr>
-        <p:spPr>
-          <a:xfrm rot="10800000">
-            <a:off x="6629400" y="4724400"/>
-            <a:ext cx="7315200" cy="1676400"/>
-          </a:xfrm>
-          <a:prstGeom prst="straightConnector1">
-            <a:avLst/>
-          </a:prstGeom>
-          <a:ln>
-            <a:solidFill>
-              <a:srgbClr val="FF0000"/>
-            </a:solidFill>
-            <a:tailEnd type="arrow"/>
-          </a:ln>
-        </p:spPr>
-        <p:style>
-          <a:lnRef idx="1">
-            <a:schemeClr val="accent1"/>
-          </a:lnRef>
-          <a:fillRef idx="0">
-            <a:schemeClr val="accent1"/>
-          </a:fillRef>
-          <a:effectRef idx="0">
-            <a:schemeClr val="accent1"/>
-          </a:effectRef>
-          <a:fontRef idx="minor">
-            <a:schemeClr val="tx1"/>
-          </a:fontRef>
-        </p:style>
-      </p:cxnSp>
-      <p:pic>
-        <p:nvPicPr>
-          <p:cNvPr id="1049" name="그림 1048"/>
-          <p:cNvPicPr>
-            <a:picLocks noChangeAspect="1"/>
-          </p:cNvPicPr>
-          <p:nvPr/>
-        </p:nvPicPr>
-        <p:blipFill rotWithShape="1">
-          <a:blip r:embed="rId7"/>
-          <a:stretch>
-            <a:fillRect/>
-          </a:stretch>
-        </p:blipFill>
-        <p:spPr>
-          <a:xfrm>
-            <a:off x="2190750" y="1543050"/>
-            <a:ext cx="9086850" cy="5772150"/>
-          </a:xfrm>
-          <a:prstGeom prst="rect">
-            <a:avLst/>
-          </a:prstGeom>
-        </p:spPr>
-      </p:pic>
     </p:spTree>
   </p:cSld>
   <p:clrMapOvr>
@@ -14723,128 +13100,13 @@
       </p:grpSpPr>
       <p:sp>
         <p:nvSpPr>
-          <p:cNvPr id="15" name="Object 15"/>
-          <p:cNvSpPr txBox="1"/>
-          <p:nvPr/>
-        </p:nvSpPr>
-        <p:spPr>
-          <a:xfrm>
-            <a:off x="472895" y="547491"/>
-            <a:ext cx="742705" cy="1222769"/>
-          </a:xfrm>
-          <a:prstGeom prst="rect">
-            <a:avLst/>
-          </a:prstGeom>
-          <a:noFill/>
-        </p:spPr>
-        <p:txBody>
-          <a:bodyPr wrap="square"/>
-          <a:lstStyle/>
-          <a:p>
-            <a:pPr algn="ctr">
-              <a:defRPr lang="ko-KR" altLang="en-US"/>
-            </a:pPr>
-            <a:r>
-              <a:rPr lang="en-US" sz="5300">
-                <a:solidFill>
-                  <a:srgbClr val="595959"/>
-                </a:solidFill>
-                <a:latin typeface="카페24 당당해"/>
-                <a:cs typeface="카페24 당당해"/>
-              </a:rPr>
-              <a:t>+</a:t>
-            </a:r>
-            <a:endParaRPr lang="en-US"/>
-          </a:p>
-        </p:txBody>
-      </p:sp>
-      <p:grpSp>
-        <p:nvGrpSpPr>
-          <p:cNvPr id="1005" name="그룹 1005"/>
-          <p:cNvGrpSpPr/>
-          <p:nvPr/>
-        </p:nvGrpSpPr>
-        <p:grpSpPr>
-          <a:xfrm>
-            <a:off x="-488380" y="6567674"/>
-            <a:ext cx="2813796" cy="124275"/>
-            <a:chOff x="-488380" y="6567674"/>
-            <a:chExt cx="2813796" cy="124275"/>
-          </a:xfrm>
-        </p:grpSpPr>
-        <p:pic>
-          <p:nvPicPr>
-            <p:cNvPr id="17" name="Object 16"/>
-            <p:cNvPicPr>
-              <a:picLocks noChangeAspect="1"/>
-            </p:cNvPicPr>
-            <p:nvPr/>
-          </p:nvPicPr>
-          <p:blipFill rotWithShape="1">
-            <a:blip r:embed="rId2"/>
-            <a:stretch>
-              <a:fillRect/>
-            </a:stretch>
-          </p:blipFill>
-          <p:spPr>
-            <a:xfrm rot="5400000">
-              <a:off x="-488380" y="6567674"/>
-              <a:ext cx="2813796" cy="124275"/>
-            </a:xfrm>
-            <a:prstGeom prst="rect">
-              <a:avLst/>
-            </a:prstGeom>
-          </p:spPr>
-        </p:pic>
-      </p:grpSp>
-      <p:grpSp>
-        <p:nvGrpSpPr>
-          <p:cNvPr id="1006" name="그룹 1006"/>
-          <p:cNvGrpSpPr/>
-          <p:nvPr/>
-        </p:nvGrpSpPr>
-        <p:grpSpPr>
-          <a:xfrm>
-            <a:off x="-3588230" y="5035581"/>
-            <a:ext cx="10792838" cy="164571"/>
-            <a:chOff x="-3588230" y="5035581"/>
-            <a:chExt cx="10792838" cy="164571"/>
-          </a:xfrm>
-        </p:grpSpPr>
-        <p:pic>
-          <p:nvPicPr>
-            <p:cNvPr id="20" name="Object 19"/>
-            <p:cNvPicPr>
-              <a:picLocks noChangeAspect="1"/>
-            </p:cNvPicPr>
-            <p:nvPr/>
-          </p:nvPicPr>
-          <p:blipFill rotWithShape="1">
-            <a:blip r:embed="rId3"/>
-            <a:stretch>
-              <a:fillRect/>
-            </a:stretch>
-          </p:blipFill>
-          <p:spPr>
-            <a:xfrm rot="16200000">
-              <a:off x="-3588230" y="5035581"/>
-              <a:ext cx="10792838" cy="164571"/>
-            </a:xfrm>
-            <a:prstGeom prst="rect">
-              <a:avLst/>
-            </a:prstGeom>
-          </p:spPr>
-        </p:pic>
-      </p:grpSp>
-      <p:sp>
-        <p:nvSpPr>
           <p:cNvPr id="23" name="Object 23"/>
           <p:cNvSpPr txBox="1"/>
           <p:nvPr/>
         </p:nvSpPr>
         <p:spPr>
           <a:xfrm>
-            <a:off x="2057400" y="289677"/>
+            <a:off x="381000" y="228772"/>
             <a:ext cx="6553200" cy="624723"/>
           </a:xfrm>
           <a:prstGeom prst="rect">
@@ -14860,7 +13122,7 @@
               <a:defRPr lang="ko-KR" altLang="en-US"/>
             </a:pPr>
             <a:r>
-              <a:rPr lang="ko-KR" altLang="en-US" sz="3400">
+              <a:rPr lang="ko-KR" altLang="en-US" sz="3400" dirty="0">
                 <a:solidFill>
                   <a:srgbClr val="595959"/>
                 </a:solidFill>
@@ -14895,7 +13157,7 @@
             <p:nvPr/>
           </p:nvPicPr>
           <p:blipFill rotWithShape="1">
-            <a:blip r:embed="rId4"/>
+            <a:blip r:embed="rId2"/>
             <a:stretch>
               <a:fillRect/>
             </a:stretch>
@@ -14919,7 +13181,7 @@
         </p:nvSpPr>
         <p:spPr>
           <a:xfrm>
-            <a:off x="2458670" y="1005895"/>
+            <a:off x="609600" y="1036348"/>
             <a:ext cx="2570530" cy="365704"/>
           </a:xfrm>
           <a:prstGeom prst="rect">
@@ -14935,7 +13197,7 @@
               <a:defRPr lang="ko-KR" altLang="en-US"/>
             </a:pPr>
             <a:r>
-              <a:rPr lang="ko-KR" altLang="en-US">
+              <a:rPr lang="ko-KR" altLang="en-US" dirty="0">
                 <a:solidFill>
                   <a:srgbClr val="595959"/>
                 </a:solidFill>
@@ -14956,19 +13218,24 @@
           <p:nvPr/>
         </p:nvPicPr>
         <p:blipFill rotWithShape="1">
-          <a:blip r:embed="rId5"/>
+          <a:blip r:embed="rId3"/>
           <a:stretch>
             <a:fillRect/>
           </a:stretch>
         </p:blipFill>
         <p:spPr>
           <a:xfrm>
-            <a:off x="2057400" y="6324600"/>
+            <a:off x="11625837" y="6268779"/>
             <a:ext cx="5867400" cy="2971799"/>
           </a:xfrm>
           <a:prstGeom prst="rect">
             <a:avLst/>
           </a:prstGeom>
+          <a:ln w="28575">
+            <a:solidFill>
+              <a:schemeClr val="accent3"/>
+            </a:solidFill>
+          </a:ln>
         </p:spPr>
       </p:pic>
       <p:pic>
@@ -14980,15 +13247,15 @@
           <p:nvPr/>
         </p:nvPicPr>
         <p:blipFill rotWithShape="1">
-          <a:blip r:embed="rId6"/>
+          <a:blip r:embed="rId4"/>
           <a:stretch>
             <a:fillRect/>
           </a:stretch>
         </p:blipFill>
         <p:spPr>
           <a:xfrm>
-            <a:off x="9296400" y="4229099"/>
-            <a:ext cx="8763000" cy="5257801"/>
+            <a:off x="616223" y="2777724"/>
+            <a:ext cx="10223815" cy="6134290"/>
           </a:xfrm>
           <a:prstGeom prst="rect">
             <a:avLst/>
@@ -15004,75 +13271,92 @@
           <p:nvPr/>
         </p:nvPicPr>
         <p:blipFill rotWithShape="1">
-          <a:blip r:embed="rId7"/>
+          <a:blip r:embed="rId5"/>
           <a:stretch>
             <a:fillRect/>
           </a:stretch>
         </p:blipFill>
         <p:spPr>
           <a:xfrm>
-            <a:off x="2438400" y="1371600"/>
-            <a:ext cx="8077200" cy="4648200"/>
-          </a:xfrm>
-          <a:prstGeom prst="rect">
-            <a:avLst/>
-          </a:prstGeom>
+            <a:off x="8915400" y="279821"/>
+            <a:ext cx="9211786" cy="5301122"/>
+          </a:xfrm>
+          <a:prstGeom prst="rect">
+            <a:avLst/>
+          </a:prstGeom>
+          <a:ln w="28575">
+            <a:solidFill>
+              <a:schemeClr val="accent1"/>
+            </a:solidFill>
+          </a:ln>
         </p:spPr>
       </p:pic>
+      <p:sp>
+        <p:nvSpPr>
+          <p:cNvPr id="16" name="TextBox 15">
+            <a:extLst>
+              <a:ext uri="{FF2B5EF4-FFF2-40B4-BE49-F238E27FC236}">
+                <a16:creationId xmlns:a16="http://schemas.microsoft.com/office/drawing/2014/main" id="{4ACB04F8-4E32-4891-80AA-F6901293E08C}"/>
+              </a:ext>
+            </a:extLst>
+          </p:cNvPr>
+          <p:cNvSpPr txBox="1"/>
+          <p:nvPr/>
+        </p:nvSpPr>
+        <p:spPr>
+          <a:xfrm>
+            <a:off x="16831786" y="279821"/>
+            <a:ext cx="1295400" cy="400110"/>
+          </a:xfrm>
+          <a:prstGeom prst="rect">
+            <a:avLst/>
+          </a:prstGeom>
+          <a:noFill/>
+          <a:ln w="28575">
+            <a:solidFill>
+              <a:schemeClr val="accent1"/>
+            </a:solidFill>
+          </a:ln>
+        </p:spPr>
+        <p:txBody>
+          <a:bodyPr wrap="square" rtlCol="0">
+            <a:spAutoFit/>
+          </a:bodyPr>
+          <a:lstStyle/>
+          <a:p>
+            <a:r>
+              <a:rPr lang="en-US" altLang="ko-KR" sz="2000" dirty="0" err="1"/>
+              <a:t>AdminDao</a:t>
+            </a:r>
+            <a:endParaRPr lang="ko-KR" altLang="en-US" sz="2000" dirty="0"/>
+          </a:p>
+        </p:txBody>
+      </p:sp>
       <p:cxnSp>
         <p:nvCxnSpPr>
-          <p:cNvPr id="1052" name="직선 연결선 1051"/>
+          <p:cNvPr id="3" name="직선 화살표 연결선 2">
+            <a:extLst>
+              <a:ext uri="{FF2B5EF4-FFF2-40B4-BE49-F238E27FC236}">
+                <a16:creationId xmlns:a16="http://schemas.microsoft.com/office/drawing/2014/main" id="{25D5B50A-8093-4077-B632-4D00581AA38E}"/>
+              </a:ext>
+            </a:extLst>
+          </p:cNvPr>
           <p:cNvCxnSpPr/>
           <p:nvPr/>
         </p:nvCxnSpPr>
         <p:spPr>
           <a:xfrm>
-            <a:off x="12192000" y="5562600"/>
-            <a:ext cx="1676400" cy="0"/>
-          </a:xfrm>
-          <a:prstGeom prst="line">
-            <a:avLst/>
-          </a:prstGeom>
-          <a:ln>
+            <a:off x="6248400" y="4128910"/>
+            <a:ext cx="2514600" cy="0"/>
+          </a:xfrm>
+          <a:prstGeom prst="straightConnector1">
+            <a:avLst/>
+          </a:prstGeom>
+          <a:ln w="28575">
             <a:solidFill>
               <a:srgbClr val="FF0000"/>
             </a:solidFill>
-          </a:ln>
-        </p:spPr>
-        <p:style>
-          <a:lnRef idx="1">
-            <a:schemeClr val="accent1"/>
-          </a:lnRef>
-          <a:fillRef idx="0">
-            <a:schemeClr val="accent1"/>
-          </a:fillRef>
-          <a:effectRef idx="0">
-            <a:schemeClr val="accent1"/>
-          </a:effectRef>
-          <a:fontRef idx="minor">
-            <a:schemeClr val="tx1"/>
-          </a:fontRef>
-        </p:style>
-      </p:cxnSp>
-      <p:cxnSp>
-        <p:nvCxnSpPr>
-          <p:cNvPr id="1053" name="직선 화살표 연결선 1052"/>
-          <p:cNvCxnSpPr/>
-          <p:nvPr/>
-        </p:nvCxnSpPr>
-        <p:spPr>
-          <a:xfrm rot="10800000">
-            <a:off x="8305800" y="3429000"/>
-            <a:ext cx="4191000" cy="1981200"/>
-          </a:xfrm>
-          <a:prstGeom prst="straightConnector1">
-            <a:avLst/>
-          </a:prstGeom>
-          <a:ln>
-            <a:solidFill>
-              <a:srgbClr val="FF0000"/>
-            </a:solidFill>
-            <a:tailEnd type="arrow"/>
+            <a:tailEnd type="triangle"/>
           </a:ln>
         </p:spPr>
         <p:style>
@@ -15133,128 +13417,13 @@
       </p:grpSpPr>
       <p:sp>
         <p:nvSpPr>
-          <p:cNvPr id="15" name="Object 15"/>
-          <p:cNvSpPr txBox="1"/>
-          <p:nvPr/>
-        </p:nvSpPr>
-        <p:spPr>
-          <a:xfrm>
-            <a:off x="472895" y="547491"/>
-            <a:ext cx="742705" cy="1222769"/>
-          </a:xfrm>
-          <a:prstGeom prst="rect">
-            <a:avLst/>
-          </a:prstGeom>
-          <a:noFill/>
-        </p:spPr>
-        <p:txBody>
-          <a:bodyPr wrap="square"/>
-          <a:lstStyle/>
-          <a:p>
-            <a:pPr algn="ctr">
-              <a:defRPr lang="ko-KR" altLang="en-US"/>
-            </a:pPr>
-            <a:r>
-              <a:rPr lang="en-US" sz="5300">
-                <a:solidFill>
-                  <a:srgbClr val="595959"/>
-                </a:solidFill>
-                <a:latin typeface="카페24 당당해"/>
-                <a:cs typeface="카페24 당당해"/>
-              </a:rPr>
-              <a:t>+</a:t>
-            </a:r>
-            <a:endParaRPr lang="en-US"/>
-          </a:p>
-        </p:txBody>
-      </p:sp>
-      <p:grpSp>
-        <p:nvGrpSpPr>
-          <p:cNvPr id="1005" name="그룹 1005"/>
-          <p:cNvGrpSpPr/>
-          <p:nvPr/>
-        </p:nvGrpSpPr>
-        <p:grpSpPr>
-          <a:xfrm>
-            <a:off x="-488380" y="6567674"/>
-            <a:ext cx="2813796" cy="124275"/>
-            <a:chOff x="-488380" y="6567674"/>
-            <a:chExt cx="2813796" cy="124275"/>
-          </a:xfrm>
-        </p:grpSpPr>
-        <p:pic>
-          <p:nvPicPr>
-            <p:cNvPr id="17" name="Object 16"/>
-            <p:cNvPicPr>
-              <a:picLocks noChangeAspect="1"/>
-            </p:cNvPicPr>
-            <p:nvPr/>
-          </p:nvPicPr>
-          <p:blipFill rotWithShape="1">
-            <a:blip r:embed="rId2"/>
-            <a:stretch>
-              <a:fillRect/>
-            </a:stretch>
-          </p:blipFill>
-          <p:spPr>
-            <a:xfrm rot="5400000">
-              <a:off x="-488380" y="6567674"/>
-              <a:ext cx="2813796" cy="124275"/>
-            </a:xfrm>
-            <a:prstGeom prst="rect">
-              <a:avLst/>
-            </a:prstGeom>
-          </p:spPr>
-        </p:pic>
-      </p:grpSp>
-      <p:grpSp>
-        <p:nvGrpSpPr>
-          <p:cNvPr id="1006" name="그룹 1006"/>
-          <p:cNvGrpSpPr/>
-          <p:nvPr/>
-        </p:nvGrpSpPr>
-        <p:grpSpPr>
-          <a:xfrm>
-            <a:off x="-3588230" y="5035581"/>
-            <a:ext cx="10792838" cy="164571"/>
-            <a:chOff x="-3588230" y="5035581"/>
-            <a:chExt cx="10792838" cy="164571"/>
-          </a:xfrm>
-        </p:grpSpPr>
-        <p:pic>
-          <p:nvPicPr>
-            <p:cNvPr id="20" name="Object 19"/>
-            <p:cNvPicPr>
-              <a:picLocks noChangeAspect="1"/>
-            </p:cNvPicPr>
-            <p:nvPr/>
-          </p:nvPicPr>
-          <p:blipFill rotWithShape="1">
-            <a:blip r:embed="rId3"/>
-            <a:stretch>
-              <a:fillRect/>
-            </a:stretch>
-          </p:blipFill>
-          <p:spPr>
-            <a:xfrm rot="16200000">
-              <a:off x="-3588230" y="5035581"/>
-              <a:ext cx="10792838" cy="164571"/>
-            </a:xfrm>
-            <a:prstGeom prst="rect">
-              <a:avLst/>
-            </a:prstGeom>
-          </p:spPr>
-        </p:pic>
-      </p:grpSp>
-      <p:sp>
-        <p:nvSpPr>
           <p:cNvPr id="23" name="Object 23"/>
           <p:cNvSpPr txBox="1"/>
           <p:nvPr/>
         </p:nvSpPr>
         <p:spPr>
           <a:xfrm>
-            <a:off x="2057400" y="289677"/>
+            <a:off x="381000" y="251577"/>
             <a:ext cx="6553200" cy="624723"/>
           </a:xfrm>
           <a:prstGeom prst="rect">
@@ -15282,45 +13451,6 @@
           </a:p>
         </p:txBody>
       </p:sp>
-      <p:grpSp>
-        <p:nvGrpSpPr>
-          <p:cNvPr id="1013" name="그룹 1013"/>
-          <p:cNvGrpSpPr/>
-          <p:nvPr/>
-        </p:nvGrpSpPr>
-        <p:grpSpPr>
-          <a:xfrm>
-            <a:off x="1790476" y="9460571"/>
-            <a:ext cx="17371428" cy="164571"/>
-            <a:chOff x="1790476" y="9460571"/>
-            <a:chExt cx="17371428" cy="164571"/>
-          </a:xfrm>
-        </p:grpSpPr>
-        <p:pic>
-          <p:nvPicPr>
-            <p:cNvPr id="51" name="Object 50"/>
-            <p:cNvPicPr>
-              <a:picLocks noChangeAspect="1"/>
-            </p:cNvPicPr>
-            <p:nvPr/>
-          </p:nvPicPr>
-          <p:blipFill rotWithShape="1">
-            <a:blip r:embed="rId4"/>
-            <a:stretch>
-              <a:fillRect/>
-            </a:stretch>
-          </p:blipFill>
-          <p:spPr>
-            <a:xfrm rot="10800000">
-              <a:off x="1790476" y="9460571"/>
-              <a:ext cx="17371428" cy="164571"/>
-            </a:xfrm>
-            <a:prstGeom prst="rect">
-              <a:avLst/>
-            </a:prstGeom>
-          </p:spPr>
-        </p:pic>
-      </p:grpSp>
       <p:sp>
         <p:nvSpPr>
           <p:cNvPr id="53" name="Object 53"/>
@@ -15329,7 +13459,7 @@
         </p:nvSpPr>
         <p:spPr>
           <a:xfrm>
-            <a:off x="2458670" y="1005895"/>
+            <a:off x="685800" y="964881"/>
             <a:ext cx="2570530" cy="365704"/>
           </a:xfrm>
           <a:prstGeom prst="rect">
@@ -15345,7 +13475,7 @@
               <a:defRPr lang="ko-KR" altLang="en-US"/>
             </a:pPr>
             <a:r>
-              <a:rPr lang="ko-KR" altLang="en-US">
+              <a:rPr lang="ko-KR" altLang="en-US" sz="2000" dirty="0">
                 <a:solidFill>
                   <a:srgbClr val="595959"/>
                 </a:solidFill>
@@ -15359,50 +13489,31 @@
       </p:sp>
       <p:pic>
         <p:nvPicPr>
-          <p:cNvPr id="1054" name="그림 1053"/>
+          <p:cNvPr id="1056" name="그림 1055"/>
           <p:cNvPicPr>
             <a:picLocks noChangeAspect="1"/>
           </p:cNvPicPr>
           <p:nvPr/>
         </p:nvPicPr>
         <p:blipFill rotWithShape="1">
-          <a:blip r:embed="rId5"/>
+          <a:blip r:embed="rId2"/>
           <a:stretch>
             <a:fillRect/>
           </a:stretch>
         </p:blipFill>
         <p:spPr>
           <a:xfrm>
-            <a:off x="2209800" y="1676400"/>
-            <a:ext cx="5562600" cy="7315200"/>
-          </a:xfrm>
-          <a:prstGeom prst="rect">
-            <a:avLst/>
-          </a:prstGeom>
-        </p:spPr>
-      </p:pic>
-      <p:pic>
-        <p:nvPicPr>
-          <p:cNvPr id="1056" name="그림 1055"/>
-          <p:cNvPicPr>
-            <a:picLocks noChangeAspect="1"/>
-          </p:cNvPicPr>
-          <p:nvPr/>
-        </p:nvPicPr>
-        <p:blipFill rotWithShape="1">
-          <a:blip r:embed="rId6"/>
-          <a:stretch>
-            <a:fillRect/>
-          </a:stretch>
-        </p:blipFill>
-        <p:spPr>
-          <a:xfrm>
-            <a:off x="7543800" y="76200"/>
-            <a:ext cx="6858000" cy="5029200"/>
-          </a:xfrm>
-          <a:prstGeom prst="rect">
-            <a:avLst/>
-          </a:prstGeom>
+            <a:off x="9362777" y="192468"/>
+            <a:ext cx="8544223" cy="6265764"/>
+          </a:xfrm>
+          <a:prstGeom prst="rect">
+            <a:avLst/>
+          </a:prstGeom>
+          <a:ln w="28575">
+            <a:solidFill>
+              <a:schemeClr val="accent1"/>
+            </a:solidFill>
+          </a:ln>
         </p:spPr>
       </p:pic>
       <p:pic>
@@ -15414,75 +13525,89 @@
           <p:nvPr/>
         </p:nvPicPr>
         <p:blipFill rotWithShape="1">
-          <a:blip r:embed="rId7"/>
+          <a:blip r:embed="rId3"/>
           <a:stretch>
             <a:fillRect/>
           </a:stretch>
         </p:blipFill>
         <p:spPr>
           <a:xfrm>
-            <a:off x="11201400" y="3200400"/>
-            <a:ext cx="7086600" cy="6324600"/>
+            <a:off x="118123" y="1714500"/>
+            <a:ext cx="9025877" cy="8055353"/>
           </a:xfrm>
           <a:prstGeom prst="rect">
             <a:avLst/>
           </a:prstGeom>
         </p:spPr>
       </p:pic>
+      <p:sp>
+        <p:nvSpPr>
+          <p:cNvPr id="16" name="TextBox 15">
+            <a:extLst>
+              <a:ext uri="{FF2B5EF4-FFF2-40B4-BE49-F238E27FC236}">
+                <a16:creationId xmlns:a16="http://schemas.microsoft.com/office/drawing/2014/main" id="{70D3D688-2131-4DE8-8326-50D31A392CC2}"/>
+              </a:ext>
+            </a:extLst>
+          </p:cNvPr>
+          <p:cNvSpPr txBox="1"/>
+          <p:nvPr/>
+        </p:nvSpPr>
+        <p:spPr>
+          <a:xfrm>
+            <a:off x="16611600" y="163828"/>
+            <a:ext cx="1295400" cy="400110"/>
+          </a:xfrm>
+          <a:prstGeom prst="rect">
+            <a:avLst/>
+          </a:prstGeom>
+          <a:noFill/>
+          <a:ln w="28575">
+            <a:solidFill>
+              <a:schemeClr val="accent1"/>
+            </a:solidFill>
+          </a:ln>
+        </p:spPr>
+        <p:txBody>
+          <a:bodyPr wrap="square" rtlCol="0">
+            <a:spAutoFit/>
+          </a:bodyPr>
+          <a:lstStyle/>
+          <a:p>
+            <a:r>
+              <a:rPr lang="en-US" altLang="ko-KR" sz="2000" dirty="0" err="1"/>
+              <a:t>AdminDao</a:t>
+            </a:r>
+            <a:endParaRPr lang="ko-KR" altLang="en-US" sz="2000" dirty="0"/>
+          </a:p>
+        </p:txBody>
+      </p:sp>
       <p:cxnSp>
         <p:nvCxnSpPr>
-          <p:cNvPr id="1058" name="직선 연결선 1057"/>
-          <p:cNvCxnSpPr/>
+          <p:cNvPr id="3" name="직선 화살표 연결선 2">
+            <a:extLst>
+              <a:ext uri="{FF2B5EF4-FFF2-40B4-BE49-F238E27FC236}">
+                <a16:creationId xmlns:a16="http://schemas.microsoft.com/office/drawing/2014/main" id="{CF47C6EE-CCEE-453A-A104-6BBDF2DF6E16}"/>
+              </a:ext>
+            </a:extLst>
+          </p:cNvPr>
+          <p:cNvCxnSpPr>
+            <a:cxnSpLocks/>
+          </p:cNvCxnSpPr>
           <p:nvPr/>
         </p:nvCxnSpPr>
         <p:spPr>
           <a:xfrm>
-            <a:off x="13868400" y="6248400"/>
-            <a:ext cx="2667000" cy="0"/>
-          </a:xfrm>
-          <a:prstGeom prst="line">
-            <a:avLst/>
-          </a:prstGeom>
-          <a:ln>
+            <a:off x="7620000" y="5372100"/>
+            <a:ext cx="1524000" cy="0"/>
+          </a:xfrm>
+          <a:prstGeom prst="straightConnector1">
+            <a:avLst/>
+          </a:prstGeom>
+          <a:ln w="28575">
             <a:solidFill>
               <a:srgbClr val="FF0000"/>
             </a:solidFill>
-          </a:ln>
-        </p:spPr>
-        <p:style>
-          <a:lnRef idx="1">
-            <a:schemeClr val="accent1"/>
-          </a:lnRef>
-          <a:fillRef idx="0">
-            <a:schemeClr val="accent1"/>
-          </a:fillRef>
-          <a:effectRef idx="0">
-            <a:schemeClr val="accent1"/>
-          </a:effectRef>
-          <a:fontRef idx="minor">
-            <a:schemeClr val="tx1"/>
-          </a:fontRef>
-        </p:style>
-      </p:cxnSp>
-      <p:cxnSp>
-        <p:nvCxnSpPr>
-          <p:cNvPr id="1059" name="직선 화살표 연결선 1058"/>
-          <p:cNvCxnSpPr/>
-          <p:nvPr/>
-        </p:nvCxnSpPr>
-        <p:spPr>
-          <a:xfrm rot="16200000" flipV="1">
-            <a:off x="11734800" y="2895600"/>
-            <a:ext cx="3276600" cy="2971800"/>
-          </a:xfrm>
-          <a:prstGeom prst="straightConnector1">
-            <a:avLst/>
-          </a:prstGeom>
-          <a:ln>
-            <a:solidFill>
-              <a:srgbClr val="FF0000"/>
-            </a:solidFill>
-            <a:tailEnd type="arrow"/>
+            <a:tailEnd type="triangle"/>
           </a:ln>
         </p:spPr>
         <p:style>
@@ -15543,14 +13668,14 @@
       </p:grpSpPr>
       <p:sp>
         <p:nvSpPr>
-          <p:cNvPr id="15" name="Object 15"/>
+          <p:cNvPr id="23" name="Object 23"/>
           <p:cNvSpPr txBox="1"/>
           <p:nvPr/>
         </p:nvSpPr>
         <p:spPr>
           <a:xfrm>
-            <a:off x="472895" y="547491"/>
-            <a:ext cx="742705" cy="1222769"/>
+            <a:off x="304800" y="349495"/>
+            <a:ext cx="6553200" cy="624723"/>
           </a:xfrm>
           <a:prstGeom prst="rect">
             <a:avLst/>
@@ -15561,176 +13686,42 @@
           <a:bodyPr wrap="square"/>
           <a:lstStyle/>
           <a:p>
-            <a:pPr algn="ctr">
-              <a:defRPr lang="ko-KR" altLang="en-US"/>
-            </a:pPr>
-            <a:r>
-              <a:rPr lang="en-US" sz="5300">
+            <a:pPr algn="just">
+              <a:defRPr lang="ko-KR" altLang="en-US"/>
+            </a:pPr>
+            <a:r>
+              <a:rPr lang="ko-KR" altLang="en-US" sz="3400" dirty="0">
                 <a:solidFill>
                   <a:srgbClr val="595959"/>
                 </a:solidFill>
                 <a:latin typeface="카페24 당당해"/>
                 <a:cs typeface="카페24 당당해"/>
               </a:rPr>
-              <a:t>+</a:t>
-            </a:r>
-            <a:endParaRPr lang="en-US"/>
-          </a:p>
-        </p:txBody>
-      </p:sp>
-      <p:grpSp>
-        <p:nvGrpSpPr>
-          <p:cNvPr id="1005" name="그룹 1005"/>
-          <p:cNvGrpSpPr/>
-          <p:nvPr/>
-        </p:nvGrpSpPr>
-        <p:grpSpPr>
-          <a:xfrm>
-            <a:off x="-488380" y="6567674"/>
-            <a:ext cx="2813796" cy="124275"/>
-            <a:chOff x="-488380" y="6567674"/>
-            <a:chExt cx="2813796" cy="124275"/>
-          </a:xfrm>
-        </p:grpSpPr>
-        <p:pic>
-          <p:nvPicPr>
-            <p:cNvPr id="17" name="Object 16"/>
-            <p:cNvPicPr>
-              <a:picLocks noChangeAspect="1"/>
-            </p:cNvPicPr>
-            <p:nvPr/>
-          </p:nvPicPr>
-          <p:blipFill rotWithShape="1">
-            <a:blip r:embed="rId2"/>
-            <a:stretch>
-              <a:fillRect/>
-            </a:stretch>
-          </p:blipFill>
-          <p:spPr>
-            <a:xfrm rot="5400000">
-              <a:off x="-488380" y="6567674"/>
-              <a:ext cx="2813796" cy="124275"/>
-            </a:xfrm>
-            <a:prstGeom prst="rect">
-              <a:avLst/>
-            </a:prstGeom>
-          </p:spPr>
-        </p:pic>
-      </p:grpSp>
-      <p:grpSp>
-        <p:nvGrpSpPr>
-          <p:cNvPr id="1006" name="그룹 1006"/>
-          <p:cNvGrpSpPr/>
-          <p:nvPr/>
-        </p:nvGrpSpPr>
-        <p:grpSpPr>
-          <a:xfrm>
-            <a:off x="-3588230" y="5035581"/>
-            <a:ext cx="10792838" cy="164571"/>
-            <a:chOff x="-3588230" y="5035581"/>
-            <a:chExt cx="10792838" cy="164571"/>
-          </a:xfrm>
-        </p:grpSpPr>
-        <p:pic>
-          <p:nvPicPr>
-            <p:cNvPr id="20" name="Object 19"/>
-            <p:cNvPicPr>
-              <a:picLocks noChangeAspect="1"/>
-            </p:cNvPicPr>
-            <p:nvPr/>
-          </p:nvPicPr>
-          <p:blipFill rotWithShape="1">
-            <a:blip r:embed="rId3"/>
-            <a:stretch>
-              <a:fillRect/>
-            </a:stretch>
-          </p:blipFill>
-          <p:spPr>
-            <a:xfrm rot="16200000">
-              <a:off x="-3588230" y="5035581"/>
-              <a:ext cx="10792838" cy="164571"/>
-            </a:xfrm>
-            <a:prstGeom prst="rect">
-              <a:avLst/>
-            </a:prstGeom>
-          </p:spPr>
-        </p:pic>
-      </p:grpSp>
-      <p:sp>
-        <p:nvSpPr>
-          <p:cNvPr id="23" name="Object 23"/>
-          <p:cNvSpPr txBox="1"/>
-          <p:nvPr/>
-        </p:nvSpPr>
-        <p:spPr>
-          <a:xfrm>
-            <a:off x="2057400" y="289677"/>
-            <a:ext cx="6553200" cy="624723"/>
-          </a:xfrm>
-          <a:prstGeom prst="rect">
-            <a:avLst/>
-          </a:prstGeom>
-          <a:noFill/>
-        </p:spPr>
-        <p:txBody>
-          <a:bodyPr wrap="square"/>
-          <a:lstStyle/>
-          <a:p>
-            <a:pPr algn="just">
-              <a:defRPr lang="ko-KR" altLang="en-US"/>
-            </a:pPr>
-            <a:r>
-              <a:rPr lang="ko-KR" altLang="en-US" sz="3400">
+              <a:t>- 관리자 </a:t>
+            </a:r>
+            <a:r>
+              <a:rPr lang="ko-KR" altLang="en-US" sz="3400" dirty="0" err="1">
                 <a:solidFill>
                   <a:srgbClr val="595959"/>
                 </a:solidFill>
                 <a:latin typeface="카페24 당당해"/>
                 <a:cs typeface="카페24 당당해"/>
               </a:rPr>
-              <a:t>- 관리자 페이지_메뉴 수정</a:t>
-            </a:r>
-          </a:p>
-        </p:txBody>
-      </p:sp>
-      <p:grpSp>
-        <p:nvGrpSpPr>
-          <p:cNvPr id="1013" name="그룹 1013"/>
-          <p:cNvGrpSpPr/>
-          <p:nvPr/>
-        </p:nvGrpSpPr>
-        <p:grpSpPr>
-          <a:xfrm>
-            <a:off x="1790476" y="9460571"/>
-            <a:ext cx="17371428" cy="164571"/>
-            <a:chOff x="1790476" y="9460571"/>
-            <a:chExt cx="17371428" cy="164571"/>
-          </a:xfrm>
-        </p:grpSpPr>
-        <p:pic>
-          <p:nvPicPr>
-            <p:cNvPr id="51" name="Object 50"/>
-            <p:cNvPicPr>
-              <a:picLocks noChangeAspect="1"/>
-            </p:cNvPicPr>
-            <p:nvPr/>
-          </p:nvPicPr>
-          <p:blipFill rotWithShape="1">
-            <a:blip r:embed="rId4"/>
-            <a:stretch>
-              <a:fillRect/>
-            </a:stretch>
-          </p:blipFill>
-          <p:spPr>
-            <a:xfrm rot="10800000">
-              <a:off x="1790476" y="9460571"/>
-              <a:ext cx="17371428" cy="164571"/>
-            </a:xfrm>
-            <a:prstGeom prst="rect">
-              <a:avLst/>
-            </a:prstGeom>
-          </p:spPr>
-        </p:pic>
-      </p:grpSp>
+              <a:t>페이지_메뉴</a:t>
+            </a:r>
+            <a:r>
+              <a:rPr lang="ko-KR" altLang="en-US" sz="3400" dirty="0">
+                <a:solidFill>
+                  <a:srgbClr val="595959"/>
+                </a:solidFill>
+                <a:latin typeface="카페24 당당해"/>
+                <a:cs typeface="카페24 당당해"/>
+              </a:rPr>
+              <a:t> 수정</a:t>
+            </a:r>
+          </a:p>
+        </p:txBody>
+      </p:sp>
       <p:sp>
         <p:nvSpPr>
           <p:cNvPr id="53" name="Object 53"/>
@@ -15739,7 +13730,7 @@
         </p:nvSpPr>
         <p:spPr>
           <a:xfrm>
-            <a:off x="2458670" y="1005895"/>
+            <a:off x="685800" y="1070325"/>
             <a:ext cx="2570530" cy="365704"/>
           </a:xfrm>
           <a:prstGeom prst="rect">
@@ -15755,7 +13746,7 @@
               <a:defRPr lang="ko-KR" altLang="en-US"/>
             </a:pPr>
             <a:r>
-              <a:rPr lang="ko-KR" altLang="en-US">
+              <a:rPr lang="ko-KR" altLang="en-US" sz="2000">
                 <a:solidFill>
                   <a:srgbClr val="595959"/>
                 </a:solidFill>
@@ -15769,46 +13760,22 @@
       </p:sp>
       <p:pic>
         <p:nvPicPr>
-          <p:cNvPr id="1060" name="그림 1059"/>
+          <p:cNvPr id="1061" name="그림 1060"/>
           <p:cNvPicPr>
             <a:picLocks noChangeAspect="1"/>
           </p:cNvPicPr>
           <p:nvPr/>
         </p:nvPicPr>
         <p:blipFill rotWithShape="1">
-          <a:blip r:embed="rId5"/>
+          <a:blip r:embed="rId2"/>
           <a:stretch>
             <a:fillRect/>
           </a:stretch>
         </p:blipFill>
         <p:spPr>
           <a:xfrm>
-            <a:off x="2057400" y="1981200"/>
-            <a:ext cx="6858000" cy="6934200"/>
-          </a:xfrm>
-          <a:prstGeom prst="rect">
-            <a:avLst/>
-          </a:prstGeom>
-        </p:spPr>
-      </p:pic>
-      <p:pic>
-        <p:nvPicPr>
-          <p:cNvPr id="1061" name="그림 1060"/>
-          <p:cNvPicPr>
-            <a:picLocks noChangeAspect="1"/>
-          </p:cNvPicPr>
-          <p:nvPr/>
-        </p:nvPicPr>
-        <p:blipFill rotWithShape="1">
-          <a:blip r:embed="rId6"/>
-          <a:stretch>
-            <a:fillRect/>
-          </a:stretch>
-        </p:blipFill>
-        <p:spPr>
-          <a:xfrm>
-            <a:off x="11068050" y="152400"/>
-            <a:ext cx="7448550" cy="9220200"/>
+            <a:off x="9293038" y="34781"/>
+            <a:ext cx="8282268" cy="10252219"/>
           </a:xfrm>
           <a:prstGeom prst="rect">
             <a:avLst/>
@@ -15824,75 +13791,92 @@
           <p:nvPr/>
         </p:nvPicPr>
         <p:blipFill rotWithShape="1">
-          <a:blip r:embed="rId7"/>
+          <a:blip r:embed="rId3"/>
           <a:stretch>
             <a:fillRect/>
           </a:stretch>
         </p:blipFill>
         <p:spPr>
           <a:xfrm>
-            <a:off x="6096000" y="5029200"/>
-            <a:ext cx="5943600" cy="4086224"/>
-          </a:xfrm>
-          <a:prstGeom prst="rect">
-            <a:avLst/>
-          </a:prstGeom>
+            <a:off x="785744" y="2872796"/>
+            <a:ext cx="8182325" cy="5625347"/>
+          </a:xfrm>
+          <a:prstGeom prst="rect">
+            <a:avLst/>
+          </a:prstGeom>
+          <a:ln w="28575">
+            <a:solidFill>
+              <a:schemeClr val="accent1"/>
+            </a:solidFill>
+          </a:ln>
         </p:spPr>
       </p:pic>
+      <p:sp>
+        <p:nvSpPr>
+          <p:cNvPr id="16" name="TextBox 15">
+            <a:extLst>
+              <a:ext uri="{FF2B5EF4-FFF2-40B4-BE49-F238E27FC236}">
+                <a16:creationId xmlns:a16="http://schemas.microsoft.com/office/drawing/2014/main" id="{8BCDB404-644E-43AB-9D04-4BC0B7316688}"/>
+              </a:ext>
+            </a:extLst>
+          </p:cNvPr>
+          <p:cNvSpPr txBox="1"/>
+          <p:nvPr/>
+        </p:nvSpPr>
+        <p:spPr>
+          <a:xfrm>
+            <a:off x="7467600" y="2476500"/>
+            <a:ext cx="1527363" cy="400110"/>
+          </a:xfrm>
+          <a:prstGeom prst="rect">
+            <a:avLst/>
+          </a:prstGeom>
+          <a:noFill/>
+          <a:ln w="28575">
+            <a:solidFill>
+              <a:schemeClr val="accent1"/>
+            </a:solidFill>
+          </a:ln>
+        </p:spPr>
+        <p:txBody>
+          <a:bodyPr wrap="square" rtlCol="0">
+            <a:spAutoFit/>
+          </a:bodyPr>
+          <a:lstStyle/>
+          <a:p>
+            <a:r>
+              <a:rPr lang="en-US" altLang="ko-KR" sz="2000" dirty="0" err="1"/>
+              <a:t>ProductDao</a:t>
+            </a:r>
+            <a:endParaRPr lang="ko-KR" altLang="en-US" sz="2000" dirty="0"/>
+          </a:p>
+        </p:txBody>
+      </p:sp>
       <p:cxnSp>
         <p:nvCxnSpPr>
-          <p:cNvPr id="1063" name="직선 연결선 1062"/>
+          <p:cNvPr id="3" name="직선 화살표 연결선 2">
+            <a:extLst>
+              <a:ext uri="{FF2B5EF4-FFF2-40B4-BE49-F238E27FC236}">
+                <a16:creationId xmlns:a16="http://schemas.microsoft.com/office/drawing/2014/main" id="{94CDC9A3-A087-4291-8AD3-FE1F2FC9DA6C}"/>
+              </a:ext>
+            </a:extLst>
+          </p:cNvPr>
           <p:cNvCxnSpPr/>
           <p:nvPr/>
         </p:nvCxnSpPr>
         <p:spPr>
-          <a:xfrm>
-            <a:off x="14325600" y="7239000"/>
-            <a:ext cx="2133600" cy="0"/>
-          </a:xfrm>
-          <a:prstGeom prst="line">
-            <a:avLst/>
-          </a:prstGeom>
-          <a:ln>
+          <a:xfrm flipH="1">
+            <a:off x="9144000" y="7886700"/>
+            <a:ext cx="1828800" cy="0"/>
+          </a:xfrm>
+          <a:prstGeom prst="straightConnector1">
+            <a:avLst/>
+          </a:prstGeom>
+          <a:ln w="28575">
             <a:solidFill>
               <a:srgbClr val="FF0000"/>
             </a:solidFill>
-          </a:ln>
-        </p:spPr>
-        <p:style>
-          <a:lnRef idx="1">
-            <a:schemeClr val="accent1"/>
-          </a:lnRef>
-          <a:fillRef idx="0">
-            <a:schemeClr val="accent1"/>
-          </a:fillRef>
-          <a:effectRef idx="0">
-            <a:schemeClr val="accent1"/>
-          </a:effectRef>
-          <a:fontRef idx="minor">
-            <a:schemeClr val="tx1"/>
-          </a:fontRef>
-        </p:style>
-      </p:cxnSp>
-      <p:cxnSp>
-        <p:nvCxnSpPr>
-          <p:cNvPr id="1064" name="직선 화살표 연결선 1063"/>
-          <p:cNvCxnSpPr/>
-          <p:nvPr/>
-        </p:nvCxnSpPr>
-        <p:spPr>
-          <a:xfrm rot="10800000">
-            <a:off x="9601199" y="6934200"/>
-            <a:ext cx="4572000" cy="228600"/>
-          </a:xfrm>
-          <a:prstGeom prst="straightConnector1">
-            <a:avLst/>
-          </a:prstGeom>
-          <a:ln>
-            <a:solidFill>
-              <a:srgbClr val="FF0000"/>
-            </a:solidFill>
-            <a:tailEnd type="arrow"/>
+            <a:tailEnd type="triangle"/>
           </a:ln>
         </p:spPr>
         <p:style>
@@ -15953,14 +13937,14 @@
       </p:grpSpPr>
       <p:sp>
         <p:nvSpPr>
-          <p:cNvPr id="15" name="Object 15"/>
+          <p:cNvPr id="23" name="Object 23"/>
           <p:cNvSpPr txBox="1"/>
           <p:nvPr/>
         </p:nvSpPr>
         <p:spPr>
           <a:xfrm>
-            <a:off x="472895" y="547491"/>
-            <a:ext cx="742705" cy="1222769"/>
+            <a:off x="290233" y="172571"/>
+            <a:ext cx="6553200" cy="624723"/>
           </a:xfrm>
           <a:prstGeom prst="rect">
             <a:avLst/>
@@ -15971,133 +13955,38 @@
           <a:bodyPr wrap="square"/>
           <a:lstStyle/>
           <a:p>
-            <a:pPr algn="ctr">
-              <a:defRPr lang="ko-KR" altLang="en-US"/>
-            </a:pPr>
-            <a:r>
-              <a:rPr lang="en-US" sz="5300">
+            <a:pPr algn="just">
+              <a:defRPr lang="ko-KR" altLang="en-US"/>
+            </a:pPr>
+            <a:r>
+              <a:rPr lang="ko-KR" altLang="en-US" sz="3400" dirty="0">
                 <a:solidFill>
                   <a:srgbClr val="595959"/>
                 </a:solidFill>
                 <a:latin typeface="카페24 당당해"/>
                 <a:cs typeface="카페24 당당해"/>
               </a:rPr>
-              <a:t>+</a:t>
-            </a:r>
-            <a:endParaRPr lang="en-US"/>
-          </a:p>
-        </p:txBody>
-      </p:sp>
-      <p:grpSp>
-        <p:nvGrpSpPr>
-          <p:cNvPr id="1005" name="그룹 1005"/>
-          <p:cNvGrpSpPr/>
-          <p:nvPr/>
-        </p:nvGrpSpPr>
-        <p:grpSpPr>
-          <a:xfrm>
-            <a:off x="-488380" y="6567674"/>
-            <a:ext cx="2813796" cy="124275"/>
-            <a:chOff x="-488380" y="6567674"/>
-            <a:chExt cx="2813796" cy="124275"/>
-          </a:xfrm>
-        </p:grpSpPr>
-        <p:pic>
-          <p:nvPicPr>
-            <p:cNvPr id="17" name="Object 16"/>
-            <p:cNvPicPr>
-              <a:picLocks noChangeAspect="1"/>
-            </p:cNvPicPr>
-            <p:nvPr/>
-          </p:nvPicPr>
-          <p:blipFill rotWithShape="1">
-            <a:blip r:embed="rId2"/>
-            <a:stretch>
-              <a:fillRect/>
-            </a:stretch>
-          </p:blipFill>
-          <p:spPr>
-            <a:xfrm rot="5400000">
-              <a:off x="-488380" y="6567674"/>
-              <a:ext cx="2813796" cy="124275"/>
-            </a:xfrm>
-            <a:prstGeom prst="rect">
-              <a:avLst/>
-            </a:prstGeom>
-          </p:spPr>
-        </p:pic>
-      </p:grpSp>
-      <p:grpSp>
-        <p:nvGrpSpPr>
-          <p:cNvPr id="1006" name="그룹 1006"/>
-          <p:cNvGrpSpPr/>
-          <p:nvPr/>
-        </p:nvGrpSpPr>
-        <p:grpSpPr>
-          <a:xfrm>
-            <a:off x="-3588230" y="5035581"/>
-            <a:ext cx="10792838" cy="164571"/>
-            <a:chOff x="-3588230" y="5035581"/>
-            <a:chExt cx="10792838" cy="164571"/>
-          </a:xfrm>
-        </p:grpSpPr>
-        <p:pic>
-          <p:nvPicPr>
-            <p:cNvPr id="20" name="Object 19"/>
-            <p:cNvPicPr>
-              <a:picLocks noChangeAspect="1"/>
-            </p:cNvPicPr>
-            <p:nvPr/>
-          </p:nvPicPr>
-          <p:blipFill rotWithShape="1">
-            <a:blip r:embed="rId3"/>
-            <a:stretch>
-              <a:fillRect/>
-            </a:stretch>
-          </p:blipFill>
-          <p:spPr>
-            <a:xfrm rot="16200000">
-              <a:off x="-3588230" y="5035581"/>
-              <a:ext cx="10792838" cy="164571"/>
-            </a:xfrm>
-            <a:prstGeom prst="rect">
-              <a:avLst/>
-            </a:prstGeom>
-          </p:spPr>
-        </p:pic>
-      </p:grpSp>
-      <p:sp>
-        <p:nvSpPr>
-          <p:cNvPr id="23" name="Object 23"/>
-          <p:cNvSpPr txBox="1"/>
-          <p:nvPr/>
-        </p:nvSpPr>
-        <p:spPr>
-          <a:xfrm>
-            <a:off x="2057400" y="289677"/>
-            <a:ext cx="6553200" cy="624723"/>
-          </a:xfrm>
-          <a:prstGeom prst="rect">
-            <a:avLst/>
-          </a:prstGeom>
-          <a:noFill/>
-        </p:spPr>
-        <p:txBody>
-          <a:bodyPr wrap="square"/>
-          <a:lstStyle/>
-          <a:p>
-            <a:pPr algn="just">
-              <a:defRPr lang="ko-KR" altLang="en-US"/>
-            </a:pPr>
-            <a:r>
-              <a:rPr lang="ko-KR" altLang="en-US" sz="3400">
+              <a:t>- 관리자 </a:t>
+            </a:r>
+            <a:r>
+              <a:rPr lang="ko-KR" altLang="en-US" sz="3400" dirty="0" err="1">
                 <a:solidFill>
                   <a:srgbClr val="595959"/>
                 </a:solidFill>
                 <a:latin typeface="카페24 당당해"/>
                 <a:cs typeface="카페24 당당해"/>
               </a:rPr>
-              <a:t>- 관리자 페이지_메뉴 수정</a:t>
+              <a:t>페이지_메뉴</a:t>
+            </a:r>
+            <a:r>
+              <a:rPr lang="ko-KR" altLang="en-US" sz="3400" dirty="0">
+                <a:solidFill>
+                  <a:srgbClr val="595959"/>
+                </a:solidFill>
+                <a:latin typeface="카페24 당당해"/>
+                <a:cs typeface="카페24 당당해"/>
+              </a:rPr>
+              <a:t> 수정</a:t>
             </a:r>
           </a:p>
         </p:txBody>
@@ -16125,7 +14014,7 @@
             <p:nvPr/>
           </p:nvPicPr>
           <p:blipFill rotWithShape="1">
-            <a:blip r:embed="rId4"/>
+            <a:blip r:embed="rId2"/>
             <a:stretch>
               <a:fillRect/>
             </a:stretch>
@@ -16149,7 +14038,7 @@
         </p:nvSpPr>
         <p:spPr>
           <a:xfrm>
-            <a:off x="2458670" y="1005895"/>
+            <a:off x="695935" y="921124"/>
             <a:ext cx="2570530" cy="365704"/>
           </a:xfrm>
           <a:prstGeom prst="rect">
@@ -16165,7 +14054,7 @@
               <a:defRPr lang="ko-KR" altLang="en-US"/>
             </a:pPr>
             <a:r>
-              <a:rPr lang="ko-KR" altLang="en-US">
+              <a:rPr lang="ko-KR" altLang="en-US" sz="2000" dirty="0">
                 <a:solidFill>
                   <a:srgbClr val="595959"/>
                 </a:solidFill>
@@ -16179,130 +14068,157 @@
       </p:sp>
       <p:pic>
         <p:nvPicPr>
-          <p:cNvPr id="1065" name="그림 1064"/>
+          <p:cNvPr id="5" name="그림 4">
+            <a:extLst>
+              <a:ext uri="{FF2B5EF4-FFF2-40B4-BE49-F238E27FC236}">
+                <a16:creationId xmlns:a16="http://schemas.microsoft.com/office/drawing/2014/main" id="{8148EC5F-CEAA-4CCA-93F1-186D88AC2892}"/>
+              </a:ext>
+            </a:extLst>
+          </p:cNvPr>
           <p:cNvPicPr>
             <a:picLocks noChangeAspect="1"/>
           </p:cNvPicPr>
           <p:nvPr/>
         </p:nvPicPr>
-        <p:blipFill rotWithShape="1">
-          <a:blip r:embed="rId5"/>
+        <p:blipFill>
+          <a:blip r:embed="rId3">
+            <a:clrChange>
+              <a:clrFrom>
+                <a:srgbClr val="FFFFFF"/>
+              </a:clrFrom>
+              <a:clrTo>
+                <a:srgbClr val="FFFFFF">
+                  <a:alpha val="0"/>
+                </a:srgbClr>
+              </a:clrTo>
+            </a:clrChange>
+          </a:blip>
           <a:stretch>
             <a:fillRect/>
           </a:stretch>
         </p:blipFill>
         <p:spPr>
           <a:xfrm>
-            <a:off x="1981200" y="2514600"/>
-            <a:ext cx="6238876" cy="6858000"/>
-          </a:xfrm>
-          <a:prstGeom prst="rect">
-            <a:avLst/>
-          </a:prstGeom>
+            <a:off x="152400" y="2628900"/>
+            <a:ext cx="8847248" cy="6736976"/>
+          </a:xfrm>
+          <a:prstGeom prst="rect">
+            <a:avLst/>
+          </a:prstGeom>
+          <a:ln w="28575">
+            <a:solidFill>
+              <a:schemeClr val="accent1"/>
+            </a:solidFill>
+          </a:ln>
         </p:spPr>
       </p:pic>
       <p:pic>
         <p:nvPicPr>
-          <p:cNvPr id="1066" name="그림 1065"/>
+          <p:cNvPr id="7" name="그림 6">
+            <a:extLst>
+              <a:ext uri="{FF2B5EF4-FFF2-40B4-BE49-F238E27FC236}">
+                <a16:creationId xmlns:a16="http://schemas.microsoft.com/office/drawing/2014/main" id="{BFAF674D-EBD7-46B4-860C-495E18BD9587}"/>
+              </a:ext>
+            </a:extLst>
+          </p:cNvPr>
           <p:cNvPicPr>
             <a:picLocks noChangeAspect="1"/>
           </p:cNvPicPr>
           <p:nvPr/>
         </p:nvPicPr>
-        <p:blipFill rotWithShape="1">
-          <a:blip r:embed="rId6"/>
+        <p:blipFill>
+          <a:blip r:embed="rId4">
+            <a:clrChange>
+              <a:clrFrom>
+                <a:srgbClr val="FFFFFF"/>
+              </a:clrFrom>
+              <a:clrTo>
+                <a:srgbClr val="FFFFFF">
+                  <a:alpha val="0"/>
+                </a:srgbClr>
+              </a:clrTo>
+            </a:clrChange>
+          </a:blip>
           <a:stretch>
             <a:fillRect/>
           </a:stretch>
         </p:blipFill>
         <p:spPr>
           <a:xfrm>
-            <a:off x="11449050" y="152400"/>
-            <a:ext cx="6838950" cy="3429000"/>
+            <a:off x="8839200" y="927282"/>
+            <a:ext cx="9573961" cy="8215443"/>
           </a:xfrm>
           <a:prstGeom prst="rect">
             <a:avLst/>
           </a:prstGeom>
         </p:spPr>
       </p:pic>
-      <p:pic>
-        <p:nvPicPr>
-          <p:cNvPr id="1067" name="그림 1066"/>
-          <p:cNvPicPr>
-            <a:picLocks noChangeAspect="1"/>
-          </p:cNvPicPr>
-          <p:nvPr/>
-        </p:nvPicPr>
-        <p:blipFill rotWithShape="1">
-          <a:blip r:embed="rId7"/>
-          <a:stretch>
-            <a:fillRect/>
-          </a:stretch>
-        </p:blipFill>
-        <p:spPr>
-          <a:xfrm>
-            <a:off x="7924800" y="2562226"/>
-            <a:ext cx="11582400" cy="6962774"/>
-          </a:xfrm>
-          <a:prstGeom prst="rect">
-            <a:avLst/>
-          </a:prstGeom>
-        </p:spPr>
-      </p:pic>
+      <p:sp>
+        <p:nvSpPr>
+          <p:cNvPr id="24" name="TextBox 23">
+            <a:extLst>
+              <a:ext uri="{FF2B5EF4-FFF2-40B4-BE49-F238E27FC236}">
+                <a16:creationId xmlns:a16="http://schemas.microsoft.com/office/drawing/2014/main" id="{2FB7904A-68C4-4CD1-AE86-927C0A820349}"/>
+              </a:ext>
+            </a:extLst>
+          </p:cNvPr>
+          <p:cNvSpPr txBox="1"/>
+          <p:nvPr/>
+        </p:nvSpPr>
+        <p:spPr>
+          <a:xfrm>
+            <a:off x="7471713" y="2628900"/>
+            <a:ext cx="1527363" cy="400110"/>
+          </a:xfrm>
+          <a:prstGeom prst="rect">
+            <a:avLst/>
+          </a:prstGeom>
+          <a:noFill/>
+          <a:ln w="28575">
+            <a:solidFill>
+              <a:schemeClr val="accent1"/>
+            </a:solidFill>
+          </a:ln>
+        </p:spPr>
+        <p:txBody>
+          <a:bodyPr wrap="square" rtlCol="0">
+            <a:spAutoFit/>
+          </a:bodyPr>
+          <a:lstStyle/>
+          <a:p>
+            <a:r>
+              <a:rPr lang="en-US" altLang="ko-KR" sz="2000" dirty="0" err="1"/>
+              <a:t>ProductDao</a:t>
+            </a:r>
+            <a:endParaRPr lang="ko-KR" altLang="en-US" sz="2000" dirty="0"/>
+          </a:p>
+        </p:txBody>
+      </p:sp>
       <p:cxnSp>
         <p:nvCxnSpPr>
-          <p:cNvPr id="1068" name="직선 연결선 1067"/>
+          <p:cNvPr id="11" name="직선 화살표 연결선 10">
+            <a:extLst>
+              <a:ext uri="{FF2B5EF4-FFF2-40B4-BE49-F238E27FC236}">
+                <a16:creationId xmlns:a16="http://schemas.microsoft.com/office/drawing/2014/main" id="{CA3EE0FA-E019-48E6-BB3E-FF520CD05B15}"/>
+              </a:ext>
+            </a:extLst>
+          </p:cNvPr>
           <p:cNvCxnSpPr/>
           <p:nvPr/>
         </p:nvCxnSpPr>
         <p:spPr>
-          <a:xfrm>
-            <a:off x="11506200" y="6477000"/>
-            <a:ext cx="1219200" cy="0"/>
-          </a:xfrm>
-          <a:prstGeom prst="line">
-            <a:avLst/>
-          </a:prstGeom>
-          <a:ln>
+          <a:xfrm flipH="1">
+            <a:off x="9144000" y="5372100"/>
+            <a:ext cx="2286000" cy="0"/>
+          </a:xfrm>
+          <a:prstGeom prst="straightConnector1">
+            <a:avLst/>
+          </a:prstGeom>
+          <a:ln w="28575">
             <a:solidFill>
               <a:srgbClr val="FF0000"/>
             </a:solidFill>
-          </a:ln>
-        </p:spPr>
-        <p:style>
-          <a:lnRef idx="1">
-            <a:schemeClr val="accent1"/>
-          </a:lnRef>
-          <a:fillRef idx="0">
-            <a:schemeClr val="accent1"/>
-          </a:fillRef>
-          <a:effectRef idx="0">
-            <a:schemeClr val="accent1"/>
-          </a:effectRef>
-          <a:fontRef idx="minor">
-            <a:schemeClr val="tx1"/>
-          </a:fontRef>
-        </p:style>
-      </p:cxnSp>
-      <p:cxnSp>
-        <p:nvCxnSpPr>
-          <p:cNvPr id="1069" name="직선 화살표 연결선 1068"/>
-          <p:cNvCxnSpPr/>
-          <p:nvPr/>
-        </p:nvCxnSpPr>
-        <p:spPr>
-          <a:xfrm rot="5400000" flipH="1" flipV="1">
-            <a:off x="11125200" y="4495800"/>
-            <a:ext cx="2895600" cy="762000"/>
-          </a:xfrm>
-          <a:prstGeom prst="straightConnector1">
-            <a:avLst/>
-          </a:prstGeom>
-          <a:ln>
-            <a:solidFill>
-              <a:srgbClr val="FF0000"/>
-            </a:solidFill>
-            <a:tailEnd type="arrow"/>
+            <a:tailEnd type="triangle"/>
           </a:ln>
         </p:spPr>
         <p:style>
